--- a/slides.pptx
+++ b/slides.pptx
@@ -1,16 +1,25 @@
 
 <file path=ppt/presentation.xml><?xml version="1.0" encoding="utf-8"?>
-<p:presentation xmlns:a="http://schemas.openxmlformats.org/drawingml/2006/main" xmlns:r="http://schemas.openxmlformats.org/officeDocument/2006/relationships" xmlns:p="http://schemas.openxmlformats.org/presentationml/2006/main" saveSubsetFonts="1">
+<p:presentation xmlns:a="http://schemas.openxmlformats.org/drawingml/2006/main" xmlns:r="http://schemas.openxmlformats.org/officeDocument/2006/relationships" xmlns:p="http://schemas.openxmlformats.org/presentationml/2006/main" saveSubsetFonts="1" autoCompressPictures="0">
   <p:sldMasterIdLst>
-    <p:sldMasterId id="2147483660" r:id="rId4"/>
+    <p:sldMasterId id="2147483648" r:id="rId4"/>
   </p:sldMasterIdLst>
+  <p:notesMasterIdLst>
+    <p:notesMasterId r:id="rId17"/>
+  </p:notesMasterIdLst>
   <p:sldIdLst>
-    <p:sldId id="256" r:id="rId5"/>
-    <p:sldId id="258" r:id="rId6"/>
+    <p:sldId id="259" r:id="rId5"/>
+    <p:sldId id="256" r:id="rId6"/>
     <p:sldId id="257" r:id="rId7"/>
-    <p:sldId id="259" r:id="rId8"/>
-    <p:sldId id="260" r:id="rId9"/>
-    <p:sldId id="261" r:id="rId10"/>
+    <p:sldId id="305" r:id="rId8"/>
+    <p:sldId id="306" r:id="rId9"/>
+    <p:sldId id="272" r:id="rId10"/>
+    <p:sldId id="307" r:id="rId11"/>
+    <p:sldId id="258" r:id="rId12"/>
+    <p:sldId id="308" r:id="rId13"/>
+    <p:sldId id="309" r:id="rId14"/>
+    <p:sldId id="260" r:id="rId15"/>
+    <p:sldId id="261" r:id="rId16"/>
   </p:sldIdLst>
   <p:sldSz cx="12192000" cy="6858000"/>
   <p:notesSz cx="6858000" cy="9144000"/>
@@ -111,16 +120,34 @@
   </p:defaultTextStyle>
   <p:extLst>
     <p:ext uri="{EFAFB233-063F-42B5-8137-9DF3F51BA10A}">
-      <p15:sldGuideLst xmlns:p15="http://schemas.microsoft.com/office/powerpoint/2012/main"/>
+      <p15:sldGuideLst xmlns:p15="http://schemas.microsoft.com/office/powerpoint/2012/main">
+        <p15:guide id="1" pos="7536" userDrawn="1">
+          <p15:clr>
+            <a:srgbClr val="A4A3A4"/>
+          </p15:clr>
+        </p15:guide>
+        <p15:guide id="2" orient="horz" pos="3888" userDrawn="1">
+          <p15:clr>
+            <a:srgbClr val="A4A3A4"/>
+          </p15:clr>
+        </p15:guide>
+      </p15:sldGuideLst>
     </p:ext>
   </p:extLst>
 </p:presentation>
 </file>
 
+<file path=ppt/authors.xml><?xml version="1.0" encoding="utf-8"?>
+<p188:authorLst xmlns:a="http://schemas.openxmlformats.org/drawingml/2006/main" xmlns:r="http://schemas.openxmlformats.org/officeDocument/2006/relationships" xmlns:p188="http://schemas.microsoft.com/office/powerpoint/2018/8/main">
+  <p188:author id="{6BFD8881-B8EF-A3A8-0DF1-7612FB82037B}" name="Colby Witherup Wood" initials="" userId="S::cew588@ads.northwestern.edu::accba222-3a6e-49e9-b628-2eecdfbc3796" providerId="AD"/>
+  <p188:author id="{DD1DDF8C-1F6C-D3B8-9A71-8D4AA527FCC5}" name="Emilio Lehoucq" initials="EL" userId="S::elm8295@ads.northwestern.edu::fb1e86bc-2dff-49e3-9a0f-9c63245e88ac" providerId="AD"/>
+</p188:authorLst>
+</file>
+
 <file path=ppt/revisionInfo.xml><?xml version="1.0" encoding="utf-8"?>
 <p1510:revInfo xmlns:a="http://schemas.openxmlformats.org/drawingml/2006/main" xmlns:r="http://schemas.openxmlformats.org/officeDocument/2006/relationships" xmlns:p1510="http://schemas.microsoft.com/office/powerpoint/2015/10/main">
   <p1510:revLst>
-    <p1510:client id="{7AFA501B-058B-18A6-0659-F33765A6DBD2}" v="7" dt="2025-08-12T17:10:17.217"/>
+    <p1510:client id="{AA6DC222-5B88-E79C-B164-FBA9CC749DC2}" v="58" dt="2025-06-16T20:33:06.297"/>
   </p1510:revLst>
 </p1510:revInfo>
 </file>
@@ -128,64 +155,833 @@
 <file path=ppt/changesInfos/changesInfo1.xml><?xml version="1.0" encoding="utf-8"?>
 <pc:chgInfo xmlns:a="http://schemas.openxmlformats.org/drawingml/2006/main" xmlns:r="http://schemas.openxmlformats.org/officeDocument/2006/relationships" xmlns:ac="http://schemas.microsoft.com/office/drawing/2013/main/command" xmlns:pc="http://schemas.microsoft.com/office/powerpoint/2013/main/command">
   <pc:docChgLst>
-    <pc:chgData name="Emilio Lehoucq" userId="S::elm8295@ads.northwestern.edu::fb1e86bc-2dff-49e3-9a0f-9c63245e88ac" providerId="AD" clId="Web-{7AFA501B-058B-18A6-0659-F33765A6DBD2}"/>
-    <pc:docChg chg="addSld delSld">
-      <pc:chgData name="Emilio Lehoucq" userId="S::elm8295@ads.northwestern.edu::fb1e86bc-2dff-49e3-9a0f-9c63245e88ac" providerId="AD" clId="Web-{7AFA501B-058B-18A6-0659-F33765A6DBD2}" dt="2025-08-12T17:10:17.217" v="6"/>
+    <pc:chgData name="Colby Witherup Wood" userId="S::cew588@ads.northwestern.edu::accba222-3a6e-49e9-b628-2eecdfbc3796" providerId="AD" clId="Web-{28564221-273E-0B05-0781-EB92C2E35E4F}"/>
+    <pc:docChg chg="modSld">
+      <pc:chgData name="Colby Witherup Wood" userId="S::cew588@ads.northwestern.edu::accba222-3a6e-49e9-b628-2eecdfbc3796" providerId="AD" clId="Web-{28564221-273E-0B05-0781-EB92C2E35E4F}" dt="2024-09-23T18:14:53.314" v="1" actId="20577"/>
       <pc:docMkLst>
         <pc:docMk/>
       </pc:docMkLst>
-      <pc:sldChg chg="del">
-        <pc:chgData name="Emilio Lehoucq" userId="S::elm8295@ads.northwestern.edu::fb1e86bc-2dff-49e3-9a0f-9c63245e88ac" providerId="AD" clId="Web-{7AFA501B-058B-18A6-0659-F33765A6DBD2}" dt="2025-08-12T17:09:47.373" v="0"/>
+      <pc:sldChg chg="modSp">
+        <pc:chgData name="Colby Witherup Wood" userId="S::cew588@ads.northwestern.edu::accba222-3a6e-49e9-b628-2eecdfbc3796" providerId="AD" clId="Web-{28564221-273E-0B05-0781-EB92C2E35E4F}" dt="2024-09-23T18:14:53.314" v="1" actId="20577"/>
         <pc:sldMkLst>
           <pc:docMk/>
-          <pc:sldMk cId="109857222" sldId="256"/>
+          <pc:sldMk cId="3499594374" sldId="257"/>
         </pc:sldMkLst>
+        <pc:spChg chg="mod">
+          <ac:chgData name="Colby Witherup Wood" userId="S::cew588@ads.northwestern.edu::accba222-3a6e-49e9-b628-2eecdfbc3796" providerId="AD" clId="Web-{28564221-273E-0B05-0781-EB92C2E35E4F}" dt="2024-09-23T18:14:53.314" v="1" actId="20577"/>
+          <ac:spMkLst>
+            <pc:docMk/>
+            <pc:sldMk cId="3499594374" sldId="257"/>
+            <ac:spMk id="3" creationId="{22736DF4-919B-F686-3891-6FD730359CE9}"/>
+          </ac:spMkLst>
+        </pc:spChg>
       </pc:sldChg>
-      <pc:sldChg chg="add">
-        <pc:chgData name="Emilio Lehoucq" userId="S::elm8295@ads.northwestern.edu::fb1e86bc-2dff-49e3-9a0f-9c63245e88ac" providerId="AD" clId="Web-{7AFA501B-058B-18A6-0659-F33765A6DBD2}" dt="2025-08-12T17:10:02.248" v="1"/>
+    </pc:docChg>
+  </pc:docChgLst>
+  <pc:docChgLst>
+    <pc:chgData name="Emilio Lehoucq" userId="S::elm8295@ads.northwestern.edu::fb1e86bc-2dff-49e3-9a0f-9c63245e88ac" providerId="AD" clId="Web-{682EFE98-2B1D-E60D-B1BA-9A5EFB5851AD}"/>
+    <pc:docChg chg="modSld">
+      <pc:chgData name="Emilio Lehoucq" userId="S::elm8295@ads.northwestern.edu::fb1e86bc-2dff-49e3-9a0f-9c63245e88ac" providerId="AD" clId="Web-{682EFE98-2B1D-E60D-B1BA-9A5EFB5851AD}" dt="2024-12-02T16:26:00.996" v="31" actId="20577"/>
+      <pc:docMkLst>
+        <pc:docMk/>
+      </pc:docMkLst>
+      <pc:sldChg chg="modSp">
+        <pc:chgData name="Emilio Lehoucq" userId="S::elm8295@ads.northwestern.edu::fb1e86bc-2dff-49e3-9a0f-9c63245e88ac" providerId="AD" clId="Web-{682EFE98-2B1D-E60D-B1BA-9A5EFB5851AD}" dt="2024-12-02T16:26:00.996" v="31" actId="20577"/>
         <pc:sldMkLst>
           <pc:docMk/>
-          <pc:sldMk cId="2406916335" sldId="256"/>
+          <pc:sldMk cId="594445095" sldId="272"/>
         </pc:sldMkLst>
+        <pc:spChg chg="mod">
+          <ac:chgData name="Emilio Lehoucq" userId="S::elm8295@ads.northwestern.edu::fb1e86bc-2dff-49e3-9a0f-9c63245e88ac" providerId="AD" clId="Web-{682EFE98-2B1D-E60D-B1BA-9A5EFB5851AD}" dt="2024-12-02T16:26:00.996" v="31" actId="20577"/>
+          <ac:spMkLst>
+            <pc:docMk/>
+            <pc:sldMk cId="594445095" sldId="272"/>
+            <ac:spMk id="3" creationId="{381BAA9E-457C-FDC7-CC7F-E31AD284B6A5}"/>
+          </ac:spMkLst>
+        </pc:spChg>
       </pc:sldChg>
-      <pc:sldChg chg="add">
-        <pc:chgData name="Emilio Lehoucq" userId="S::elm8295@ads.northwestern.edu::fb1e86bc-2dff-49e3-9a0f-9c63245e88ac" providerId="AD" clId="Web-{7AFA501B-058B-18A6-0659-F33765A6DBD2}" dt="2025-08-12T17:10:02.420" v="3"/>
+    </pc:docChg>
+  </pc:docChgLst>
+  <pc:docChgLst>
+    <pc:chgData name="Emilio Lehoucq" userId="S::elm8295@ads.northwestern.edu::fb1e86bc-2dff-49e3-9a0f-9c63245e88ac" providerId="AD" clId="Web-{87B1227E-67ED-8B10-2F6A-8D13C09111AF}"/>
+    <pc:docChg chg="modSld">
+      <pc:chgData name="Emilio Lehoucq" userId="S::elm8295@ads.northwestern.edu::fb1e86bc-2dff-49e3-9a0f-9c63245e88ac" providerId="AD" clId="Web-{87B1227E-67ED-8B10-2F6A-8D13C09111AF}" dt="2025-03-13T18:15:29.122" v="0" actId="20577"/>
+      <pc:docMkLst>
+        <pc:docMk/>
+      </pc:docMkLst>
+      <pc:sldChg chg="modSp">
+        <pc:chgData name="Emilio Lehoucq" userId="S::elm8295@ads.northwestern.edu::fb1e86bc-2dff-49e3-9a0f-9c63245e88ac" providerId="AD" clId="Web-{87B1227E-67ED-8B10-2F6A-8D13C09111AF}" dt="2025-03-13T18:15:29.122" v="0" actId="20577"/>
         <pc:sldMkLst>
           <pc:docMk/>
-          <pc:sldMk cId="877515387" sldId="257"/>
+          <pc:sldMk cId="594445095" sldId="272"/>
         </pc:sldMkLst>
+        <pc:spChg chg="mod">
+          <ac:chgData name="Emilio Lehoucq" userId="S::elm8295@ads.northwestern.edu::fb1e86bc-2dff-49e3-9a0f-9c63245e88ac" providerId="AD" clId="Web-{87B1227E-67ED-8B10-2F6A-8D13C09111AF}" dt="2025-03-13T18:15:29.122" v="0" actId="20577"/>
+          <ac:spMkLst>
+            <pc:docMk/>
+            <pc:sldMk cId="594445095" sldId="272"/>
+            <ac:spMk id="3" creationId="{381BAA9E-457C-FDC7-CC7F-E31AD284B6A5}"/>
+          </ac:spMkLst>
+        </pc:spChg>
       </pc:sldChg>
-      <pc:sldChg chg="add">
-        <pc:chgData name="Emilio Lehoucq" userId="S::elm8295@ads.northwestern.edu::fb1e86bc-2dff-49e3-9a0f-9c63245e88ac" providerId="AD" clId="Web-{7AFA501B-058B-18A6-0659-F33765A6DBD2}" dt="2025-08-12T17:10:02.342" v="2"/>
+    </pc:docChg>
+  </pc:docChgLst>
+  <pc:docChgLst>
+    <pc:chgData name="Emilio Lehoucq" userId="S::elm8295@ads.northwestern.edu::fb1e86bc-2dff-49e3-9a0f-9c63245e88ac" providerId="AD" clId="Web-{B3B517CC-AA62-7417-4639-5FDED812E025}"/>
+    <pc:docChg chg="delSld modSld">
+      <pc:chgData name="Emilio Lehoucq" userId="S::elm8295@ads.northwestern.edu::fb1e86bc-2dff-49e3-9a0f-9c63245e88ac" providerId="AD" clId="Web-{B3B517CC-AA62-7417-4639-5FDED812E025}" dt="2024-10-21T20:57:39.148" v="3"/>
+      <pc:docMkLst>
+        <pc:docMk/>
+      </pc:docMkLst>
+      <pc:sldChg chg="addSp modSp">
+        <pc:chgData name="Emilio Lehoucq" userId="S::elm8295@ads.northwestern.edu::fb1e86bc-2dff-49e3-9a0f-9c63245e88ac" providerId="AD" clId="Web-{B3B517CC-AA62-7417-4639-5FDED812E025}" dt="2024-10-21T20:57:23.334" v="2" actId="14100"/>
         <pc:sldMkLst>
           <pc:docMk/>
-          <pc:sldMk cId="2848482757" sldId="258"/>
+          <pc:sldMk cId="1122296333" sldId="259"/>
         </pc:sldMkLst>
+        <pc:picChg chg="add mod">
+          <ac:chgData name="Emilio Lehoucq" userId="S::elm8295@ads.northwestern.edu::fb1e86bc-2dff-49e3-9a0f-9c63245e88ac" providerId="AD" clId="Web-{B3B517CC-AA62-7417-4639-5FDED812E025}" dt="2024-10-21T20:57:23.334" v="2" actId="14100"/>
+          <ac:picMkLst>
+            <pc:docMk/>
+            <pc:sldMk cId="1122296333" sldId="259"/>
+            <ac:picMk id="5" creationId="{245940FF-D4F4-954B-932E-5AE69971CE06}"/>
+          </ac:picMkLst>
+        </pc:picChg>
       </pc:sldChg>
-      <pc:sldChg chg="add">
-        <pc:chgData name="Emilio Lehoucq" userId="S::elm8295@ads.northwestern.edu::fb1e86bc-2dff-49e3-9a0f-9c63245e88ac" providerId="AD" clId="Web-{7AFA501B-058B-18A6-0659-F33765A6DBD2}" dt="2025-08-12T17:10:17.029" v="4"/>
+      <pc:sldChg chg="del">
+        <pc:chgData name="Emilio Lehoucq" userId="S::elm8295@ads.northwestern.edu::fb1e86bc-2dff-49e3-9a0f-9c63245e88ac" providerId="AD" clId="Web-{B3B517CC-AA62-7417-4639-5FDED812E025}" dt="2024-10-21T20:57:39.148" v="3"/>
         <pc:sldMkLst>
           <pc:docMk/>
-          <pc:sldMk cId="3205577857" sldId="259"/>
-        </pc:sldMkLst>
-      </pc:sldChg>
-      <pc:sldChg chg="add">
-        <pc:chgData name="Emilio Lehoucq" userId="S::elm8295@ads.northwestern.edu::fb1e86bc-2dff-49e3-9a0f-9c63245e88ac" providerId="AD" clId="Web-{7AFA501B-058B-18A6-0659-F33765A6DBD2}" dt="2025-08-12T17:10:17.123" v="5"/>
-        <pc:sldMkLst>
-          <pc:docMk/>
-          <pc:sldMk cId="2132565352" sldId="260"/>
-        </pc:sldMkLst>
-      </pc:sldChg>
-      <pc:sldChg chg="add">
-        <pc:chgData name="Emilio Lehoucq" userId="S::elm8295@ads.northwestern.edu::fb1e86bc-2dff-49e3-9a0f-9c63245e88ac" providerId="AD" clId="Web-{7AFA501B-058B-18A6-0659-F33765A6DBD2}" dt="2025-08-12T17:10:17.217" v="6"/>
-        <pc:sldMkLst>
-          <pc:docMk/>
-          <pc:sldMk cId="1936354208" sldId="261"/>
+          <pc:sldMk cId="2176332958" sldId="265"/>
         </pc:sldMkLst>
       </pc:sldChg>
     </pc:docChg>
   </pc:docChgLst>
+  <pc:docChgLst>
+    <pc:chgData name="Emilio Lehoucq" userId="S::elm8295@ads.northwestern.edu::fb1e86bc-2dff-49e3-9a0f-9c63245e88ac" providerId="AD" clId="Web-{FCBC2CDA-ACCD-17A7-7872-D76B0F4F6D89}"/>
+    <pc:docChg chg="addSld sldOrd">
+      <pc:chgData name="Emilio Lehoucq" userId="S::elm8295@ads.northwestern.edu::fb1e86bc-2dff-49e3-9a0f-9c63245e88ac" providerId="AD" clId="Web-{FCBC2CDA-ACCD-17A7-7872-D76B0F4F6D89}" dt="2025-01-08T15:54:23.269" v="1"/>
+      <pc:docMkLst>
+        <pc:docMk/>
+      </pc:docMkLst>
+      <pc:sldChg chg="add ord">
+        <pc:chgData name="Emilio Lehoucq" userId="S::elm8295@ads.northwestern.edu::fb1e86bc-2dff-49e3-9a0f-9c63245e88ac" providerId="AD" clId="Web-{FCBC2CDA-ACCD-17A7-7872-D76B0F4F6D89}" dt="2025-01-08T15:54:23.269" v="1"/>
+        <pc:sldMkLst>
+          <pc:docMk/>
+          <pc:sldMk cId="4093799048" sldId="304"/>
+        </pc:sldMkLst>
+      </pc:sldChg>
+    </pc:docChg>
+  </pc:docChgLst>
+  <pc:docChgLst>
+    <pc:chgData name="Emilio Lehoucq" userId="S::elm8295@ads.northwestern.edu::fb1e86bc-2dff-49e3-9a0f-9c63245e88ac" providerId="AD" clId="Web-{0A42BD6D-E5E5-D7CE-D82F-A8059507D580}"/>
+    <pc:docChg chg="modSld">
+      <pc:chgData name="Emilio Lehoucq" userId="S::elm8295@ads.northwestern.edu::fb1e86bc-2dff-49e3-9a0f-9c63245e88ac" providerId="AD" clId="Web-{0A42BD6D-E5E5-D7CE-D82F-A8059507D580}" dt="2024-10-21T20:59:10.072" v="4" actId="1076"/>
+      <pc:docMkLst>
+        <pc:docMk/>
+      </pc:docMkLst>
+      <pc:sldChg chg="modSp">
+        <pc:chgData name="Emilio Lehoucq" userId="S::elm8295@ads.northwestern.edu::fb1e86bc-2dff-49e3-9a0f-9c63245e88ac" providerId="AD" clId="Web-{0A42BD6D-E5E5-D7CE-D82F-A8059507D580}" dt="2024-10-21T20:59:10.072" v="4" actId="1076"/>
+        <pc:sldMkLst>
+          <pc:docMk/>
+          <pc:sldMk cId="1122296333" sldId="259"/>
+        </pc:sldMkLst>
+        <pc:picChg chg="mod">
+          <ac:chgData name="Emilio Lehoucq" userId="S::elm8295@ads.northwestern.edu::fb1e86bc-2dff-49e3-9a0f-9c63245e88ac" providerId="AD" clId="Web-{0A42BD6D-E5E5-D7CE-D82F-A8059507D580}" dt="2024-10-21T20:59:10.072" v="4" actId="1076"/>
+          <ac:picMkLst>
+            <pc:docMk/>
+            <pc:sldMk cId="1122296333" sldId="259"/>
+            <ac:picMk id="5" creationId="{245940FF-D4F4-954B-932E-5AE69971CE06}"/>
+          </ac:picMkLst>
+        </pc:picChg>
+      </pc:sldChg>
+    </pc:docChg>
+  </pc:docChgLst>
+  <pc:docChgLst>
+    <pc:chgData name="Emilio Lehoucq" userId="S::elm8295@ads.northwestern.edu::fb1e86bc-2dff-49e3-9a0f-9c63245e88ac" providerId="AD" clId="Web-{AA6DC222-5B88-E79C-B164-FBA9CC749DC2}"/>
+    <pc:docChg chg="modSld">
+      <pc:chgData name="Emilio Lehoucq" userId="S::elm8295@ads.northwestern.edu::fb1e86bc-2dff-49e3-9a0f-9c63245e88ac" providerId="AD" clId="Web-{AA6DC222-5B88-E79C-B164-FBA9CC749DC2}" dt="2025-06-16T20:33:04.985" v="54" actId="20577"/>
+      <pc:docMkLst>
+        <pc:docMk/>
+      </pc:docMkLst>
+      <pc:sldChg chg="modSp">
+        <pc:chgData name="Emilio Lehoucq" userId="S::elm8295@ads.northwestern.edu::fb1e86bc-2dff-49e3-9a0f-9c63245e88ac" providerId="AD" clId="Web-{AA6DC222-5B88-E79C-B164-FBA9CC749DC2}" dt="2025-06-16T20:32:13.733" v="34" actId="20577"/>
+        <pc:sldMkLst>
+          <pc:docMk/>
+          <pc:sldMk cId="3499594374" sldId="257"/>
+        </pc:sldMkLst>
+        <pc:spChg chg="mod">
+          <ac:chgData name="Emilio Lehoucq" userId="S::elm8295@ads.northwestern.edu::fb1e86bc-2dff-49e3-9a0f-9c63245e88ac" providerId="AD" clId="Web-{AA6DC222-5B88-E79C-B164-FBA9CC749DC2}" dt="2025-06-16T20:32:13.733" v="34" actId="20577"/>
+          <ac:spMkLst>
+            <pc:docMk/>
+            <pc:sldMk cId="3499594374" sldId="257"/>
+            <ac:spMk id="3" creationId="{22736DF4-919B-F686-3891-6FD730359CE9}"/>
+          </ac:spMkLst>
+        </pc:spChg>
+      </pc:sldChg>
+      <pc:sldChg chg="modSp">
+        <pc:chgData name="Emilio Lehoucq" userId="S::elm8295@ads.northwestern.edu::fb1e86bc-2dff-49e3-9a0f-9c63245e88ac" providerId="AD" clId="Web-{AA6DC222-5B88-E79C-B164-FBA9CC749DC2}" dt="2025-06-16T20:31:54.514" v="32" actId="20577"/>
+        <pc:sldMkLst>
+          <pc:docMk/>
+          <pc:sldMk cId="1122296333" sldId="259"/>
+        </pc:sldMkLst>
+        <pc:spChg chg="mod">
+          <ac:chgData name="Emilio Lehoucq" userId="S::elm8295@ads.northwestern.edu::fb1e86bc-2dff-49e3-9a0f-9c63245e88ac" providerId="AD" clId="Web-{AA6DC222-5B88-E79C-B164-FBA9CC749DC2}" dt="2025-06-16T20:31:54.514" v="32" actId="20577"/>
+          <ac:spMkLst>
+            <pc:docMk/>
+            <pc:sldMk cId="1122296333" sldId="259"/>
+            <ac:spMk id="2" creationId="{F2375E58-52EE-CB4B-78EE-171C3642560B}"/>
+          </ac:spMkLst>
+        </pc:spChg>
+      </pc:sldChg>
+      <pc:sldChg chg="modSp">
+        <pc:chgData name="Emilio Lehoucq" userId="S::elm8295@ads.northwestern.edu::fb1e86bc-2dff-49e3-9a0f-9c63245e88ac" providerId="AD" clId="Web-{AA6DC222-5B88-E79C-B164-FBA9CC749DC2}" dt="2025-06-16T20:33:04.985" v="54" actId="20577"/>
+        <pc:sldMkLst>
+          <pc:docMk/>
+          <pc:sldMk cId="594445095" sldId="272"/>
+        </pc:sldMkLst>
+        <pc:spChg chg="mod">
+          <ac:chgData name="Emilio Lehoucq" userId="S::elm8295@ads.northwestern.edu::fb1e86bc-2dff-49e3-9a0f-9c63245e88ac" providerId="AD" clId="Web-{AA6DC222-5B88-E79C-B164-FBA9CC749DC2}" dt="2025-06-16T20:33:04.985" v="54" actId="20577"/>
+          <ac:spMkLst>
+            <pc:docMk/>
+            <pc:sldMk cId="594445095" sldId="272"/>
+            <ac:spMk id="3" creationId="{381BAA9E-457C-FDC7-CC7F-E31AD284B6A5}"/>
+          </ac:spMkLst>
+        </pc:spChg>
+      </pc:sldChg>
+    </pc:docChg>
+  </pc:docChgLst>
+  <pc:docChgLst>
+    <pc:chgData name="Emilio Lehoucq" userId="S::elm8295@ads.northwestern.edu::fb1e86bc-2dff-49e3-9a0f-9c63245e88ac" providerId="AD" clId="Web-{7446067D-C669-33C4-7B0B-E2E988306830}"/>
+    <pc:docChg chg="addSld modSld">
+      <pc:chgData name="Emilio Lehoucq" userId="S::elm8295@ads.northwestern.edu::fb1e86bc-2dff-49e3-9a0f-9c63245e88ac" providerId="AD" clId="Web-{7446067D-C669-33C4-7B0B-E2E988306830}" dt="2025-05-08T20:19:16.163" v="121" actId="20577"/>
+      <pc:docMkLst>
+        <pc:docMk/>
+      </pc:docMkLst>
+      <pc:sldChg chg="modSp">
+        <pc:chgData name="Emilio Lehoucq" userId="S::elm8295@ads.northwestern.edu::fb1e86bc-2dff-49e3-9a0f-9c63245e88ac" providerId="AD" clId="Web-{7446067D-C669-33C4-7B0B-E2E988306830}" dt="2025-05-08T19:25:22.879" v="56" actId="20577"/>
+        <pc:sldMkLst>
+          <pc:docMk/>
+          <pc:sldMk cId="1615984364" sldId="271"/>
+        </pc:sldMkLst>
+        <pc:spChg chg="mod">
+          <ac:chgData name="Emilio Lehoucq" userId="S::elm8295@ads.northwestern.edu::fb1e86bc-2dff-49e3-9a0f-9c63245e88ac" providerId="AD" clId="Web-{7446067D-C669-33C4-7B0B-E2E988306830}" dt="2025-05-08T19:25:22.879" v="56" actId="20577"/>
+          <ac:spMkLst>
+            <pc:docMk/>
+            <pc:sldMk cId="1615984364" sldId="271"/>
+            <ac:spMk id="3" creationId="{A737146B-6CED-6191-6133-907EBC12D8B2}"/>
+          </ac:spMkLst>
+        </pc:spChg>
+      </pc:sldChg>
+      <pc:sldChg chg="modSp">
+        <pc:chgData name="Emilio Lehoucq" userId="S::elm8295@ads.northwestern.edu::fb1e86bc-2dff-49e3-9a0f-9c63245e88ac" providerId="AD" clId="Web-{7446067D-C669-33C4-7B0B-E2E988306830}" dt="2025-05-08T20:19:16.163" v="121" actId="20577"/>
+        <pc:sldMkLst>
+          <pc:docMk/>
+          <pc:sldMk cId="594445095" sldId="272"/>
+        </pc:sldMkLst>
+        <pc:spChg chg="mod">
+          <ac:chgData name="Emilio Lehoucq" userId="S::elm8295@ads.northwestern.edu::fb1e86bc-2dff-49e3-9a0f-9c63245e88ac" providerId="AD" clId="Web-{7446067D-C669-33C4-7B0B-E2E988306830}" dt="2025-05-08T20:19:16.163" v="121" actId="20577"/>
+          <ac:spMkLst>
+            <pc:docMk/>
+            <pc:sldMk cId="594445095" sldId="272"/>
+            <ac:spMk id="3" creationId="{381BAA9E-457C-FDC7-CC7F-E31AD284B6A5}"/>
+          </ac:spMkLst>
+        </pc:spChg>
+      </pc:sldChg>
+      <pc:sldChg chg="addSp delSp modSp add replId">
+        <pc:chgData name="Emilio Lehoucq" userId="S::elm8295@ads.northwestern.edu::fb1e86bc-2dff-49e3-9a0f-9c63245e88ac" providerId="AD" clId="Web-{7446067D-C669-33C4-7B0B-E2E988306830}" dt="2025-05-08T19:24:08.864" v="34"/>
+        <pc:sldMkLst>
+          <pc:docMk/>
+          <pc:sldMk cId="2126057444" sldId="305"/>
+        </pc:sldMkLst>
+        <pc:spChg chg="mod">
+          <ac:chgData name="Emilio Lehoucq" userId="S::elm8295@ads.northwestern.edu::fb1e86bc-2dff-49e3-9a0f-9c63245e88ac" providerId="AD" clId="Web-{7446067D-C669-33C4-7B0B-E2E988306830}" dt="2025-05-08T19:22:37.739" v="7" actId="20577"/>
+          <ac:spMkLst>
+            <pc:docMk/>
+            <pc:sldMk cId="2126057444" sldId="305"/>
+            <ac:spMk id="2" creationId="{260C6E47-68D9-C923-8BF0-80840E28B573}"/>
+          </ac:spMkLst>
+        </pc:spChg>
+        <pc:spChg chg="mod">
+          <ac:chgData name="Emilio Lehoucq" userId="S::elm8295@ads.northwestern.edu::fb1e86bc-2dff-49e3-9a0f-9c63245e88ac" providerId="AD" clId="Web-{7446067D-C669-33C4-7B0B-E2E988306830}" dt="2025-05-08T19:24:06.207" v="30" actId="20577"/>
+          <ac:spMkLst>
+            <pc:docMk/>
+            <pc:sldMk cId="2126057444" sldId="305"/>
+            <ac:spMk id="3" creationId="{A2167115-1C80-D9D0-E885-D3969CF23F0C}"/>
+          </ac:spMkLst>
+        </pc:spChg>
+        <pc:spChg chg="add del mod">
+          <ac:chgData name="Emilio Lehoucq" userId="S::elm8295@ads.northwestern.edu::fb1e86bc-2dff-49e3-9a0f-9c63245e88ac" providerId="AD" clId="Web-{7446067D-C669-33C4-7B0B-E2E988306830}" dt="2025-05-08T19:24:08.864" v="34"/>
+          <ac:spMkLst>
+            <pc:docMk/>
+            <pc:sldMk cId="2126057444" sldId="305"/>
+            <ac:spMk id="4" creationId="{9A7D1F55-79BA-CAFF-0D70-7E36DEDFE33F}"/>
+          </ac:spMkLst>
+        </pc:spChg>
+      </pc:sldChg>
+      <pc:sldChg chg="modSp add replId">
+        <pc:chgData name="Emilio Lehoucq" userId="S::elm8295@ads.northwestern.edu::fb1e86bc-2dff-49e3-9a0f-9c63245e88ac" providerId="AD" clId="Web-{7446067D-C669-33C4-7B0B-E2E988306830}" dt="2025-05-08T19:24:56.254" v="53" actId="20577"/>
+        <pc:sldMkLst>
+          <pc:docMk/>
+          <pc:sldMk cId="4285256136" sldId="306"/>
+        </pc:sldMkLst>
+        <pc:spChg chg="mod">
+          <ac:chgData name="Emilio Lehoucq" userId="S::elm8295@ads.northwestern.edu::fb1e86bc-2dff-49e3-9a0f-9c63245e88ac" providerId="AD" clId="Web-{7446067D-C669-33C4-7B0B-E2E988306830}" dt="2025-05-08T19:24:21.129" v="46" actId="20577"/>
+          <ac:spMkLst>
+            <pc:docMk/>
+            <pc:sldMk cId="4285256136" sldId="306"/>
+            <ac:spMk id="2" creationId="{41D4884A-1155-5856-3488-4B923E6730C0}"/>
+          </ac:spMkLst>
+        </pc:spChg>
+        <pc:spChg chg="mod">
+          <ac:chgData name="Emilio Lehoucq" userId="S::elm8295@ads.northwestern.edu::fb1e86bc-2dff-49e3-9a0f-9c63245e88ac" providerId="AD" clId="Web-{7446067D-C669-33C4-7B0B-E2E988306830}" dt="2025-05-08T19:24:56.254" v="53" actId="20577"/>
+          <ac:spMkLst>
+            <pc:docMk/>
+            <pc:sldMk cId="4285256136" sldId="306"/>
+            <ac:spMk id="3" creationId="{43C76EB4-3566-2940-E3C7-E49EF20167BD}"/>
+          </ac:spMkLst>
+        </pc:spChg>
+      </pc:sldChg>
+    </pc:docChg>
+  </pc:docChgLst>
+  <pc:docChgLst>
+    <pc:chgData name="Emilio Lehoucq" userId="S::elm8295@ads.northwestern.edu::fb1e86bc-2dff-49e3-9a0f-9c63245e88ac" providerId="AD" clId="Web-{1CA41D3A-94FA-7AC5-C7F9-7C99997555E2}"/>
+    <pc:docChg chg="modSld">
+      <pc:chgData name="Emilio Lehoucq" userId="S::elm8295@ads.northwestern.edu::fb1e86bc-2dff-49e3-9a0f-9c63245e88ac" providerId="AD" clId="Web-{1CA41D3A-94FA-7AC5-C7F9-7C99997555E2}" dt="2024-09-24T14:03:32.856" v="46" actId="20577"/>
+      <pc:docMkLst>
+        <pc:docMk/>
+      </pc:docMkLst>
+      <pc:sldChg chg="modSp">
+        <pc:chgData name="Emilio Lehoucq" userId="S::elm8295@ads.northwestern.edu::fb1e86bc-2dff-49e3-9a0f-9c63245e88ac" providerId="AD" clId="Web-{1CA41D3A-94FA-7AC5-C7F9-7C99997555E2}" dt="2024-09-24T14:02:49.808" v="24" actId="20577"/>
+        <pc:sldMkLst>
+          <pc:docMk/>
+          <pc:sldMk cId="1122296333" sldId="259"/>
+        </pc:sldMkLst>
+        <pc:spChg chg="mod">
+          <ac:chgData name="Emilio Lehoucq" userId="S::elm8295@ads.northwestern.edu::fb1e86bc-2dff-49e3-9a0f-9c63245e88ac" providerId="AD" clId="Web-{1CA41D3A-94FA-7AC5-C7F9-7C99997555E2}" dt="2024-09-24T14:02:42.230" v="16" actId="20577"/>
+          <ac:spMkLst>
+            <pc:docMk/>
+            <pc:sldMk cId="1122296333" sldId="259"/>
+            <ac:spMk id="2" creationId="{F2375E58-52EE-CB4B-78EE-171C3642560B}"/>
+          </ac:spMkLst>
+        </pc:spChg>
+        <pc:spChg chg="mod">
+          <ac:chgData name="Emilio Lehoucq" userId="S::elm8295@ads.northwestern.edu::fb1e86bc-2dff-49e3-9a0f-9c63245e88ac" providerId="AD" clId="Web-{1CA41D3A-94FA-7AC5-C7F9-7C99997555E2}" dt="2024-09-24T14:02:49.808" v="24" actId="20577"/>
+          <ac:spMkLst>
+            <pc:docMk/>
+            <pc:sldMk cId="1122296333" sldId="259"/>
+            <ac:spMk id="4" creationId="{64DEF87A-AE29-9BDA-57F1-2F3721024093}"/>
+          </ac:spMkLst>
+        </pc:spChg>
+      </pc:sldChg>
+      <pc:sldChg chg="modSp">
+        <pc:chgData name="Emilio Lehoucq" userId="S::elm8295@ads.northwestern.edu::fb1e86bc-2dff-49e3-9a0f-9c63245e88ac" providerId="AD" clId="Web-{1CA41D3A-94FA-7AC5-C7F9-7C99997555E2}" dt="2024-09-24T14:03:32.856" v="46" actId="20577"/>
+        <pc:sldMkLst>
+          <pc:docMk/>
+          <pc:sldMk cId="594445095" sldId="272"/>
+        </pc:sldMkLst>
+        <pc:spChg chg="mod">
+          <ac:chgData name="Emilio Lehoucq" userId="S::elm8295@ads.northwestern.edu::fb1e86bc-2dff-49e3-9a0f-9c63245e88ac" providerId="AD" clId="Web-{1CA41D3A-94FA-7AC5-C7F9-7C99997555E2}" dt="2024-09-24T14:03:32.856" v="46" actId="20577"/>
+          <ac:spMkLst>
+            <pc:docMk/>
+            <pc:sldMk cId="594445095" sldId="272"/>
+            <ac:spMk id="3" creationId="{381BAA9E-457C-FDC7-CC7F-E31AD284B6A5}"/>
+          </ac:spMkLst>
+        </pc:spChg>
+      </pc:sldChg>
+    </pc:docChg>
+  </pc:docChgLst>
+  <pc:docChgLst>
+    <pc:chgData name="Emilio Lehoucq" userId="S::elm8295@ads.northwestern.edu::fb1e86bc-2dff-49e3-9a0f-9c63245e88ac" providerId="AD" clId="Web-{05D27B6D-F06C-5200-3459-CBE35788B1DC}"/>
+    <pc:docChg chg="modSld">
+      <pc:chgData name="Emilio Lehoucq" userId="S::elm8295@ads.northwestern.edu::fb1e86bc-2dff-49e3-9a0f-9c63245e88ac" providerId="AD" clId="Web-{05D27B6D-F06C-5200-3459-CBE35788B1DC}" dt="2025-03-12T17:51:22.748" v="19" actId="20577"/>
+      <pc:docMkLst>
+        <pc:docMk/>
+      </pc:docMkLst>
+      <pc:sldChg chg="modSp">
+        <pc:chgData name="Emilio Lehoucq" userId="S::elm8295@ads.northwestern.edu::fb1e86bc-2dff-49e3-9a0f-9c63245e88ac" providerId="AD" clId="Web-{05D27B6D-F06C-5200-3459-CBE35788B1DC}" dt="2025-03-12T17:51:22.748" v="19" actId="20577"/>
+        <pc:sldMkLst>
+          <pc:docMk/>
+          <pc:sldMk cId="594445095" sldId="272"/>
+        </pc:sldMkLst>
+        <pc:spChg chg="mod">
+          <ac:chgData name="Emilio Lehoucq" userId="S::elm8295@ads.northwestern.edu::fb1e86bc-2dff-49e3-9a0f-9c63245e88ac" providerId="AD" clId="Web-{05D27B6D-F06C-5200-3459-CBE35788B1DC}" dt="2025-03-12T17:51:22.748" v="19" actId="20577"/>
+          <ac:spMkLst>
+            <pc:docMk/>
+            <pc:sldMk cId="594445095" sldId="272"/>
+            <ac:spMk id="3" creationId="{381BAA9E-457C-FDC7-CC7F-E31AD284B6A5}"/>
+          </ac:spMkLst>
+        </pc:spChg>
+      </pc:sldChg>
+    </pc:docChg>
+  </pc:docChgLst>
+  <pc:docChgLst>
+    <pc:chgData name="Emilio Lehoucq" userId="S::elm8295@ads.northwestern.edu::fb1e86bc-2dff-49e3-9a0f-9c63245e88ac" providerId="AD" clId="Web-{1D9986D5-6696-3ECE-E3C5-D51B9524E611}"/>
+    <pc:docChg chg="modSld">
+      <pc:chgData name="Emilio Lehoucq" userId="S::elm8295@ads.northwestern.edu::fb1e86bc-2dff-49e3-9a0f-9c63245e88ac" providerId="AD" clId="Web-{1D9986D5-6696-3ECE-E3C5-D51B9524E611}" dt="2024-09-23T18:12:07.949" v="165" actId="20577"/>
+      <pc:docMkLst>
+        <pc:docMk/>
+      </pc:docMkLst>
+      <pc:sldChg chg="modSp">
+        <pc:chgData name="Emilio Lehoucq" userId="S::elm8295@ads.northwestern.edu::fb1e86bc-2dff-49e3-9a0f-9c63245e88ac" providerId="AD" clId="Web-{1D9986D5-6696-3ECE-E3C5-D51B9524E611}" dt="2024-09-23T18:12:07.949" v="165" actId="20577"/>
+        <pc:sldMkLst>
+          <pc:docMk/>
+          <pc:sldMk cId="3499594374" sldId="257"/>
+        </pc:sldMkLst>
+        <pc:spChg chg="mod">
+          <ac:chgData name="Emilio Lehoucq" userId="S::elm8295@ads.northwestern.edu::fb1e86bc-2dff-49e3-9a0f-9c63245e88ac" providerId="AD" clId="Web-{1D9986D5-6696-3ECE-E3C5-D51B9524E611}" dt="2024-09-23T18:11:17.714" v="159" actId="1076"/>
+          <ac:spMkLst>
+            <pc:docMk/>
+            <pc:sldMk cId="3499594374" sldId="257"/>
+            <ac:spMk id="2" creationId="{525A8237-7538-F82E-CF5E-70052A370BBF}"/>
+          </ac:spMkLst>
+        </pc:spChg>
+        <pc:spChg chg="mod">
+          <ac:chgData name="Emilio Lehoucq" userId="S::elm8295@ads.northwestern.edu::fb1e86bc-2dff-49e3-9a0f-9c63245e88ac" providerId="AD" clId="Web-{1D9986D5-6696-3ECE-E3C5-D51B9524E611}" dt="2024-09-23T18:12:07.949" v="165" actId="20577"/>
+          <ac:spMkLst>
+            <pc:docMk/>
+            <pc:sldMk cId="3499594374" sldId="257"/>
+            <ac:spMk id="3" creationId="{22736DF4-919B-F686-3891-6FD730359CE9}"/>
+          </ac:spMkLst>
+        </pc:spChg>
+        <pc:spChg chg="mod">
+          <ac:chgData name="Emilio Lehoucq" userId="S::elm8295@ads.northwestern.edu::fb1e86bc-2dff-49e3-9a0f-9c63245e88ac" providerId="AD" clId="Web-{1D9986D5-6696-3ECE-E3C5-D51B9524E611}" dt="2024-09-23T18:11:21.136" v="160" actId="1076"/>
+          <ac:spMkLst>
+            <pc:docMk/>
+            <pc:sldMk cId="3499594374" sldId="257"/>
+            <ac:spMk id="6" creationId="{3009FC79-E7F4-9004-8097-D165F9AA0BAE}"/>
+          </ac:spMkLst>
+        </pc:spChg>
+      </pc:sldChg>
+    </pc:docChg>
+  </pc:docChgLst>
+  <pc:docChgLst>
+    <pc:chgData name="Emilio Lehoucq" userId="S::elm8295@ads.northwestern.edu::fb1e86bc-2dff-49e3-9a0f-9c63245e88ac" providerId="AD" clId="Web-{CF064446-7B99-AA60-A6E4-A4F2D0C3A496}"/>
+    <pc:docChg chg="modSld">
+      <pc:chgData name="Emilio Lehoucq" userId="S::elm8295@ads.northwestern.edu::fb1e86bc-2dff-49e3-9a0f-9c63245e88ac" providerId="AD" clId="Web-{CF064446-7B99-AA60-A6E4-A4F2D0C3A496}" dt="2024-12-02T16:24:38.441" v="8" actId="20577"/>
+      <pc:docMkLst>
+        <pc:docMk/>
+      </pc:docMkLst>
+      <pc:sldChg chg="modSp">
+        <pc:chgData name="Emilio Lehoucq" userId="S::elm8295@ads.northwestern.edu::fb1e86bc-2dff-49e3-9a0f-9c63245e88ac" providerId="AD" clId="Web-{CF064446-7B99-AA60-A6E4-A4F2D0C3A496}" dt="2024-12-02T16:24:38.441" v="8" actId="20577"/>
+        <pc:sldMkLst>
+          <pc:docMk/>
+          <pc:sldMk cId="1122296333" sldId="259"/>
+        </pc:sldMkLst>
+        <pc:spChg chg="mod">
+          <ac:chgData name="Emilio Lehoucq" userId="S::elm8295@ads.northwestern.edu::fb1e86bc-2dff-49e3-9a0f-9c63245e88ac" providerId="AD" clId="Web-{CF064446-7B99-AA60-A6E4-A4F2D0C3A496}" dt="2024-12-02T16:24:38.441" v="8" actId="20577"/>
+          <ac:spMkLst>
+            <pc:docMk/>
+            <pc:sldMk cId="1122296333" sldId="259"/>
+            <ac:spMk id="4" creationId="{64DEF87A-AE29-9BDA-57F1-2F3721024093}"/>
+          </ac:spMkLst>
+        </pc:spChg>
+      </pc:sldChg>
+    </pc:docChg>
+  </pc:docChgLst>
+  <pc:docChgLst>
+    <pc:chgData name="Emilio Lehoucq" userId="S::elm8295@ads.northwestern.edu::fb1e86bc-2dff-49e3-9a0f-9c63245e88ac" providerId="AD" clId="Web-{42C51C2F-2407-B6CC-07EA-8C5897D6F810}"/>
+    <pc:docChg chg="modSld">
+      <pc:chgData name="Emilio Lehoucq" userId="S::elm8295@ads.northwestern.edu::fb1e86bc-2dff-49e3-9a0f-9c63245e88ac" providerId="AD" clId="Web-{42C51C2F-2407-B6CC-07EA-8C5897D6F810}" dt="2025-05-29T21:23:59.442" v="12" actId="1076"/>
+      <pc:docMkLst>
+        <pc:docMk/>
+      </pc:docMkLst>
+      <pc:sldChg chg="addSp modSp">
+        <pc:chgData name="Emilio Lehoucq" userId="S::elm8295@ads.northwestern.edu::fb1e86bc-2dff-49e3-9a0f-9c63245e88ac" providerId="AD" clId="Web-{42C51C2F-2407-B6CC-07EA-8C5897D6F810}" dt="2025-05-29T21:23:59.442" v="12" actId="1076"/>
+        <pc:sldMkLst>
+          <pc:docMk/>
+          <pc:sldMk cId="1122296333" sldId="259"/>
+        </pc:sldMkLst>
+        <pc:picChg chg="add mod">
+          <ac:chgData name="Emilio Lehoucq" userId="S::elm8295@ads.northwestern.edu::fb1e86bc-2dff-49e3-9a0f-9c63245e88ac" providerId="AD" clId="Web-{42C51C2F-2407-B6CC-07EA-8C5897D6F810}" dt="2025-05-29T21:23:59.442" v="12" actId="1076"/>
+          <ac:picMkLst>
+            <pc:docMk/>
+            <pc:sldMk cId="1122296333" sldId="259"/>
+            <ac:picMk id="6" creationId="{C7026550-BA70-F4D5-2259-07840CCD317B}"/>
+          </ac:picMkLst>
+        </pc:picChg>
+      </pc:sldChg>
+    </pc:docChg>
+  </pc:docChgLst>
+  <pc:docChgLst>
+    <pc:chgData name="Emilio Lehoucq" userId="S::elm8295@ads.northwestern.edu::fb1e86bc-2dff-49e3-9a0f-9c63245e88ac" providerId="AD" clId="Web-{B44F5138-6F51-C43B-B6F1-23C1196D0CBF}"/>
+    <pc:docChg chg="addSld sldOrd">
+      <pc:chgData name="Emilio Lehoucq" userId="S::elm8295@ads.northwestern.edu::fb1e86bc-2dff-49e3-9a0f-9c63245e88ac" providerId="AD" clId="Web-{B44F5138-6F51-C43B-B6F1-23C1196D0CBF}" dt="2024-10-21T15:41:27.536" v="1"/>
+      <pc:docMkLst>
+        <pc:docMk/>
+      </pc:docMkLst>
+      <pc:sldChg chg="add ord">
+        <pc:chgData name="Emilio Lehoucq" userId="S::elm8295@ads.northwestern.edu::fb1e86bc-2dff-49e3-9a0f-9c63245e88ac" providerId="AD" clId="Web-{B44F5138-6F51-C43B-B6F1-23C1196D0CBF}" dt="2024-10-21T15:41:27.536" v="1"/>
+        <pc:sldMkLst>
+          <pc:docMk/>
+          <pc:sldMk cId="2176332958" sldId="265"/>
+        </pc:sldMkLst>
+      </pc:sldChg>
+      <pc:sldMasterChg chg="addSldLayout">
+        <pc:chgData name="Emilio Lehoucq" userId="S::elm8295@ads.northwestern.edu::fb1e86bc-2dff-49e3-9a0f-9c63245e88ac" providerId="AD" clId="Web-{B44F5138-6F51-C43B-B6F1-23C1196D0CBF}" dt="2024-10-21T15:41:18.348" v="0"/>
+        <pc:sldMasterMkLst>
+          <pc:docMk/>
+          <pc:sldMasterMk cId="4270580658" sldId="2147483648"/>
+        </pc:sldMasterMkLst>
+        <pc:sldLayoutChg chg="add">
+          <pc:chgData name="Emilio Lehoucq" userId="S::elm8295@ads.northwestern.edu::fb1e86bc-2dff-49e3-9a0f-9c63245e88ac" providerId="AD" clId="Web-{B44F5138-6F51-C43B-B6F1-23C1196D0CBF}" dt="2024-10-21T15:41:18.348" v="0"/>
+          <pc:sldLayoutMkLst>
+            <pc:docMk/>
+            <pc:sldMasterMk cId="4270580658" sldId="2147483648"/>
+            <pc:sldLayoutMk cId="2213598434" sldId="2147483662"/>
+          </pc:sldLayoutMkLst>
+        </pc:sldLayoutChg>
+      </pc:sldMasterChg>
+    </pc:docChg>
+  </pc:docChgLst>
 </pc:chgInfo>
+</file>
+
+<file path=ppt/notesMasters/notesMaster1.xml><?xml version="1.0" encoding="utf-8"?>
+<p:notesMaster xmlns:a="http://schemas.openxmlformats.org/drawingml/2006/main" xmlns:r="http://schemas.openxmlformats.org/officeDocument/2006/relationships" xmlns:p="http://schemas.openxmlformats.org/presentationml/2006/main">
+  <p:cSld>
+    <p:bg>
+      <p:bgRef idx="1001">
+        <a:schemeClr val="bg1"/>
+      </p:bgRef>
+    </p:bg>
+    <p:spTree>
+      <p:nvGrpSpPr>
+        <p:cNvPr id="1" name=""/>
+        <p:cNvGrpSpPr/>
+        <p:nvPr/>
+      </p:nvGrpSpPr>
+      <p:grpSpPr>
+        <a:xfrm>
+          <a:off x="0" y="0"/>
+          <a:ext cx="0" cy="0"/>
+          <a:chOff x="0" y="0"/>
+          <a:chExt cx="0" cy="0"/>
+        </a:xfrm>
+      </p:grpSpPr>
+      <p:sp>
+        <p:nvSpPr>
+          <p:cNvPr id="2" name="Header Placeholder 1"/>
+          <p:cNvSpPr>
+            <a:spLocks noGrp="1"/>
+          </p:cNvSpPr>
+          <p:nvPr>
+            <p:ph type="hdr" sz="quarter"/>
+          </p:nvPr>
+        </p:nvSpPr>
+        <p:spPr>
+          <a:xfrm>
+            <a:off x="0" y="0"/>
+            <a:ext cx="2971800" cy="458788"/>
+          </a:xfrm>
+          <a:prstGeom prst="rect">
+            <a:avLst/>
+          </a:prstGeom>
+        </p:spPr>
+        <p:txBody>
+          <a:bodyPr vert="horz" lIns="91440" tIns="45720" rIns="91440" bIns="45720" rtlCol="0"/>
+          <a:lstStyle>
+            <a:lvl1pPr algn="l">
+              <a:defRPr sz="1200"/>
+            </a:lvl1pPr>
+          </a:lstStyle>
+          <a:p>
+            <a:endParaRPr lang="en-US"/>
+          </a:p>
+        </p:txBody>
+      </p:sp>
+      <p:sp>
+        <p:nvSpPr>
+          <p:cNvPr id="3" name="Date Placeholder 2"/>
+          <p:cNvSpPr>
+            <a:spLocks noGrp="1"/>
+          </p:cNvSpPr>
+          <p:nvPr>
+            <p:ph type="dt" idx="1"/>
+          </p:nvPr>
+        </p:nvSpPr>
+        <p:spPr>
+          <a:xfrm>
+            <a:off x="3884613" y="0"/>
+            <a:ext cx="2971800" cy="458788"/>
+          </a:xfrm>
+          <a:prstGeom prst="rect">
+            <a:avLst/>
+          </a:prstGeom>
+        </p:spPr>
+        <p:txBody>
+          <a:bodyPr vert="horz" lIns="91440" tIns="45720" rIns="91440" bIns="45720" rtlCol="0"/>
+          <a:lstStyle>
+            <a:lvl1pPr algn="r">
+              <a:defRPr sz="1200"/>
+            </a:lvl1pPr>
+          </a:lstStyle>
+          <a:p>
+            <a:fld id="{FFEE8BD1-4CD9-4E23-9BB3-F9FF5D2B01EB}" type="datetimeFigureOut">
+              <a:t>8/13/25</a:t>
+            </a:fld>
+            <a:endParaRPr lang="en-US"/>
+          </a:p>
+        </p:txBody>
+      </p:sp>
+      <p:sp>
+        <p:nvSpPr>
+          <p:cNvPr id="4" name="Slide Image Placeholder 3"/>
+          <p:cNvSpPr>
+            <a:spLocks noGrp="1" noRot="1" noChangeAspect="1"/>
+          </p:cNvSpPr>
+          <p:nvPr>
+            <p:ph type="sldImg" idx="2"/>
+          </p:nvPr>
+        </p:nvSpPr>
+        <p:spPr>
+          <a:xfrm>
+            <a:off x="685800" y="1143000"/>
+            <a:ext cx="5486400" cy="3086100"/>
+          </a:xfrm>
+          <a:prstGeom prst="rect">
+            <a:avLst/>
+          </a:prstGeom>
+          <a:noFill/>
+          <a:ln w="12700">
+            <a:solidFill>
+              <a:prstClr val="black"/>
+            </a:solidFill>
+          </a:ln>
+        </p:spPr>
+        <p:txBody>
+          <a:bodyPr vert="horz" lIns="91440" tIns="45720" rIns="91440" bIns="45720" rtlCol="0" anchor="ctr"/>
+          <a:lstStyle/>
+          <a:p>
+            <a:endParaRPr lang="en-US"/>
+          </a:p>
+        </p:txBody>
+      </p:sp>
+      <p:sp>
+        <p:nvSpPr>
+          <p:cNvPr id="5" name="Notes Placeholder 4"/>
+          <p:cNvSpPr>
+            <a:spLocks noGrp="1"/>
+          </p:cNvSpPr>
+          <p:nvPr>
+            <p:ph type="body" sz="quarter" idx="3"/>
+          </p:nvPr>
+        </p:nvSpPr>
+        <p:spPr>
+          <a:xfrm>
+            <a:off x="685800" y="4400550"/>
+            <a:ext cx="5486400" cy="3600450"/>
+          </a:xfrm>
+          <a:prstGeom prst="rect">
+            <a:avLst/>
+          </a:prstGeom>
+        </p:spPr>
+        <p:txBody>
+          <a:bodyPr vert="horz" lIns="91440" tIns="45720" rIns="91440" bIns="45720" rtlCol="0"/>
+          <a:lstStyle/>
+          <a:p>
+            <a:pPr lvl="0"/>
+            <a:r>
+              <a:rPr lang="en-US"/>
+              <a:t>Click to edit Master text styles</a:t>
+            </a:r>
+          </a:p>
+          <a:p>
+            <a:pPr lvl="1"/>
+            <a:r>
+              <a:rPr lang="en-US"/>
+              <a:t>Second level</a:t>
+            </a:r>
+          </a:p>
+          <a:p>
+            <a:pPr lvl="2"/>
+            <a:r>
+              <a:rPr lang="en-US"/>
+              <a:t>Third level</a:t>
+            </a:r>
+          </a:p>
+          <a:p>
+            <a:pPr lvl="3"/>
+            <a:r>
+              <a:rPr lang="en-US"/>
+              <a:t>Fourth level</a:t>
+            </a:r>
+          </a:p>
+          <a:p>
+            <a:pPr lvl="4"/>
+            <a:r>
+              <a:rPr lang="en-US"/>
+              <a:t>Fifth level</a:t>
+            </a:r>
+          </a:p>
+        </p:txBody>
+      </p:sp>
+      <p:sp>
+        <p:nvSpPr>
+          <p:cNvPr id="6" name="Footer Placeholder 5"/>
+          <p:cNvSpPr>
+            <a:spLocks noGrp="1"/>
+          </p:cNvSpPr>
+          <p:nvPr>
+            <p:ph type="ftr" sz="quarter" idx="4"/>
+          </p:nvPr>
+        </p:nvSpPr>
+        <p:spPr>
+          <a:xfrm>
+            <a:off x="0" y="8685213"/>
+            <a:ext cx="2971800" cy="458787"/>
+          </a:xfrm>
+          <a:prstGeom prst="rect">
+            <a:avLst/>
+          </a:prstGeom>
+        </p:spPr>
+        <p:txBody>
+          <a:bodyPr vert="horz" lIns="91440" tIns="45720" rIns="91440" bIns="45720" rtlCol="0" anchor="b"/>
+          <a:lstStyle>
+            <a:lvl1pPr algn="l">
+              <a:defRPr sz="1200"/>
+            </a:lvl1pPr>
+          </a:lstStyle>
+          <a:p>
+            <a:endParaRPr lang="en-US"/>
+          </a:p>
+        </p:txBody>
+      </p:sp>
+      <p:sp>
+        <p:nvSpPr>
+          <p:cNvPr id="7" name="Slide Number Placeholder 6"/>
+          <p:cNvSpPr>
+            <a:spLocks noGrp="1"/>
+          </p:cNvSpPr>
+          <p:nvPr>
+            <p:ph type="sldNum" sz="quarter" idx="5"/>
+          </p:nvPr>
+        </p:nvSpPr>
+        <p:spPr>
+          <a:xfrm>
+            <a:off x="3884613" y="8685213"/>
+            <a:ext cx="2971800" cy="458787"/>
+          </a:xfrm>
+          <a:prstGeom prst="rect">
+            <a:avLst/>
+          </a:prstGeom>
+        </p:spPr>
+        <p:txBody>
+          <a:bodyPr vert="horz" lIns="91440" tIns="45720" rIns="91440" bIns="45720" rtlCol="0" anchor="b"/>
+          <a:lstStyle>
+            <a:lvl1pPr algn="r">
+              <a:defRPr sz="1200"/>
+            </a:lvl1pPr>
+          </a:lstStyle>
+          <a:p>
+            <a:fld id="{D5B8E937-0782-46DB-AA0F-8D93EF5732CD}" type="slidenum">
+              <a:t>‹#›</a:t>
+            </a:fld>
+            <a:endParaRPr lang="en-US"/>
+          </a:p>
+        </p:txBody>
+      </p:sp>
+    </p:spTree>
+    <p:extLst>
+      <p:ext uri="{BB962C8B-B14F-4D97-AF65-F5344CB8AC3E}">
+        <p14:creationId xmlns:p14="http://schemas.microsoft.com/office/powerpoint/2010/main" val="2224013596"/>
+      </p:ext>
+    </p:extLst>
+  </p:cSld>
+  <p:clrMap bg1="lt1" tx1="dk1" bg2="lt2" tx2="dk2" accent1="accent1" accent2="accent2" accent3="accent3" accent4="accent4" accent5="accent5" accent6="accent6" hlink="hlink" folHlink="folHlink"/>
+  <p:notesStyle>
+    <a:lvl1pPr marL="0" algn="l" defTabSz="914400" rtl="0" eaLnBrk="1" latinLnBrk="0" hangingPunct="1">
+      <a:defRPr sz="1200" kern="1200">
+        <a:solidFill>
+          <a:schemeClr val="tx1"/>
+        </a:solidFill>
+        <a:latin typeface="+mn-lt"/>
+        <a:ea typeface="+mn-ea"/>
+        <a:cs typeface="+mn-cs"/>
+      </a:defRPr>
+    </a:lvl1pPr>
+    <a:lvl2pPr marL="457200" algn="l" defTabSz="914400" rtl="0" eaLnBrk="1" latinLnBrk="0" hangingPunct="1">
+      <a:defRPr sz="1200" kern="1200">
+        <a:solidFill>
+          <a:schemeClr val="tx1"/>
+        </a:solidFill>
+        <a:latin typeface="+mn-lt"/>
+        <a:ea typeface="+mn-ea"/>
+        <a:cs typeface="+mn-cs"/>
+      </a:defRPr>
+    </a:lvl2pPr>
+    <a:lvl3pPr marL="914400" algn="l" defTabSz="914400" rtl="0" eaLnBrk="1" latinLnBrk="0" hangingPunct="1">
+      <a:defRPr sz="1200" kern="1200">
+        <a:solidFill>
+          <a:schemeClr val="tx1"/>
+        </a:solidFill>
+        <a:latin typeface="+mn-lt"/>
+        <a:ea typeface="+mn-ea"/>
+        <a:cs typeface="+mn-cs"/>
+      </a:defRPr>
+    </a:lvl3pPr>
+    <a:lvl4pPr marL="1371600" algn="l" defTabSz="914400" rtl="0" eaLnBrk="1" latinLnBrk="0" hangingPunct="1">
+      <a:defRPr sz="1200" kern="1200">
+        <a:solidFill>
+          <a:schemeClr val="tx1"/>
+        </a:solidFill>
+        <a:latin typeface="+mn-lt"/>
+        <a:ea typeface="+mn-ea"/>
+        <a:cs typeface="+mn-cs"/>
+      </a:defRPr>
+    </a:lvl4pPr>
+    <a:lvl5pPr marL="1828800" algn="l" defTabSz="914400" rtl="0" eaLnBrk="1" latinLnBrk="0" hangingPunct="1">
+      <a:defRPr sz="1200" kern="1200">
+        <a:solidFill>
+          <a:schemeClr val="tx1"/>
+        </a:solidFill>
+        <a:latin typeface="+mn-lt"/>
+        <a:ea typeface="+mn-ea"/>
+        <a:cs typeface="+mn-cs"/>
+      </a:defRPr>
+    </a:lvl5pPr>
+    <a:lvl6pPr marL="2286000" algn="l" defTabSz="914400" rtl="0" eaLnBrk="1" latinLnBrk="0" hangingPunct="1">
+      <a:defRPr sz="1200" kern="1200">
+        <a:solidFill>
+          <a:schemeClr val="tx1"/>
+        </a:solidFill>
+        <a:latin typeface="+mn-lt"/>
+        <a:ea typeface="+mn-ea"/>
+        <a:cs typeface="+mn-cs"/>
+      </a:defRPr>
+    </a:lvl6pPr>
+    <a:lvl7pPr marL="2743200" algn="l" defTabSz="914400" rtl="0" eaLnBrk="1" latinLnBrk="0" hangingPunct="1">
+      <a:defRPr sz="1200" kern="1200">
+        <a:solidFill>
+          <a:schemeClr val="tx1"/>
+        </a:solidFill>
+        <a:latin typeface="+mn-lt"/>
+        <a:ea typeface="+mn-ea"/>
+        <a:cs typeface="+mn-cs"/>
+      </a:defRPr>
+    </a:lvl7pPr>
+    <a:lvl8pPr marL="3200400" algn="l" defTabSz="914400" rtl="0" eaLnBrk="1" latinLnBrk="0" hangingPunct="1">
+      <a:defRPr sz="1200" kern="1200">
+        <a:solidFill>
+          <a:schemeClr val="tx1"/>
+        </a:solidFill>
+        <a:latin typeface="+mn-lt"/>
+        <a:ea typeface="+mn-ea"/>
+        <a:cs typeface="+mn-cs"/>
+      </a:defRPr>
+    </a:lvl8pPr>
+    <a:lvl9pPr marL="3657600" algn="l" defTabSz="914400" rtl="0" eaLnBrk="1" latinLnBrk="0" hangingPunct="1">
+      <a:defRPr sz="1200" kern="1200">
+        <a:solidFill>
+          <a:schemeClr val="tx1"/>
+        </a:solidFill>
+        <a:latin typeface="+mn-lt"/>
+        <a:ea typeface="+mn-ea"/>
+        <a:cs typeface="+mn-cs"/>
+      </a:defRPr>
+    </a:lvl9pPr>
+  </p:notesStyle>
+</p:notesMaster>
 </file>
 
 <file path=ppt/slideLayouts/slideLayout1.xml><?xml version="1.0" encoding="utf-8"?>
@@ -207,7 +1003,13 @@
       </p:grpSpPr>
       <p:sp>
         <p:nvSpPr>
-          <p:cNvPr id="2" name="Title 1"/>
+          <p:cNvPr id="2" name="Title 1">
+            <a:extLst>
+              <a:ext uri="{FF2B5EF4-FFF2-40B4-BE49-F238E27FC236}">
+                <a16:creationId xmlns:a16="http://schemas.microsoft.com/office/drawing/2014/main" id="{792B6073-908A-89AB-5507-822CDE35C7F4}"/>
+              </a:ext>
+            </a:extLst>
+          </p:cNvPr>
           <p:cNvSpPr>
             <a:spLocks noGrp="1"/>
           </p:cNvSpPr>
@@ -220,12 +1022,19 @@
             <a:off x="1524000" y="1122363"/>
             <a:ext cx="9144000" cy="2387600"/>
           </a:xfrm>
+          <a:ln w="28575">
+            <a:noFill/>
+          </a:ln>
         </p:spPr>
         <p:txBody>
           <a:bodyPr anchor="b"/>
           <a:lstStyle>
             <a:lvl1pPr algn="ctr">
-              <a:defRPr sz="6000"/>
+              <a:defRPr sz="6000" b="1">
+                <a:solidFill>
+                  <a:srgbClr val="4E2A84"/>
+                </a:solidFill>
+              </a:defRPr>
             </a:lvl1pPr>
           </a:lstStyle>
           <a:p>
@@ -233,13 +1042,18 @@
               <a:rPr lang="en-US"/>
               <a:t>Click to edit Master title style</a:t>
             </a:r>
-            <a:endParaRPr lang="en-US" dirty="0"/>
-          </a:p>
-        </p:txBody>
-      </p:sp>
-      <p:sp>
-        <p:nvSpPr>
-          <p:cNvPr id="3" name="Subtitle 2"/>
+          </a:p>
+        </p:txBody>
+      </p:sp>
+      <p:sp>
+        <p:nvSpPr>
+          <p:cNvPr id="3" name="Subtitle 2">
+            <a:extLst>
+              <a:ext uri="{FF2B5EF4-FFF2-40B4-BE49-F238E27FC236}">
+                <a16:creationId xmlns:a16="http://schemas.microsoft.com/office/drawing/2014/main" id="{FB1B5D14-338A-AF28-3045-3FA3FAA028DC}"/>
+              </a:ext>
+            </a:extLst>
+          </p:cNvPr>
           <p:cNvSpPr>
             <a:spLocks noGrp="1"/>
           </p:cNvSpPr>
@@ -298,13 +1112,18 @@
               <a:rPr lang="en-US"/>
               <a:t>Click to edit Master subtitle style</a:t>
             </a:r>
-            <a:endParaRPr lang="en-US" dirty="0"/>
-          </a:p>
-        </p:txBody>
-      </p:sp>
-      <p:sp>
-        <p:nvSpPr>
-          <p:cNvPr id="4" name="Date Placeholder 3"/>
+          </a:p>
+        </p:txBody>
+      </p:sp>
+      <p:sp>
+        <p:nvSpPr>
+          <p:cNvPr id="4" name="Date Placeholder 3">
+            <a:extLst>
+              <a:ext uri="{FF2B5EF4-FFF2-40B4-BE49-F238E27FC236}">
+                <a16:creationId xmlns:a16="http://schemas.microsoft.com/office/drawing/2014/main" id="{6356D71A-A875-0AF4-98E8-3B04D5E10F74}"/>
+              </a:ext>
+            </a:extLst>
+          </p:cNvPr>
           <p:cNvSpPr>
             <a:spLocks noGrp="1"/>
           </p:cNvSpPr>
@@ -317,9 +1136,9 @@
           <a:bodyPr/>
           <a:lstStyle/>
           <a:p>
-            <a:fld id="{846CE7D5-CF57-46EF-B807-FDD0502418D4}" type="datetimeFigureOut">
+            <a:fld id="{0C56C575-D94E-F044-B574-12900C1740FB}" type="datetimeFigureOut">
               <a:rPr lang="en-US" smtClean="0"/>
-              <a:t>8/12/2025</a:t>
+              <a:t>8/13/25</a:t>
             </a:fld>
             <a:endParaRPr lang="en-US"/>
           </a:p>
@@ -327,7 +1146,13 @@
       </p:sp>
       <p:sp>
         <p:nvSpPr>
-          <p:cNvPr id="5" name="Footer Placeholder 4"/>
+          <p:cNvPr id="5" name="Footer Placeholder 4">
+            <a:extLst>
+              <a:ext uri="{FF2B5EF4-FFF2-40B4-BE49-F238E27FC236}">
+                <a16:creationId xmlns:a16="http://schemas.microsoft.com/office/drawing/2014/main" id="{5E3462CF-15CF-3119-44E1-6A2E6DC82245}"/>
+              </a:ext>
+            </a:extLst>
+          </p:cNvPr>
           <p:cNvSpPr>
             <a:spLocks noGrp="1"/>
           </p:cNvSpPr>
@@ -346,7 +1171,13 @@
       </p:sp>
       <p:sp>
         <p:nvSpPr>
-          <p:cNvPr id="6" name="Slide Number Placeholder 5"/>
+          <p:cNvPr id="6" name="Slide Number Placeholder 5">
+            <a:extLst>
+              <a:ext uri="{FF2B5EF4-FFF2-40B4-BE49-F238E27FC236}">
+                <a16:creationId xmlns:a16="http://schemas.microsoft.com/office/drawing/2014/main" id="{7BBF1063-7CBA-D23D-9D84-C1A45FF90225}"/>
+              </a:ext>
+            </a:extLst>
+          </p:cNvPr>
           <p:cNvSpPr>
             <a:spLocks noGrp="1"/>
           </p:cNvSpPr>
@@ -359,7 +1190,7 @@
           <a:bodyPr/>
           <a:lstStyle/>
           <a:p>
-            <a:fld id="{330EA680-D336-4FF7-8B7A-9848BB0A1C32}" type="slidenum">
+            <a:fld id="{B4A93303-02C8-0A48-A9C5-C3F2FB0D04DA}" type="slidenum">
               <a:rPr lang="en-US" smtClean="0"/>
               <a:t>‹#›</a:t>
             </a:fld>
@@ -370,7 +1201,311 @@
     </p:spTree>
     <p:extLst>
       <p:ext uri="{BB962C8B-B14F-4D97-AF65-F5344CB8AC3E}">
-        <p14:creationId xmlns:p14="http://schemas.microsoft.com/office/powerpoint/2010/main" val="2385387890"/>
+        <p14:creationId xmlns:p14="http://schemas.microsoft.com/office/powerpoint/2010/main" val="2650162101"/>
+      </p:ext>
+    </p:extLst>
+  </p:cSld>
+  <p:clrMapOvr>
+    <a:masterClrMapping/>
+  </p:clrMapOvr>
+  <p:extLst>
+    <p:ext uri="{DCECCB84-F9BA-43D5-87BE-67443E8EF086}">
+      <p15:sldGuideLst xmlns:p15="http://schemas.microsoft.com/office/powerpoint/2012/main">
+        <p15:guide id="1" orient="horz" pos="2160" userDrawn="1">
+          <p15:clr>
+            <a:srgbClr val="FBAE40"/>
+          </p15:clr>
+        </p15:guide>
+        <p15:guide id="2" pos="3840" userDrawn="1">
+          <p15:clr>
+            <a:srgbClr val="FBAE40"/>
+          </p15:clr>
+        </p15:guide>
+      </p15:sldGuideLst>
+    </p:ext>
+  </p:extLst>
+</p:sldLayout>
+</file>
+
+<file path=ppt/slideLayouts/slideLayout10.xml><?xml version="1.0" encoding="utf-8"?>
+<p:sldLayout xmlns:a="http://schemas.openxmlformats.org/drawingml/2006/main" xmlns:r="http://schemas.openxmlformats.org/officeDocument/2006/relationships" xmlns:p="http://schemas.openxmlformats.org/presentationml/2006/main" type="picTx" preserve="1">
+  <p:cSld name="Picture with Caption">
+    <p:spTree>
+      <p:nvGrpSpPr>
+        <p:cNvPr id="1" name=""/>
+        <p:cNvGrpSpPr/>
+        <p:nvPr/>
+      </p:nvGrpSpPr>
+      <p:grpSpPr>
+        <a:xfrm>
+          <a:off x="0" y="0"/>
+          <a:ext cx="0" cy="0"/>
+          <a:chOff x="0" y="0"/>
+          <a:chExt cx="0" cy="0"/>
+        </a:xfrm>
+      </p:grpSpPr>
+      <p:sp>
+        <p:nvSpPr>
+          <p:cNvPr id="2" name="Title 1">
+            <a:extLst>
+              <a:ext uri="{FF2B5EF4-FFF2-40B4-BE49-F238E27FC236}">
+                <a16:creationId xmlns:a16="http://schemas.microsoft.com/office/drawing/2014/main" id="{9C2722A5-135B-A757-D0FD-A4962C513A69}"/>
+              </a:ext>
+            </a:extLst>
+          </p:cNvPr>
+          <p:cNvSpPr>
+            <a:spLocks noGrp="1"/>
+          </p:cNvSpPr>
+          <p:nvPr>
+            <p:ph type="title"/>
+          </p:nvPr>
+        </p:nvSpPr>
+        <p:spPr>
+          <a:xfrm>
+            <a:off x="839788" y="457200"/>
+            <a:ext cx="3932237" cy="1600200"/>
+          </a:xfrm>
+        </p:spPr>
+        <p:txBody>
+          <a:bodyPr anchor="b"/>
+          <a:lstStyle>
+            <a:lvl1pPr>
+              <a:defRPr sz="3200"/>
+            </a:lvl1pPr>
+          </a:lstStyle>
+          <a:p>
+            <a:r>
+              <a:rPr lang="en-US"/>
+              <a:t>Click to edit Master title style</a:t>
+            </a:r>
+          </a:p>
+        </p:txBody>
+      </p:sp>
+      <p:sp>
+        <p:nvSpPr>
+          <p:cNvPr id="3" name="Picture Placeholder 2">
+            <a:extLst>
+              <a:ext uri="{FF2B5EF4-FFF2-40B4-BE49-F238E27FC236}">
+                <a16:creationId xmlns:a16="http://schemas.microsoft.com/office/drawing/2014/main" id="{DAA863C5-BC70-7885-2291-59C7E4381B59}"/>
+              </a:ext>
+            </a:extLst>
+          </p:cNvPr>
+          <p:cNvSpPr>
+            <a:spLocks noGrp="1"/>
+          </p:cNvSpPr>
+          <p:nvPr>
+            <p:ph type="pic" idx="1"/>
+          </p:nvPr>
+        </p:nvSpPr>
+        <p:spPr>
+          <a:xfrm>
+            <a:off x="5183188" y="987425"/>
+            <a:ext cx="6172200" cy="4873625"/>
+          </a:xfrm>
+        </p:spPr>
+        <p:txBody>
+          <a:bodyPr/>
+          <a:lstStyle>
+            <a:lvl1pPr marL="0" indent="0">
+              <a:buNone/>
+              <a:defRPr sz="3200"/>
+            </a:lvl1pPr>
+            <a:lvl2pPr marL="457200" indent="0">
+              <a:buNone/>
+              <a:defRPr sz="2800"/>
+            </a:lvl2pPr>
+            <a:lvl3pPr marL="914400" indent="0">
+              <a:buNone/>
+              <a:defRPr sz="2400"/>
+            </a:lvl3pPr>
+            <a:lvl4pPr marL="1371600" indent="0">
+              <a:buNone/>
+              <a:defRPr sz="2000"/>
+            </a:lvl4pPr>
+            <a:lvl5pPr marL="1828800" indent="0">
+              <a:buNone/>
+              <a:defRPr sz="2000"/>
+            </a:lvl5pPr>
+            <a:lvl6pPr marL="2286000" indent="0">
+              <a:buNone/>
+              <a:defRPr sz="2000"/>
+            </a:lvl6pPr>
+            <a:lvl7pPr marL="2743200" indent="0">
+              <a:buNone/>
+              <a:defRPr sz="2000"/>
+            </a:lvl7pPr>
+            <a:lvl8pPr marL="3200400" indent="0">
+              <a:buNone/>
+              <a:defRPr sz="2000"/>
+            </a:lvl8pPr>
+            <a:lvl9pPr marL="3657600" indent="0">
+              <a:buNone/>
+              <a:defRPr sz="2000"/>
+            </a:lvl9pPr>
+          </a:lstStyle>
+          <a:p>
+            <a:endParaRPr lang="en-US"/>
+          </a:p>
+        </p:txBody>
+      </p:sp>
+      <p:sp>
+        <p:nvSpPr>
+          <p:cNvPr id="4" name="Text Placeholder 3">
+            <a:extLst>
+              <a:ext uri="{FF2B5EF4-FFF2-40B4-BE49-F238E27FC236}">
+                <a16:creationId xmlns:a16="http://schemas.microsoft.com/office/drawing/2014/main" id="{707735F8-6EF8-9A24-A687-F8A17C531B36}"/>
+              </a:ext>
+            </a:extLst>
+          </p:cNvPr>
+          <p:cNvSpPr>
+            <a:spLocks noGrp="1"/>
+          </p:cNvSpPr>
+          <p:nvPr>
+            <p:ph type="body" sz="half" idx="2"/>
+          </p:nvPr>
+        </p:nvSpPr>
+        <p:spPr>
+          <a:xfrm>
+            <a:off x="839788" y="2057400"/>
+            <a:ext cx="3932237" cy="3811588"/>
+          </a:xfrm>
+        </p:spPr>
+        <p:txBody>
+          <a:bodyPr/>
+          <a:lstStyle>
+            <a:lvl1pPr marL="0" indent="0">
+              <a:buNone/>
+              <a:defRPr sz="1600"/>
+            </a:lvl1pPr>
+            <a:lvl2pPr marL="457200" indent="0">
+              <a:buNone/>
+              <a:defRPr sz="1400"/>
+            </a:lvl2pPr>
+            <a:lvl3pPr marL="914400" indent="0">
+              <a:buNone/>
+              <a:defRPr sz="1200"/>
+            </a:lvl3pPr>
+            <a:lvl4pPr marL="1371600" indent="0">
+              <a:buNone/>
+              <a:defRPr sz="1000"/>
+            </a:lvl4pPr>
+            <a:lvl5pPr marL="1828800" indent="0">
+              <a:buNone/>
+              <a:defRPr sz="1000"/>
+            </a:lvl5pPr>
+            <a:lvl6pPr marL="2286000" indent="0">
+              <a:buNone/>
+              <a:defRPr sz="1000"/>
+            </a:lvl6pPr>
+            <a:lvl7pPr marL="2743200" indent="0">
+              <a:buNone/>
+              <a:defRPr sz="1000"/>
+            </a:lvl7pPr>
+            <a:lvl8pPr marL="3200400" indent="0">
+              <a:buNone/>
+              <a:defRPr sz="1000"/>
+            </a:lvl8pPr>
+            <a:lvl9pPr marL="3657600" indent="0">
+              <a:buNone/>
+              <a:defRPr sz="1000"/>
+            </a:lvl9pPr>
+          </a:lstStyle>
+          <a:p>
+            <a:pPr lvl="0"/>
+            <a:r>
+              <a:rPr lang="en-US"/>
+              <a:t>Click to edit Master text styles</a:t>
+            </a:r>
+          </a:p>
+        </p:txBody>
+      </p:sp>
+      <p:sp>
+        <p:nvSpPr>
+          <p:cNvPr id="5" name="Date Placeholder 4">
+            <a:extLst>
+              <a:ext uri="{FF2B5EF4-FFF2-40B4-BE49-F238E27FC236}">
+                <a16:creationId xmlns:a16="http://schemas.microsoft.com/office/drawing/2014/main" id="{048B43A1-45FD-D7AA-09A9-BD0501B7E9F8}"/>
+              </a:ext>
+            </a:extLst>
+          </p:cNvPr>
+          <p:cNvSpPr>
+            <a:spLocks noGrp="1"/>
+          </p:cNvSpPr>
+          <p:nvPr>
+            <p:ph type="dt" sz="half" idx="10"/>
+          </p:nvPr>
+        </p:nvSpPr>
+        <p:spPr/>
+        <p:txBody>
+          <a:bodyPr/>
+          <a:lstStyle/>
+          <a:p>
+            <a:fld id="{0C56C575-D94E-F044-B574-12900C1740FB}" type="datetimeFigureOut">
+              <a:rPr lang="en-US" smtClean="0"/>
+              <a:t>8/13/25</a:t>
+            </a:fld>
+            <a:endParaRPr lang="en-US"/>
+          </a:p>
+        </p:txBody>
+      </p:sp>
+      <p:sp>
+        <p:nvSpPr>
+          <p:cNvPr id="6" name="Footer Placeholder 5">
+            <a:extLst>
+              <a:ext uri="{FF2B5EF4-FFF2-40B4-BE49-F238E27FC236}">
+                <a16:creationId xmlns:a16="http://schemas.microsoft.com/office/drawing/2014/main" id="{8FBC344F-3409-A560-B59F-45729E618432}"/>
+              </a:ext>
+            </a:extLst>
+          </p:cNvPr>
+          <p:cNvSpPr>
+            <a:spLocks noGrp="1"/>
+          </p:cNvSpPr>
+          <p:nvPr>
+            <p:ph type="ftr" sz="quarter" idx="11"/>
+          </p:nvPr>
+        </p:nvSpPr>
+        <p:spPr/>
+        <p:txBody>
+          <a:bodyPr/>
+          <a:lstStyle/>
+          <a:p>
+            <a:endParaRPr lang="en-US"/>
+          </a:p>
+        </p:txBody>
+      </p:sp>
+      <p:sp>
+        <p:nvSpPr>
+          <p:cNvPr id="7" name="Slide Number Placeholder 6">
+            <a:extLst>
+              <a:ext uri="{FF2B5EF4-FFF2-40B4-BE49-F238E27FC236}">
+                <a16:creationId xmlns:a16="http://schemas.microsoft.com/office/drawing/2014/main" id="{DFA796D8-6A45-492C-2195-86DD1257FC8E}"/>
+              </a:ext>
+            </a:extLst>
+          </p:cNvPr>
+          <p:cNvSpPr>
+            <a:spLocks noGrp="1"/>
+          </p:cNvSpPr>
+          <p:nvPr>
+            <p:ph type="sldNum" sz="quarter" idx="12"/>
+          </p:nvPr>
+        </p:nvSpPr>
+        <p:spPr/>
+        <p:txBody>
+          <a:bodyPr/>
+          <a:lstStyle/>
+          <a:p>
+            <a:fld id="{B4A93303-02C8-0A48-A9C5-C3F2FB0D04DA}" type="slidenum">
+              <a:rPr lang="en-US" smtClean="0"/>
+              <a:t>‹#›</a:t>
+            </a:fld>
+            <a:endParaRPr lang="en-US"/>
+          </a:p>
+        </p:txBody>
+      </p:sp>
+    </p:spTree>
+    <p:extLst>
+      <p:ext uri="{BB962C8B-B14F-4D97-AF65-F5344CB8AC3E}">
+        <p14:creationId xmlns:p14="http://schemas.microsoft.com/office/powerpoint/2010/main" val="2301570669"/>
       </p:ext>
     </p:extLst>
   </p:cSld>
@@ -380,7 +1515,7 @@
 </p:sldLayout>
 </file>
 
-<file path=ppt/slideLayouts/slideLayout10.xml><?xml version="1.0" encoding="utf-8"?>
+<file path=ppt/slideLayouts/slideLayout11.xml><?xml version="1.0" encoding="utf-8"?>
 <p:sldLayout xmlns:a="http://schemas.openxmlformats.org/drawingml/2006/main" xmlns:r="http://schemas.openxmlformats.org/officeDocument/2006/relationships" xmlns:p="http://schemas.openxmlformats.org/presentationml/2006/main" type="vertTx" preserve="1">
   <p:cSld name="Title and Vertical Text">
     <p:spTree>
@@ -399,7 +1534,13 @@
       </p:grpSpPr>
       <p:sp>
         <p:nvSpPr>
-          <p:cNvPr id="2" name="Title 1"/>
+          <p:cNvPr id="2" name="Title 1">
+            <a:extLst>
+              <a:ext uri="{FF2B5EF4-FFF2-40B4-BE49-F238E27FC236}">
+                <a16:creationId xmlns:a16="http://schemas.microsoft.com/office/drawing/2014/main" id="{B51F8F04-5570-A47D-7A03-F65298807ECF}"/>
+              </a:ext>
+            </a:extLst>
+          </p:cNvPr>
           <p:cNvSpPr>
             <a:spLocks noGrp="1"/>
           </p:cNvSpPr>
@@ -416,13 +1557,18 @@
               <a:rPr lang="en-US"/>
               <a:t>Click to edit Master title style</a:t>
             </a:r>
-            <a:endParaRPr lang="en-US" dirty="0"/>
-          </a:p>
-        </p:txBody>
-      </p:sp>
-      <p:sp>
-        <p:nvSpPr>
-          <p:cNvPr id="3" name="Vertical Text Placeholder 2"/>
+          </a:p>
+        </p:txBody>
+      </p:sp>
+      <p:sp>
+        <p:nvSpPr>
+          <p:cNvPr id="3" name="Vertical Text Placeholder 2">
+            <a:extLst>
+              <a:ext uri="{FF2B5EF4-FFF2-40B4-BE49-F238E27FC236}">
+                <a16:creationId xmlns:a16="http://schemas.microsoft.com/office/drawing/2014/main" id="{718E1068-6E28-FA1B-3B2F-C47EA9E77213}"/>
+              </a:ext>
+            </a:extLst>
+          </p:cNvPr>
           <p:cNvSpPr>
             <a:spLocks noGrp="1"/>
           </p:cNvSpPr>
@@ -468,13 +1614,18 @@
               <a:rPr lang="en-US"/>
               <a:t>Fifth level</a:t>
             </a:r>
-            <a:endParaRPr lang="en-US" dirty="0"/>
-          </a:p>
-        </p:txBody>
-      </p:sp>
-      <p:sp>
-        <p:nvSpPr>
-          <p:cNvPr id="4" name="Date Placeholder 3"/>
+          </a:p>
+        </p:txBody>
+      </p:sp>
+      <p:sp>
+        <p:nvSpPr>
+          <p:cNvPr id="4" name="Date Placeholder 3">
+            <a:extLst>
+              <a:ext uri="{FF2B5EF4-FFF2-40B4-BE49-F238E27FC236}">
+                <a16:creationId xmlns:a16="http://schemas.microsoft.com/office/drawing/2014/main" id="{5C8A2979-CA75-1C17-494B-FA9D4949854F}"/>
+              </a:ext>
+            </a:extLst>
+          </p:cNvPr>
           <p:cNvSpPr>
             <a:spLocks noGrp="1"/>
           </p:cNvSpPr>
@@ -487,9 +1638,9 @@
           <a:bodyPr/>
           <a:lstStyle/>
           <a:p>
-            <a:fld id="{846CE7D5-CF57-46EF-B807-FDD0502418D4}" type="datetimeFigureOut">
+            <a:fld id="{0C56C575-D94E-F044-B574-12900C1740FB}" type="datetimeFigureOut">
               <a:rPr lang="en-US" smtClean="0"/>
-              <a:t>8/12/2025</a:t>
+              <a:t>8/13/25</a:t>
             </a:fld>
             <a:endParaRPr lang="en-US"/>
           </a:p>
@@ -497,7 +1648,13 @@
       </p:sp>
       <p:sp>
         <p:nvSpPr>
-          <p:cNvPr id="5" name="Footer Placeholder 4"/>
+          <p:cNvPr id="5" name="Footer Placeholder 4">
+            <a:extLst>
+              <a:ext uri="{FF2B5EF4-FFF2-40B4-BE49-F238E27FC236}">
+                <a16:creationId xmlns:a16="http://schemas.microsoft.com/office/drawing/2014/main" id="{BA0B9CA7-1FBF-6193-0219-AC97DEB61063}"/>
+              </a:ext>
+            </a:extLst>
+          </p:cNvPr>
           <p:cNvSpPr>
             <a:spLocks noGrp="1"/>
           </p:cNvSpPr>
@@ -516,7 +1673,13 @@
       </p:sp>
       <p:sp>
         <p:nvSpPr>
-          <p:cNvPr id="6" name="Slide Number Placeholder 5"/>
+          <p:cNvPr id="6" name="Slide Number Placeholder 5">
+            <a:extLst>
+              <a:ext uri="{FF2B5EF4-FFF2-40B4-BE49-F238E27FC236}">
+                <a16:creationId xmlns:a16="http://schemas.microsoft.com/office/drawing/2014/main" id="{D36D3775-780E-F7F8-1AAA-5A4691F15F88}"/>
+              </a:ext>
+            </a:extLst>
+          </p:cNvPr>
           <p:cNvSpPr>
             <a:spLocks noGrp="1"/>
           </p:cNvSpPr>
@@ -529,7 +1692,7 @@
           <a:bodyPr/>
           <a:lstStyle/>
           <a:p>
-            <a:fld id="{330EA680-D336-4FF7-8B7A-9848BB0A1C32}" type="slidenum">
+            <a:fld id="{B4A93303-02C8-0A48-A9C5-C3F2FB0D04DA}" type="slidenum">
               <a:rPr lang="en-US" smtClean="0"/>
               <a:t>‹#›</a:t>
             </a:fld>
@@ -540,7 +1703,7 @@
     </p:spTree>
     <p:extLst>
       <p:ext uri="{BB962C8B-B14F-4D97-AF65-F5344CB8AC3E}">
-        <p14:creationId xmlns:p14="http://schemas.microsoft.com/office/powerpoint/2010/main" val="2202905451"/>
+        <p14:creationId xmlns:p14="http://schemas.microsoft.com/office/powerpoint/2010/main" val="2567022579"/>
       </p:ext>
     </p:extLst>
   </p:cSld>
@@ -550,7 +1713,7 @@
 </p:sldLayout>
 </file>
 
-<file path=ppt/slideLayouts/slideLayout11.xml><?xml version="1.0" encoding="utf-8"?>
+<file path=ppt/slideLayouts/slideLayout12.xml><?xml version="1.0" encoding="utf-8"?>
 <p:sldLayout xmlns:a="http://schemas.openxmlformats.org/drawingml/2006/main" xmlns:r="http://schemas.openxmlformats.org/officeDocument/2006/relationships" xmlns:p="http://schemas.openxmlformats.org/presentationml/2006/main" type="vertTitleAndTx" preserve="1">
   <p:cSld name="Vertical Title and Text">
     <p:spTree>
@@ -569,7 +1732,13 @@
       </p:grpSpPr>
       <p:sp>
         <p:nvSpPr>
-          <p:cNvPr id="2" name="Vertical Title 1"/>
+          <p:cNvPr id="2" name="Vertical Title 1">
+            <a:extLst>
+              <a:ext uri="{FF2B5EF4-FFF2-40B4-BE49-F238E27FC236}">
+                <a16:creationId xmlns:a16="http://schemas.microsoft.com/office/drawing/2014/main" id="{97176430-515A-751B-E949-B3CA043F2088}"/>
+              </a:ext>
+            </a:extLst>
+          </p:cNvPr>
           <p:cNvSpPr>
             <a:spLocks noGrp="1"/>
           </p:cNvSpPr>
@@ -591,13 +1760,18 @@
               <a:rPr lang="en-US"/>
               <a:t>Click to edit Master title style</a:t>
             </a:r>
-            <a:endParaRPr lang="en-US" dirty="0"/>
-          </a:p>
-        </p:txBody>
-      </p:sp>
-      <p:sp>
-        <p:nvSpPr>
-          <p:cNvPr id="3" name="Vertical Text Placeholder 2"/>
+          </a:p>
+        </p:txBody>
+      </p:sp>
+      <p:sp>
+        <p:nvSpPr>
+          <p:cNvPr id="3" name="Vertical Text Placeholder 2">
+            <a:extLst>
+              <a:ext uri="{FF2B5EF4-FFF2-40B4-BE49-F238E27FC236}">
+                <a16:creationId xmlns:a16="http://schemas.microsoft.com/office/drawing/2014/main" id="{B939CFEB-16E6-7B43-7730-03558AF50506}"/>
+              </a:ext>
+            </a:extLst>
+          </p:cNvPr>
           <p:cNvSpPr>
             <a:spLocks noGrp="1"/>
           </p:cNvSpPr>
@@ -648,13 +1822,18 @@
               <a:rPr lang="en-US"/>
               <a:t>Fifth level</a:t>
             </a:r>
-            <a:endParaRPr lang="en-US" dirty="0"/>
-          </a:p>
-        </p:txBody>
-      </p:sp>
-      <p:sp>
-        <p:nvSpPr>
-          <p:cNvPr id="4" name="Date Placeholder 3"/>
+          </a:p>
+        </p:txBody>
+      </p:sp>
+      <p:sp>
+        <p:nvSpPr>
+          <p:cNvPr id="4" name="Date Placeholder 3">
+            <a:extLst>
+              <a:ext uri="{FF2B5EF4-FFF2-40B4-BE49-F238E27FC236}">
+                <a16:creationId xmlns:a16="http://schemas.microsoft.com/office/drawing/2014/main" id="{548A59A5-0EB3-C74B-5890-5AE26D71A614}"/>
+              </a:ext>
+            </a:extLst>
+          </p:cNvPr>
           <p:cNvSpPr>
             <a:spLocks noGrp="1"/>
           </p:cNvSpPr>
@@ -667,9 +1846,9 @@
           <a:bodyPr/>
           <a:lstStyle/>
           <a:p>
-            <a:fld id="{846CE7D5-CF57-46EF-B807-FDD0502418D4}" type="datetimeFigureOut">
+            <a:fld id="{0C56C575-D94E-F044-B574-12900C1740FB}" type="datetimeFigureOut">
               <a:rPr lang="en-US" smtClean="0"/>
-              <a:t>8/12/2025</a:t>
+              <a:t>8/13/25</a:t>
             </a:fld>
             <a:endParaRPr lang="en-US"/>
           </a:p>
@@ -677,7 +1856,13 @@
       </p:sp>
       <p:sp>
         <p:nvSpPr>
-          <p:cNvPr id="5" name="Footer Placeholder 4"/>
+          <p:cNvPr id="5" name="Footer Placeholder 4">
+            <a:extLst>
+              <a:ext uri="{FF2B5EF4-FFF2-40B4-BE49-F238E27FC236}">
+                <a16:creationId xmlns:a16="http://schemas.microsoft.com/office/drawing/2014/main" id="{AB8AAFEB-95C8-2B00-5B28-5005189F9D56}"/>
+              </a:ext>
+            </a:extLst>
+          </p:cNvPr>
           <p:cNvSpPr>
             <a:spLocks noGrp="1"/>
           </p:cNvSpPr>
@@ -696,7 +1881,13 @@
       </p:sp>
       <p:sp>
         <p:nvSpPr>
-          <p:cNvPr id="6" name="Slide Number Placeholder 5"/>
+          <p:cNvPr id="6" name="Slide Number Placeholder 5">
+            <a:extLst>
+              <a:ext uri="{FF2B5EF4-FFF2-40B4-BE49-F238E27FC236}">
+                <a16:creationId xmlns:a16="http://schemas.microsoft.com/office/drawing/2014/main" id="{A8542BC8-D6E4-5A50-21BF-B4346DD6C596}"/>
+              </a:ext>
+            </a:extLst>
+          </p:cNvPr>
           <p:cNvSpPr>
             <a:spLocks noGrp="1"/>
           </p:cNvSpPr>
@@ -709,7 +1900,7 @@
           <a:bodyPr/>
           <a:lstStyle/>
           <a:p>
-            <a:fld id="{330EA680-D336-4FF7-8B7A-9848BB0A1C32}" type="slidenum">
+            <a:fld id="{B4A93303-02C8-0A48-A9C5-C3F2FB0D04DA}" type="slidenum">
               <a:rPr lang="en-US" smtClean="0"/>
               <a:t>‹#›</a:t>
             </a:fld>
@@ -720,7 +1911,7 @@
     </p:spTree>
     <p:extLst>
       <p:ext uri="{BB962C8B-B14F-4D97-AF65-F5344CB8AC3E}">
-        <p14:creationId xmlns:p14="http://schemas.microsoft.com/office/powerpoint/2010/main" val="3479445657"/>
+        <p14:creationId xmlns:p14="http://schemas.microsoft.com/office/powerpoint/2010/main" val="2282652030"/>
       </p:ext>
     </p:extLst>
   </p:cSld>
@@ -730,9 +1921,20 @@
 </p:sldLayout>
 </file>
 
-<file path=ppt/slideLayouts/slideLayout2.xml><?xml version="1.0" encoding="utf-8"?>
-<p:sldLayout xmlns:a="http://schemas.openxmlformats.org/drawingml/2006/main" xmlns:r="http://schemas.openxmlformats.org/officeDocument/2006/relationships" xmlns:p="http://schemas.openxmlformats.org/presentationml/2006/main" type="obj" preserve="1">
-  <p:cSld name="Title and Content">
+<file path=ppt/slideLayouts/slideLayout13.xml><?xml version="1.0" encoding="utf-8"?>
+<p:sldLayout xmlns:a="http://schemas.openxmlformats.org/drawingml/2006/main" xmlns:r="http://schemas.openxmlformats.org/officeDocument/2006/relationships" xmlns:p="http://schemas.openxmlformats.org/presentationml/2006/main" preserve="1">
+  <p:cSld name="Separator Page 1">
+    <p:bg>
+      <p:bgPr>
+        <a:blipFill rotWithShape="1">
+          <a:blip r:embed="rId2"/>
+          <a:stretch>
+            <a:fillRect/>
+          </a:stretch>
+        </a:blipFill>
+        <a:effectLst/>
+      </p:bgPr>
+    </p:bg>
     <p:spTree>
       <p:nvGrpSpPr>
         <p:cNvPr id="1" name=""/>
@@ -754,143 +1956,95 @@
             <a:spLocks noGrp="1"/>
           </p:cNvSpPr>
           <p:nvPr>
-            <p:ph type="title"/>
-          </p:nvPr>
-        </p:nvSpPr>
-        <p:spPr/>
+            <p:ph type="title" hasCustomPrompt="1"/>
+          </p:nvPr>
+        </p:nvSpPr>
+        <p:spPr>
+          <a:xfrm>
+            <a:off x="0" y="2056080"/>
+            <a:ext cx="12192000" cy="2738880"/>
+          </a:xfrm>
+        </p:spPr>
         <p:txBody>
           <a:bodyPr/>
-          <a:lstStyle/>
-          <a:p>
-            <a:r>
-              <a:rPr lang="en-US"/>
-              <a:t>Click to edit Master title style</a:t>
-            </a:r>
-            <a:endParaRPr lang="en-US" dirty="0"/>
-          </a:p>
-        </p:txBody>
-      </p:sp>
-      <p:sp>
-        <p:nvSpPr>
-          <p:cNvPr id="3" name="Content Placeholder 2"/>
-          <p:cNvSpPr>
-            <a:spLocks noGrp="1"/>
-          </p:cNvSpPr>
-          <p:nvPr>
-            <p:ph idx="1"/>
-          </p:nvPr>
-        </p:nvSpPr>
-        <p:spPr/>
-        <p:txBody>
-          <a:bodyPr/>
-          <a:lstStyle/>
-          <a:p>
-            <a:pPr lvl="0"/>
-            <a:r>
-              <a:rPr lang="en-US"/>
-              <a:t>Click to edit Master text styles</a:t>
-            </a:r>
-          </a:p>
-          <a:p>
-            <a:pPr lvl="1"/>
-            <a:r>
-              <a:rPr lang="en-US"/>
-              <a:t>Second level</a:t>
-            </a:r>
-          </a:p>
-          <a:p>
-            <a:pPr lvl="2"/>
-            <a:r>
-              <a:rPr lang="en-US"/>
-              <a:t>Third level</a:t>
-            </a:r>
-          </a:p>
-          <a:p>
-            <a:pPr lvl="3"/>
-            <a:r>
-              <a:rPr lang="en-US"/>
-              <a:t>Fourth level</a:t>
-            </a:r>
-          </a:p>
-          <a:p>
-            <a:pPr lvl="4"/>
-            <a:r>
-              <a:rPr lang="en-US"/>
-              <a:t>Fifth level</a:t>
-            </a:r>
-            <a:endParaRPr lang="en-US" dirty="0"/>
-          </a:p>
-        </p:txBody>
-      </p:sp>
-      <p:sp>
-        <p:nvSpPr>
-          <p:cNvPr id="4" name="Date Placeholder 3"/>
-          <p:cNvSpPr>
-            <a:spLocks noGrp="1"/>
-          </p:cNvSpPr>
-          <p:nvPr>
-            <p:ph type="dt" sz="half" idx="10"/>
-          </p:nvPr>
-        </p:nvSpPr>
-        <p:spPr/>
-        <p:txBody>
-          <a:bodyPr/>
-          <a:lstStyle/>
-          <a:p>
-            <a:fld id="{846CE7D5-CF57-46EF-B807-FDD0502418D4}" type="datetimeFigureOut">
-              <a:rPr lang="en-US" smtClean="0"/>
-              <a:t>8/12/2025</a:t>
-            </a:fld>
-            <a:endParaRPr lang="en-US"/>
-          </a:p>
-        </p:txBody>
-      </p:sp>
-      <p:sp>
-        <p:nvSpPr>
-          <p:cNvPr id="5" name="Footer Placeholder 4"/>
-          <p:cNvSpPr>
-            <a:spLocks noGrp="1"/>
-          </p:cNvSpPr>
-          <p:nvPr>
-            <p:ph type="ftr" sz="quarter" idx="11"/>
-          </p:nvPr>
-        </p:nvSpPr>
-        <p:spPr/>
-        <p:txBody>
-          <a:bodyPr/>
-          <a:lstStyle/>
-          <a:p>
-            <a:endParaRPr lang="en-US"/>
-          </a:p>
-        </p:txBody>
-      </p:sp>
-      <p:sp>
-        <p:nvSpPr>
-          <p:cNvPr id="6" name="Slide Number Placeholder 5"/>
-          <p:cNvSpPr>
-            <a:spLocks noGrp="1"/>
-          </p:cNvSpPr>
-          <p:nvPr>
-            <p:ph type="sldNum" sz="quarter" idx="12"/>
-          </p:nvPr>
-        </p:nvSpPr>
-        <p:spPr/>
-        <p:txBody>
-          <a:bodyPr/>
-          <a:lstStyle/>
-          <a:p>
-            <a:fld id="{330EA680-D336-4FF7-8B7A-9848BB0A1C32}" type="slidenum">
-              <a:rPr lang="en-US" smtClean="0"/>
-              <a:t>‹#›</a:t>
-            </a:fld>
-            <a:endParaRPr lang="en-US"/>
-          </a:p>
-        </p:txBody>
-      </p:sp>
+          <a:lstStyle>
+            <a:lvl1pPr algn="ctr">
+              <a:defRPr>
+                <a:solidFill>
+                  <a:schemeClr val="bg1"/>
+                </a:solidFill>
+                <a:latin typeface="Arial"/>
+              </a:defRPr>
+            </a:lvl1pPr>
+          </a:lstStyle>
+          <a:p>
+            <a:r>
+              <a:rPr lang="en-US" dirty="0"/>
+              <a:t>Separator</a:t>
+            </a:r>
+          </a:p>
+        </p:txBody>
+      </p:sp>
+      <p:sp>
+        <p:nvSpPr>
+          <p:cNvPr id="3" name="TextBox 2"/>
+          <p:cNvSpPr txBox="1"/>
+          <p:nvPr userDrawn="1"/>
+        </p:nvSpPr>
+        <p:spPr>
+          <a:xfrm>
+            <a:off x="9410095" y="-1221619"/>
+            <a:ext cx="246221" cy="492443"/>
+          </a:xfrm>
+          <a:prstGeom prst="rect">
+            <a:avLst/>
+          </a:prstGeom>
+          <a:noFill/>
+        </p:spPr>
+        <p:txBody>
+          <a:bodyPr wrap="square" rtlCol="0">
+            <a:spAutoFit/>
+          </a:bodyPr>
+          <a:lstStyle/>
+          <a:p>
+            <a:endParaRPr lang="en-US" sz="2400" dirty="0"/>
+          </a:p>
+        </p:txBody>
+      </p:sp>
+      <p:pic>
+        <p:nvPicPr>
+          <p:cNvPr id="5" name="Picture 4" descr="NWU PPT Wide Opt 2 - No Wordmark_Separator 1.jpg"/>
+          <p:cNvPicPr>
+            <a:picLocks noChangeAspect="1"/>
+          </p:cNvPicPr>
+          <p:nvPr userDrawn="1"/>
+        </p:nvPicPr>
+        <p:blipFill>
+          <a:blip r:embed="rId3">
+            <a:extLst>
+              <a:ext uri="{28A0092B-C50C-407E-A947-70E740481C1C}">
+                <a14:useLocalDpi xmlns:a14="http://schemas.microsoft.com/office/drawing/2010/main" val="0"/>
+              </a:ext>
+            </a:extLst>
+          </a:blip>
+          <a:stretch>
+            <a:fillRect/>
+          </a:stretch>
+        </p:blipFill>
+        <p:spPr>
+          <a:xfrm>
+            <a:off x="0" y="0"/>
+            <a:ext cx="12192000" cy="6858000"/>
+          </a:xfrm>
+          <a:prstGeom prst="rect">
+            <a:avLst/>
+          </a:prstGeom>
+        </p:spPr>
+      </p:pic>
     </p:spTree>
     <p:extLst>
       <p:ext uri="{BB962C8B-B14F-4D97-AF65-F5344CB8AC3E}">
-        <p14:creationId xmlns:p14="http://schemas.microsoft.com/office/powerpoint/2010/main" val="949138452"/>
+        <p14:creationId xmlns:p14="http://schemas.microsoft.com/office/powerpoint/2010/main" val="2213598434"/>
       </p:ext>
     </p:extLst>
   </p:cSld>
@@ -900,7 +2054,611 @@
 </p:sldLayout>
 </file>
 
+<file path=ppt/slideLayouts/slideLayout2.xml><?xml version="1.0" encoding="utf-8"?>
+<p:sldLayout xmlns:a="http://schemas.openxmlformats.org/drawingml/2006/main" xmlns:r="http://schemas.openxmlformats.org/officeDocument/2006/relationships" xmlns:p="http://schemas.openxmlformats.org/presentationml/2006/main" type="obj" preserve="1">
+  <p:cSld name="1_Title and Content">
+    <p:spTree>
+      <p:nvGrpSpPr>
+        <p:cNvPr id="1" name=""/>
+        <p:cNvGrpSpPr/>
+        <p:nvPr/>
+      </p:nvGrpSpPr>
+      <p:grpSpPr>
+        <a:xfrm>
+          <a:off x="0" y="0"/>
+          <a:ext cx="0" cy="0"/>
+          <a:chOff x="0" y="0"/>
+          <a:chExt cx="0" cy="0"/>
+        </a:xfrm>
+      </p:grpSpPr>
+      <p:sp>
+        <p:nvSpPr>
+          <p:cNvPr id="2" name="Title 1">
+            <a:extLst>
+              <a:ext uri="{FF2B5EF4-FFF2-40B4-BE49-F238E27FC236}">
+                <a16:creationId xmlns:a16="http://schemas.microsoft.com/office/drawing/2014/main" id="{A3B6A5EF-CA8A-CA7E-6CCF-3AD1F04F63A5}"/>
+              </a:ext>
+            </a:extLst>
+          </p:cNvPr>
+          <p:cNvSpPr>
+            <a:spLocks noGrp="1"/>
+          </p:cNvSpPr>
+          <p:nvPr>
+            <p:ph type="title"/>
+          </p:nvPr>
+        </p:nvSpPr>
+        <p:spPr>
+          <a:xfrm>
+            <a:off x="838200" y="243205"/>
+            <a:ext cx="10515600" cy="899795"/>
+          </a:xfrm>
+        </p:spPr>
+        <p:txBody>
+          <a:bodyPr/>
+          <a:lstStyle>
+            <a:lvl1pPr>
+              <a:defRPr b="1">
+                <a:solidFill>
+                  <a:srgbClr val="4E2A84"/>
+                </a:solidFill>
+              </a:defRPr>
+            </a:lvl1pPr>
+          </a:lstStyle>
+          <a:p>
+            <a:r>
+              <a:rPr lang="en-US"/>
+              <a:t>Click to edit Master title style</a:t>
+            </a:r>
+          </a:p>
+        </p:txBody>
+      </p:sp>
+      <p:sp>
+        <p:nvSpPr>
+          <p:cNvPr id="3" name="Content Placeholder 2">
+            <a:extLst>
+              <a:ext uri="{FF2B5EF4-FFF2-40B4-BE49-F238E27FC236}">
+                <a16:creationId xmlns:a16="http://schemas.microsoft.com/office/drawing/2014/main" id="{E3DC07CB-A8AB-7E01-AB5D-A840BD664CAF}"/>
+              </a:ext>
+            </a:extLst>
+          </p:cNvPr>
+          <p:cNvSpPr>
+            <a:spLocks noGrp="1"/>
+          </p:cNvSpPr>
+          <p:nvPr>
+            <p:ph idx="1"/>
+          </p:nvPr>
+        </p:nvSpPr>
+        <p:spPr>
+          <a:xfrm>
+            <a:off x="838200" y="1473200"/>
+            <a:ext cx="10515600" cy="4703763"/>
+          </a:xfrm>
+        </p:spPr>
+        <p:txBody>
+          <a:bodyPr/>
+          <a:lstStyle/>
+          <a:p>
+            <a:pPr lvl="0"/>
+            <a:r>
+              <a:rPr lang="en-US"/>
+              <a:t>Click to edit Master text styles</a:t>
+            </a:r>
+          </a:p>
+          <a:p>
+            <a:pPr lvl="1"/>
+            <a:r>
+              <a:rPr lang="en-US"/>
+              <a:t>Second level</a:t>
+            </a:r>
+          </a:p>
+          <a:p>
+            <a:pPr lvl="2"/>
+            <a:r>
+              <a:rPr lang="en-US"/>
+              <a:t>Third level</a:t>
+            </a:r>
+          </a:p>
+          <a:p>
+            <a:pPr lvl="3"/>
+            <a:r>
+              <a:rPr lang="en-US"/>
+              <a:t>Fourth level</a:t>
+            </a:r>
+          </a:p>
+          <a:p>
+            <a:pPr lvl="4"/>
+            <a:r>
+              <a:rPr lang="en-US"/>
+              <a:t>Fifth level</a:t>
+            </a:r>
+          </a:p>
+        </p:txBody>
+      </p:sp>
+      <p:sp>
+        <p:nvSpPr>
+          <p:cNvPr id="4" name="Date Placeholder 3">
+            <a:extLst>
+              <a:ext uri="{FF2B5EF4-FFF2-40B4-BE49-F238E27FC236}">
+                <a16:creationId xmlns:a16="http://schemas.microsoft.com/office/drawing/2014/main" id="{B19A6D24-2480-B3E0-67D5-B07ABD4372E4}"/>
+              </a:ext>
+            </a:extLst>
+          </p:cNvPr>
+          <p:cNvSpPr>
+            <a:spLocks noGrp="1"/>
+          </p:cNvSpPr>
+          <p:nvPr>
+            <p:ph type="dt" sz="half" idx="10"/>
+          </p:nvPr>
+        </p:nvSpPr>
+        <p:spPr/>
+        <p:txBody>
+          <a:bodyPr/>
+          <a:lstStyle/>
+          <a:p>
+            <a:fld id="{0C56C575-D94E-F044-B574-12900C1740FB}" type="datetimeFigureOut">
+              <a:rPr lang="en-US" smtClean="0"/>
+              <a:t>8/13/25</a:t>
+            </a:fld>
+            <a:endParaRPr lang="en-US"/>
+          </a:p>
+        </p:txBody>
+      </p:sp>
+      <p:sp>
+        <p:nvSpPr>
+          <p:cNvPr id="5" name="Footer Placeholder 4">
+            <a:extLst>
+              <a:ext uri="{FF2B5EF4-FFF2-40B4-BE49-F238E27FC236}">
+                <a16:creationId xmlns:a16="http://schemas.microsoft.com/office/drawing/2014/main" id="{FC4ED280-DD85-1062-68A5-8334117AC1FE}"/>
+              </a:ext>
+            </a:extLst>
+          </p:cNvPr>
+          <p:cNvSpPr>
+            <a:spLocks noGrp="1"/>
+          </p:cNvSpPr>
+          <p:nvPr>
+            <p:ph type="ftr" sz="quarter" idx="11"/>
+          </p:nvPr>
+        </p:nvSpPr>
+        <p:spPr/>
+        <p:txBody>
+          <a:bodyPr/>
+          <a:lstStyle/>
+          <a:p>
+            <a:endParaRPr lang="en-US"/>
+          </a:p>
+        </p:txBody>
+      </p:sp>
+      <p:sp>
+        <p:nvSpPr>
+          <p:cNvPr id="6" name="Slide Number Placeholder 5">
+            <a:extLst>
+              <a:ext uri="{FF2B5EF4-FFF2-40B4-BE49-F238E27FC236}">
+                <a16:creationId xmlns:a16="http://schemas.microsoft.com/office/drawing/2014/main" id="{3EE316CE-5AF2-339F-EF34-3572A526CAB4}"/>
+              </a:ext>
+            </a:extLst>
+          </p:cNvPr>
+          <p:cNvSpPr>
+            <a:spLocks noGrp="1"/>
+          </p:cNvSpPr>
+          <p:nvPr>
+            <p:ph type="sldNum" sz="quarter" idx="12"/>
+          </p:nvPr>
+        </p:nvSpPr>
+        <p:spPr/>
+        <p:txBody>
+          <a:bodyPr/>
+          <a:lstStyle/>
+          <a:p>
+            <a:fld id="{B4A93303-02C8-0A48-A9C5-C3F2FB0D04DA}" type="slidenum">
+              <a:rPr lang="en-US" smtClean="0"/>
+              <a:t>‹#›</a:t>
+            </a:fld>
+            <a:endParaRPr lang="en-US"/>
+          </a:p>
+        </p:txBody>
+      </p:sp>
+      <p:sp>
+        <p:nvSpPr>
+          <p:cNvPr id="7" name="Rectangle 6">
+            <a:extLst>
+              <a:ext uri="{FF2B5EF4-FFF2-40B4-BE49-F238E27FC236}">
+                <a16:creationId xmlns:a16="http://schemas.microsoft.com/office/drawing/2014/main" id="{1112DB8B-50E4-CF37-7621-4C504094DBEB}"/>
+              </a:ext>
+            </a:extLst>
+          </p:cNvPr>
+          <p:cNvSpPr/>
+          <p:nvPr userDrawn="1"/>
+        </p:nvSpPr>
+        <p:spPr>
+          <a:xfrm>
+            <a:off x="0" y="6695440"/>
+            <a:ext cx="12192000" cy="162560"/>
+          </a:xfrm>
+          <a:prstGeom prst="rect">
+            <a:avLst/>
+          </a:prstGeom>
+          <a:solidFill>
+            <a:srgbClr val="4E2A84"/>
+          </a:solidFill>
+          <a:ln>
+            <a:noFill/>
+          </a:ln>
+        </p:spPr>
+        <p:style>
+          <a:lnRef idx="2">
+            <a:schemeClr val="accent1">
+              <a:shade val="15000"/>
+            </a:schemeClr>
+          </a:lnRef>
+          <a:fillRef idx="1">
+            <a:schemeClr val="accent1"/>
+          </a:fillRef>
+          <a:effectRef idx="0">
+            <a:schemeClr val="accent1"/>
+          </a:effectRef>
+          <a:fontRef idx="minor">
+            <a:schemeClr val="lt1"/>
+          </a:fontRef>
+        </p:style>
+        <p:txBody>
+          <a:bodyPr rtlCol="0" anchor="ctr"/>
+          <a:lstStyle/>
+          <a:p>
+            <a:pPr algn="ctr"/>
+            <a:endParaRPr lang="en-US"/>
+          </a:p>
+        </p:txBody>
+      </p:sp>
+    </p:spTree>
+    <p:extLst>
+      <p:ext uri="{BB962C8B-B14F-4D97-AF65-F5344CB8AC3E}">
+        <p14:creationId xmlns:p14="http://schemas.microsoft.com/office/powerpoint/2010/main" val="4242994986"/>
+      </p:ext>
+    </p:extLst>
+  </p:cSld>
+  <p:clrMapOvr>
+    <a:masterClrMapping/>
+  </p:clrMapOvr>
+  <p:extLst>
+    <p:ext uri="{DCECCB84-F9BA-43D5-87BE-67443E8EF086}">
+      <p15:sldGuideLst xmlns:p15="http://schemas.microsoft.com/office/powerpoint/2012/main">
+        <p15:guide id="1" orient="horz" pos="720" userDrawn="1">
+          <p15:clr>
+            <a:srgbClr val="FBAE40"/>
+          </p15:clr>
+        </p15:guide>
+        <p15:guide id="2" pos="3840" userDrawn="1">
+          <p15:clr>
+            <a:srgbClr val="FBAE40"/>
+          </p15:clr>
+        </p15:guide>
+      </p15:sldGuideLst>
+    </p:ext>
+  </p:extLst>
+</p:sldLayout>
+</file>
+
 <file path=ppt/slideLayouts/slideLayout3.xml><?xml version="1.0" encoding="utf-8"?>
+<p:sldLayout xmlns:a="http://schemas.openxmlformats.org/drawingml/2006/main" xmlns:r="http://schemas.openxmlformats.org/officeDocument/2006/relationships" xmlns:p="http://schemas.openxmlformats.org/presentationml/2006/main" type="obj" preserve="1">
+  <p:cSld name="2_Title and Content">
+    <p:spTree>
+      <p:nvGrpSpPr>
+        <p:cNvPr id="1" name=""/>
+        <p:cNvGrpSpPr/>
+        <p:nvPr/>
+      </p:nvGrpSpPr>
+      <p:grpSpPr>
+        <a:xfrm>
+          <a:off x="0" y="0"/>
+          <a:ext cx="0" cy="0"/>
+          <a:chOff x="0" y="0"/>
+          <a:chExt cx="0" cy="0"/>
+        </a:xfrm>
+      </p:grpSpPr>
+      <p:sp>
+        <p:nvSpPr>
+          <p:cNvPr id="2" name="Title 1">
+            <a:extLst>
+              <a:ext uri="{FF2B5EF4-FFF2-40B4-BE49-F238E27FC236}">
+                <a16:creationId xmlns:a16="http://schemas.microsoft.com/office/drawing/2014/main" id="{A3B6A5EF-CA8A-CA7E-6CCF-3AD1F04F63A5}"/>
+              </a:ext>
+            </a:extLst>
+          </p:cNvPr>
+          <p:cNvSpPr>
+            <a:spLocks noGrp="1"/>
+          </p:cNvSpPr>
+          <p:nvPr>
+            <p:ph type="title"/>
+          </p:nvPr>
+        </p:nvSpPr>
+        <p:spPr>
+          <a:xfrm>
+            <a:off x="838200" y="243205"/>
+            <a:ext cx="10515600" cy="899795"/>
+          </a:xfrm>
+        </p:spPr>
+        <p:txBody>
+          <a:bodyPr/>
+          <a:lstStyle>
+            <a:lvl1pPr>
+              <a:defRPr b="1">
+                <a:solidFill>
+                  <a:srgbClr val="4E2A84"/>
+                </a:solidFill>
+              </a:defRPr>
+            </a:lvl1pPr>
+          </a:lstStyle>
+          <a:p>
+            <a:r>
+              <a:rPr lang="en-US"/>
+              <a:t>Click to edit Master title style</a:t>
+            </a:r>
+          </a:p>
+        </p:txBody>
+      </p:sp>
+      <p:sp>
+        <p:nvSpPr>
+          <p:cNvPr id="3" name="Content Placeholder 2">
+            <a:extLst>
+              <a:ext uri="{FF2B5EF4-FFF2-40B4-BE49-F238E27FC236}">
+                <a16:creationId xmlns:a16="http://schemas.microsoft.com/office/drawing/2014/main" id="{E3DC07CB-A8AB-7E01-AB5D-A840BD664CAF}"/>
+              </a:ext>
+            </a:extLst>
+          </p:cNvPr>
+          <p:cNvSpPr>
+            <a:spLocks noGrp="1"/>
+          </p:cNvSpPr>
+          <p:nvPr>
+            <p:ph idx="1"/>
+          </p:nvPr>
+        </p:nvSpPr>
+        <p:spPr>
+          <a:xfrm>
+            <a:off x="838200" y="1473200"/>
+            <a:ext cx="10515600" cy="4703763"/>
+          </a:xfrm>
+        </p:spPr>
+        <p:txBody>
+          <a:bodyPr/>
+          <a:lstStyle/>
+          <a:p>
+            <a:pPr lvl="0"/>
+            <a:r>
+              <a:rPr lang="en-US"/>
+              <a:t>Click to edit Master text styles</a:t>
+            </a:r>
+          </a:p>
+          <a:p>
+            <a:pPr lvl="1"/>
+            <a:r>
+              <a:rPr lang="en-US"/>
+              <a:t>Second level</a:t>
+            </a:r>
+          </a:p>
+          <a:p>
+            <a:pPr lvl="2"/>
+            <a:r>
+              <a:rPr lang="en-US"/>
+              <a:t>Third level</a:t>
+            </a:r>
+          </a:p>
+          <a:p>
+            <a:pPr lvl="3"/>
+            <a:r>
+              <a:rPr lang="en-US"/>
+              <a:t>Fourth level</a:t>
+            </a:r>
+          </a:p>
+          <a:p>
+            <a:pPr lvl="4"/>
+            <a:r>
+              <a:rPr lang="en-US"/>
+              <a:t>Fifth level</a:t>
+            </a:r>
+          </a:p>
+        </p:txBody>
+      </p:sp>
+      <p:sp>
+        <p:nvSpPr>
+          <p:cNvPr id="4" name="Date Placeholder 3">
+            <a:extLst>
+              <a:ext uri="{FF2B5EF4-FFF2-40B4-BE49-F238E27FC236}">
+                <a16:creationId xmlns:a16="http://schemas.microsoft.com/office/drawing/2014/main" id="{B19A6D24-2480-B3E0-67D5-B07ABD4372E4}"/>
+              </a:ext>
+            </a:extLst>
+          </p:cNvPr>
+          <p:cNvSpPr>
+            <a:spLocks noGrp="1"/>
+          </p:cNvSpPr>
+          <p:nvPr>
+            <p:ph type="dt" sz="half" idx="10"/>
+          </p:nvPr>
+        </p:nvSpPr>
+        <p:spPr/>
+        <p:txBody>
+          <a:bodyPr/>
+          <a:lstStyle/>
+          <a:p>
+            <a:fld id="{0C56C575-D94E-F044-B574-12900C1740FB}" type="datetimeFigureOut">
+              <a:rPr lang="en-US" smtClean="0"/>
+              <a:t>8/13/25</a:t>
+            </a:fld>
+            <a:endParaRPr lang="en-US"/>
+          </a:p>
+        </p:txBody>
+      </p:sp>
+      <p:sp>
+        <p:nvSpPr>
+          <p:cNvPr id="5" name="Footer Placeholder 4">
+            <a:extLst>
+              <a:ext uri="{FF2B5EF4-FFF2-40B4-BE49-F238E27FC236}">
+                <a16:creationId xmlns:a16="http://schemas.microsoft.com/office/drawing/2014/main" id="{FC4ED280-DD85-1062-68A5-8334117AC1FE}"/>
+              </a:ext>
+            </a:extLst>
+          </p:cNvPr>
+          <p:cNvSpPr>
+            <a:spLocks noGrp="1"/>
+          </p:cNvSpPr>
+          <p:nvPr>
+            <p:ph type="ftr" sz="quarter" idx="11"/>
+          </p:nvPr>
+        </p:nvSpPr>
+        <p:spPr/>
+        <p:txBody>
+          <a:bodyPr/>
+          <a:lstStyle/>
+          <a:p>
+            <a:endParaRPr lang="en-US"/>
+          </a:p>
+        </p:txBody>
+      </p:sp>
+      <p:sp>
+        <p:nvSpPr>
+          <p:cNvPr id="6" name="Slide Number Placeholder 5">
+            <a:extLst>
+              <a:ext uri="{FF2B5EF4-FFF2-40B4-BE49-F238E27FC236}">
+                <a16:creationId xmlns:a16="http://schemas.microsoft.com/office/drawing/2014/main" id="{3EE316CE-5AF2-339F-EF34-3572A526CAB4}"/>
+              </a:ext>
+            </a:extLst>
+          </p:cNvPr>
+          <p:cNvSpPr>
+            <a:spLocks noGrp="1"/>
+          </p:cNvSpPr>
+          <p:nvPr>
+            <p:ph type="sldNum" sz="quarter" idx="12"/>
+          </p:nvPr>
+        </p:nvSpPr>
+        <p:spPr/>
+        <p:txBody>
+          <a:bodyPr/>
+          <a:lstStyle/>
+          <a:p>
+            <a:fld id="{B4A93303-02C8-0A48-A9C5-C3F2FB0D04DA}" type="slidenum">
+              <a:rPr lang="en-US" smtClean="0"/>
+              <a:t>‹#›</a:t>
+            </a:fld>
+            <a:endParaRPr lang="en-US"/>
+          </a:p>
+        </p:txBody>
+      </p:sp>
+      <p:sp>
+        <p:nvSpPr>
+          <p:cNvPr id="7" name="Rectangle 6">
+            <a:extLst>
+              <a:ext uri="{FF2B5EF4-FFF2-40B4-BE49-F238E27FC236}">
+                <a16:creationId xmlns:a16="http://schemas.microsoft.com/office/drawing/2014/main" id="{1112DB8B-50E4-CF37-7621-4C504094DBEB}"/>
+              </a:ext>
+            </a:extLst>
+          </p:cNvPr>
+          <p:cNvSpPr/>
+          <p:nvPr userDrawn="1"/>
+        </p:nvSpPr>
+        <p:spPr>
+          <a:xfrm>
+            <a:off x="0" y="6695440"/>
+            <a:ext cx="12192000" cy="162560"/>
+          </a:xfrm>
+          <a:prstGeom prst="rect">
+            <a:avLst/>
+          </a:prstGeom>
+          <a:solidFill>
+            <a:srgbClr val="4E2A84"/>
+          </a:solidFill>
+          <a:ln>
+            <a:noFill/>
+          </a:ln>
+        </p:spPr>
+        <p:style>
+          <a:lnRef idx="2">
+            <a:schemeClr val="accent1">
+              <a:shade val="15000"/>
+            </a:schemeClr>
+          </a:lnRef>
+          <a:fillRef idx="1">
+            <a:schemeClr val="accent1"/>
+          </a:fillRef>
+          <a:effectRef idx="0">
+            <a:schemeClr val="accent1"/>
+          </a:effectRef>
+          <a:fontRef idx="minor">
+            <a:schemeClr val="lt1"/>
+          </a:fontRef>
+        </p:style>
+        <p:txBody>
+          <a:bodyPr rtlCol="0" anchor="ctr"/>
+          <a:lstStyle/>
+          <a:p>
+            <a:pPr algn="ctr"/>
+            <a:endParaRPr lang="en-US"/>
+          </a:p>
+        </p:txBody>
+      </p:sp>
+      <p:pic>
+        <p:nvPicPr>
+          <p:cNvPr id="8" name="Picture 7">
+            <a:extLst>
+              <a:ext uri="{FF2B5EF4-FFF2-40B4-BE49-F238E27FC236}">
+                <a16:creationId xmlns:a16="http://schemas.microsoft.com/office/drawing/2014/main" id="{74116A2F-86A8-E51D-CB60-76CA1DE816D6}"/>
+              </a:ext>
+            </a:extLst>
+          </p:cNvPr>
+          <p:cNvPicPr>
+            <a:picLocks noChangeAspect="1"/>
+          </p:cNvPicPr>
+          <p:nvPr userDrawn="1"/>
+        </p:nvPicPr>
+        <p:blipFill>
+          <a:blip r:embed="rId2">
+            <a:extLst>
+              <a:ext uri="{28A0092B-C50C-407E-A947-70E740481C1C}">
+                <a14:useLocalDpi xmlns:a14="http://schemas.microsoft.com/office/drawing/2010/main" val="0"/>
+              </a:ext>
+            </a:extLst>
+          </a:blip>
+          <a:stretch>
+            <a:fillRect/>
+          </a:stretch>
+        </p:blipFill>
+        <p:spPr>
+          <a:xfrm>
+            <a:off x="190500" y="6271945"/>
+            <a:ext cx="4805569" cy="395555"/>
+          </a:xfrm>
+          <a:prstGeom prst="rect">
+            <a:avLst/>
+          </a:prstGeom>
+        </p:spPr>
+      </p:pic>
+    </p:spTree>
+    <p:extLst>
+      <p:ext uri="{BB962C8B-B14F-4D97-AF65-F5344CB8AC3E}">
+        <p14:creationId xmlns:p14="http://schemas.microsoft.com/office/powerpoint/2010/main" val="369854923"/>
+      </p:ext>
+    </p:extLst>
+  </p:cSld>
+  <p:clrMapOvr>
+    <a:masterClrMapping/>
+  </p:clrMapOvr>
+  <p:extLst>
+    <p:ext uri="{DCECCB84-F9BA-43D5-87BE-67443E8EF086}">
+      <p15:sldGuideLst xmlns:p15="http://schemas.microsoft.com/office/powerpoint/2012/main">
+        <p15:guide id="1" orient="horz" pos="720" userDrawn="1">
+          <p15:clr>
+            <a:srgbClr val="FBAE40"/>
+          </p15:clr>
+        </p15:guide>
+        <p15:guide id="2" pos="3840" userDrawn="1">
+          <p15:clr>
+            <a:srgbClr val="FBAE40"/>
+          </p15:clr>
+        </p15:guide>
+      </p15:sldGuideLst>
+    </p:ext>
+  </p:extLst>
+</p:sldLayout>
+</file>
+
+<file path=ppt/slideLayouts/slideLayout4.xml><?xml version="1.0" encoding="utf-8"?>
 <p:sldLayout xmlns:a="http://schemas.openxmlformats.org/drawingml/2006/main" xmlns:r="http://schemas.openxmlformats.org/officeDocument/2006/relationships" xmlns:p="http://schemas.openxmlformats.org/presentationml/2006/main" type="secHead" preserve="1">
   <p:cSld name="Section Header">
     <p:spTree>
@@ -919,7 +2677,13 @@
       </p:grpSpPr>
       <p:sp>
         <p:nvSpPr>
-          <p:cNvPr id="2" name="Title 1"/>
+          <p:cNvPr id="2" name="Title 1">
+            <a:extLst>
+              <a:ext uri="{FF2B5EF4-FFF2-40B4-BE49-F238E27FC236}">
+                <a16:creationId xmlns:a16="http://schemas.microsoft.com/office/drawing/2014/main" id="{6FF834E7-1436-76C6-17E4-E9B81F64A47E}"/>
+              </a:ext>
+            </a:extLst>
+          </p:cNvPr>
           <p:cNvSpPr>
             <a:spLocks noGrp="1"/>
           </p:cNvSpPr>
@@ -945,13 +2709,18 @@
               <a:rPr lang="en-US"/>
               <a:t>Click to edit Master title style</a:t>
             </a:r>
-            <a:endParaRPr lang="en-US" dirty="0"/>
-          </a:p>
-        </p:txBody>
-      </p:sp>
-      <p:sp>
-        <p:nvSpPr>
-          <p:cNvPr id="3" name="Text Placeholder 2"/>
+          </a:p>
+        </p:txBody>
+      </p:sp>
+      <p:sp>
+        <p:nvSpPr>
+          <p:cNvPr id="3" name="Text Placeholder 2">
+            <a:extLst>
+              <a:ext uri="{FF2B5EF4-FFF2-40B4-BE49-F238E27FC236}">
+                <a16:creationId xmlns:a16="http://schemas.microsoft.com/office/drawing/2014/main" id="{203C489A-3327-BAA2-B6D0-1E94C6D1F1BF}"/>
+              </a:ext>
+            </a:extLst>
+          </p:cNvPr>
           <p:cNvSpPr>
             <a:spLocks noGrp="1"/>
           </p:cNvSpPr>
@@ -1070,7 +2839,13 @@
       </p:sp>
       <p:sp>
         <p:nvSpPr>
-          <p:cNvPr id="4" name="Date Placeholder 3"/>
+          <p:cNvPr id="4" name="Date Placeholder 3">
+            <a:extLst>
+              <a:ext uri="{FF2B5EF4-FFF2-40B4-BE49-F238E27FC236}">
+                <a16:creationId xmlns:a16="http://schemas.microsoft.com/office/drawing/2014/main" id="{817729CC-D093-2DEC-B7F9-3D473E1504E3}"/>
+              </a:ext>
+            </a:extLst>
+          </p:cNvPr>
           <p:cNvSpPr>
             <a:spLocks noGrp="1"/>
           </p:cNvSpPr>
@@ -1083,9 +2858,9 @@
           <a:bodyPr/>
           <a:lstStyle/>
           <a:p>
-            <a:fld id="{846CE7D5-CF57-46EF-B807-FDD0502418D4}" type="datetimeFigureOut">
+            <a:fld id="{0C56C575-D94E-F044-B574-12900C1740FB}" type="datetimeFigureOut">
               <a:rPr lang="en-US" smtClean="0"/>
-              <a:t>8/12/2025</a:t>
+              <a:t>8/13/25</a:t>
             </a:fld>
             <a:endParaRPr lang="en-US"/>
           </a:p>
@@ -1093,7 +2868,13 @@
       </p:sp>
       <p:sp>
         <p:nvSpPr>
-          <p:cNvPr id="5" name="Footer Placeholder 4"/>
+          <p:cNvPr id="5" name="Footer Placeholder 4">
+            <a:extLst>
+              <a:ext uri="{FF2B5EF4-FFF2-40B4-BE49-F238E27FC236}">
+                <a16:creationId xmlns:a16="http://schemas.microsoft.com/office/drawing/2014/main" id="{E262A283-CCB8-A9F7-74A3-BDABB4BC1F24}"/>
+              </a:ext>
+            </a:extLst>
+          </p:cNvPr>
           <p:cNvSpPr>
             <a:spLocks noGrp="1"/>
           </p:cNvSpPr>
@@ -1112,7 +2893,13 @@
       </p:sp>
       <p:sp>
         <p:nvSpPr>
-          <p:cNvPr id="6" name="Slide Number Placeholder 5"/>
+          <p:cNvPr id="6" name="Slide Number Placeholder 5">
+            <a:extLst>
+              <a:ext uri="{FF2B5EF4-FFF2-40B4-BE49-F238E27FC236}">
+                <a16:creationId xmlns:a16="http://schemas.microsoft.com/office/drawing/2014/main" id="{0EEAAB1C-7106-848E-AC67-4388EBC909E4}"/>
+              </a:ext>
+            </a:extLst>
+          </p:cNvPr>
           <p:cNvSpPr>
             <a:spLocks noGrp="1"/>
           </p:cNvSpPr>
@@ -1125,7 +2912,7 @@
           <a:bodyPr/>
           <a:lstStyle/>
           <a:p>
-            <a:fld id="{330EA680-D336-4FF7-8B7A-9848BB0A1C32}" type="slidenum">
+            <a:fld id="{B4A93303-02C8-0A48-A9C5-C3F2FB0D04DA}" type="slidenum">
               <a:rPr lang="en-US" smtClean="0"/>
               <a:t>‹#›</a:t>
             </a:fld>
@@ -1136,7 +2923,7 @@
     </p:spTree>
     <p:extLst>
       <p:ext uri="{BB962C8B-B14F-4D97-AF65-F5344CB8AC3E}">
-        <p14:creationId xmlns:p14="http://schemas.microsoft.com/office/powerpoint/2010/main" val="2591524520"/>
+        <p14:creationId xmlns:p14="http://schemas.microsoft.com/office/powerpoint/2010/main" val="2477517446"/>
       </p:ext>
     </p:extLst>
   </p:cSld>
@@ -1146,7 +2933,7 @@
 </p:sldLayout>
 </file>
 
-<file path=ppt/slideLayouts/slideLayout4.xml><?xml version="1.0" encoding="utf-8"?>
+<file path=ppt/slideLayouts/slideLayout5.xml><?xml version="1.0" encoding="utf-8"?>
 <p:sldLayout xmlns:a="http://schemas.openxmlformats.org/drawingml/2006/main" xmlns:r="http://schemas.openxmlformats.org/officeDocument/2006/relationships" xmlns:p="http://schemas.openxmlformats.org/presentationml/2006/main" type="twoObj" preserve="1">
   <p:cSld name="Two Content">
     <p:spTree>
@@ -1165,7 +2952,13 @@
       </p:grpSpPr>
       <p:sp>
         <p:nvSpPr>
-          <p:cNvPr id="2" name="Title 1"/>
+          <p:cNvPr id="2" name="Title 1">
+            <a:extLst>
+              <a:ext uri="{FF2B5EF4-FFF2-40B4-BE49-F238E27FC236}">
+                <a16:creationId xmlns:a16="http://schemas.microsoft.com/office/drawing/2014/main" id="{C9D6805C-7677-5BA5-3E77-500090AA650A}"/>
+              </a:ext>
+            </a:extLst>
+          </p:cNvPr>
           <p:cNvSpPr>
             <a:spLocks noGrp="1"/>
           </p:cNvSpPr>
@@ -1182,13 +2975,18 @@
               <a:rPr lang="en-US"/>
               <a:t>Click to edit Master title style</a:t>
             </a:r>
-            <a:endParaRPr lang="en-US" dirty="0"/>
-          </a:p>
-        </p:txBody>
-      </p:sp>
-      <p:sp>
-        <p:nvSpPr>
-          <p:cNvPr id="3" name="Content Placeholder 2"/>
+          </a:p>
+        </p:txBody>
+      </p:sp>
+      <p:sp>
+        <p:nvSpPr>
+          <p:cNvPr id="3" name="Content Placeholder 2">
+            <a:extLst>
+              <a:ext uri="{FF2B5EF4-FFF2-40B4-BE49-F238E27FC236}">
+                <a16:creationId xmlns:a16="http://schemas.microsoft.com/office/drawing/2014/main" id="{2EA4316E-7BAE-0E3C-2BE1-5FA84532147E}"/>
+              </a:ext>
+            </a:extLst>
+          </p:cNvPr>
           <p:cNvSpPr>
             <a:spLocks noGrp="1"/>
           </p:cNvSpPr>
@@ -1239,13 +3037,18 @@
               <a:rPr lang="en-US"/>
               <a:t>Fifth level</a:t>
             </a:r>
-            <a:endParaRPr lang="en-US" dirty="0"/>
-          </a:p>
-        </p:txBody>
-      </p:sp>
-      <p:sp>
-        <p:nvSpPr>
-          <p:cNvPr id="4" name="Content Placeholder 3"/>
+          </a:p>
+        </p:txBody>
+      </p:sp>
+      <p:sp>
+        <p:nvSpPr>
+          <p:cNvPr id="4" name="Content Placeholder 3">
+            <a:extLst>
+              <a:ext uri="{FF2B5EF4-FFF2-40B4-BE49-F238E27FC236}">
+                <a16:creationId xmlns:a16="http://schemas.microsoft.com/office/drawing/2014/main" id="{971EF5A7-8C2F-B5C5-3F99-2C856EB0E875}"/>
+              </a:ext>
+            </a:extLst>
+          </p:cNvPr>
           <p:cNvSpPr>
             <a:spLocks noGrp="1"/>
           </p:cNvSpPr>
@@ -1296,13 +3099,18 @@
               <a:rPr lang="en-US"/>
               <a:t>Fifth level</a:t>
             </a:r>
-            <a:endParaRPr lang="en-US" dirty="0"/>
-          </a:p>
-        </p:txBody>
-      </p:sp>
-      <p:sp>
-        <p:nvSpPr>
-          <p:cNvPr id="5" name="Date Placeholder 4"/>
+          </a:p>
+        </p:txBody>
+      </p:sp>
+      <p:sp>
+        <p:nvSpPr>
+          <p:cNvPr id="5" name="Date Placeholder 4">
+            <a:extLst>
+              <a:ext uri="{FF2B5EF4-FFF2-40B4-BE49-F238E27FC236}">
+                <a16:creationId xmlns:a16="http://schemas.microsoft.com/office/drawing/2014/main" id="{865CD897-0AB3-934B-3917-3E8E80FF79ED}"/>
+              </a:ext>
+            </a:extLst>
+          </p:cNvPr>
           <p:cNvSpPr>
             <a:spLocks noGrp="1"/>
           </p:cNvSpPr>
@@ -1315,9 +3123,9 @@
           <a:bodyPr/>
           <a:lstStyle/>
           <a:p>
-            <a:fld id="{846CE7D5-CF57-46EF-B807-FDD0502418D4}" type="datetimeFigureOut">
+            <a:fld id="{0C56C575-D94E-F044-B574-12900C1740FB}" type="datetimeFigureOut">
               <a:rPr lang="en-US" smtClean="0"/>
-              <a:t>8/12/2025</a:t>
+              <a:t>8/13/25</a:t>
             </a:fld>
             <a:endParaRPr lang="en-US"/>
           </a:p>
@@ -1325,7 +3133,13 @@
       </p:sp>
       <p:sp>
         <p:nvSpPr>
-          <p:cNvPr id="6" name="Footer Placeholder 5"/>
+          <p:cNvPr id="6" name="Footer Placeholder 5">
+            <a:extLst>
+              <a:ext uri="{FF2B5EF4-FFF2-40B4-BE49-F238E27FC236}">
+                <a16:creationId xmlns:a16="http://schemas.microsoft.com/office/drawing/2014/main" id="{0E183E03-7706-1EC1-F7DD-56C25A8190B4}"/>
+              </a:ext>
+            </a:extLst>
+          </p:cNvPr>
           <p:cNvSpPr>
             <a:spLocks noGrp="1"/>
           </p:cNvSpPr>
@@ -1344,7 +3158,13 @@
       </p:sp>
       <p:sp>
         <p:nvSpPr>
-          <p:cNvPr id="7" name="Slide Number Placeholder 6"/>
+          <p:cNvPr id="7" name="Slide Number Placeholder 6">
+            <a:extLst>
+              <a:ext uri="{FF2B5EF4-FFF2-40B4-BE49-F238E27FC236}">
+                <a16:creationId xmlns:a16="http://schemas.microsoft.com/office/drawing/2014/main" id="{E7702DD4-3211-4B34-3234-F09065377005}"/>
+              </a:ext>
+            </a:extLst>
+          </p:cNvPr>
           <p:cNvSpPr>
             <a:spLocks noGrp="1"/>
           </p:cNvSpPr>
@@ -1357,7 +3177,7 @@
           <a:bodyPr/>
           <a:lstStyle/>
           <a:p>
-            <a:fld id="{330EA680-D336-4FF7-8B7A-9848BB0A1C32}" type="slidenum">
+            <a:fld id="{B4A93303-02C8-0A48-A9C5-C3F2FB0D04DA}" type="slidenum">
               <a:rPr lang="en-US" smtClean="0"/>
               <a:t>‹#›</a:t>
             </a:fld>
@@ -1368,7 +3188,7 @@
     </p:spTree>
     <p:extLst>
       <p:ext uri="{BB962C8B-B14F-4D97-AF65-F5344CB8AC3E}">
-        <p14:creationId xmlns:p14="http://schemas.microsoft.com/office/powerpoint/2010/main" val="1203092039"/>
+        <p14:creationId xmlns:p14="http://schemas.microsoft.com/office/powerpoint/2010/main" val="2289701212"/>
       </p:ext>
     </p:extLst>
   </p:cSld>
@@ -1378,7 +3198,7 @@
 </p:sldLayout>
 </file>
 
-<file path=ppt/slideLayouts/slideLayout5.xml><?xml version="1.0" encoding="utf-8"?>
+<file path=ppt/slideLayouts/slideLayout6.xml><?xml version="1.0" encoding="utf-8"?>
 <p:sldLayout xmlns:a="http://schemas.openxmlformats.org/drawingml/2006/main" xmlns:r="http://schemas.openxmlformats.org/officeDocument/2006/relationships" xmlns:p="http://schemas.openxmlformats.org/presentationml/2006/main" type="twoTxTwoObj" preserve="1">
   <p:cSld name="Comparison">
     <p:spTree>
@@ -1397,7 +3217,13 @@
       </p:grpSpPr>
       <p:sp>
         <p:nvSpPr>
-          <p:cNvPr id="2" name="Title 1"/>
+          <p:cNvPr id="2" name="Title 1">
+            <a:extLst>
+              <a:ext uri="{FF2B5EF4-FFF2-40B4-BE49-F238E27FC236}">
+                <a16:creationId xmlns:a16="http://schemas.microsoft.com/office/drawing/2014/main" id="{EA621461-08A6-744F-EA05-9F55BD210430}"/>
+              </a:ext>
+            </a:extLst>
+          </p:cNvPr>
           <p:cNvSpPr>
             <a:spLocks noGrp="1"/>
           </p:cNvSpPr>
@@ -1419,13 +3245,18 @@
               <a:rPr lang="en-US"/>
               <a:t>Click to edit Master title style</a:t>
             </a:r>
-            <a:endParaRPr lang="en-US" dirty="0"/>
-          </a:p>
-        </p:txBody>
-      </p:sp>
-      <p:sp>
-        <p:nvSpPr>
-          <p:cNvPr id="3" name="Text Placeholder 2"/>
+          </a:p>
+        </p:txBody>
+      </p:sp>
+      <p:sp>
+        <p:nvSpPr>
+          <p:cNvPr id="3" name="Text Placeholder 2">
+            <a:extLst>
+              <a:ext uri="{FF2B5EF4-FFF2-40B4-BE49-F238E27FC236}">
+                <a16:creationId xmlns:a16="http://schemas.microsoft.com/office/drawing/2014/main" id="{2D06F1D7-1940-6104-6174-B3B8641D201B}"/>
+              </a:ext>
+            </a:extLst>
+          </p:cNvPr>
           <p:cNvSpPr>
             <a:spLocks noGrp="1"/>
           </p:cNvSpPr>
@@ -1490,7 +3321,13 @@
       </p:sp>
       <p:sp>
         <p:nvSpPr>
-          <p:cNvPr id="4" name="Content Placeholder 3"/>
+          <p:cNvPr id="4" name="Content Placeholder 3">
+            <a:extLst>
+              <a:ext uri="{FF2B5EF4-FFF2-40B4-BE49-F238E27FC236}">
+                <a16:creationId xmlns:a16="http://schemas.microsoft.com/office/drawing/2014/main" id="{3C619EC0-31B5-9787-8683-9A186CD263B3}"/>
+              </a:ext>
+            </a:extLst>
+          </p:cNvPr>
           <p:cNvSpPr>
             <a:spLocks noGrp="1"/>
           </p:cNvSpPr>
@@ -1541,13 +3378,18 @@
               <a:rPr lang="en-US"/>
               <a:t>Fifth level</a:t>
             </a:r>
-            <a:endParaRPr lang="en-US" dirty="0"/>
-          </a:p>
-        </p:txBody>
-      </p:sp>
-      <p:sp>
-        <p:nvSpPr>
-          <p:cNvPr id="5" name="Text Placeholder 4"/>
+          </a:p>
+        </p:txBody>
+      </p:sp>
+      <p:sp>
+        <p:nvSpPr>
+          <p:cNvPr id="5" name="Text Placeholder 4">
+            <a:extLst>
+              <a:ext uri="{FF2B5EF4-FFF2-40B4-BE49-F238E27FC236}">
+                <a16:creationId xmlns:a16="http://schemas.microsoft.com/office/drawing/2014/main" id="{4AF0F2AA-EDD0-F912-A234-226F8D0B2D8F}"/>
+              </a:ext>
+            </a:extLst>
+          </p:cNvPr>
           <p:cNvSpPr>
             <a:spLocks noGrp="1"/>
           </p:cNvSpPr>
@@ -1612,7 +3454,13 @@
       </p:sp>
       <p:sp>
         <p:nvSpPr>
-          <p:cNvPr id="6" name="Content Placeholder 5"/>
+          <p:cNvPr id="6" name="Content Placeholder 5">
+            <a:extLst>
+              <a:ext uri="{FF2B5EF4-FFF2-40B4-BE49-F238E27FC236}">
+                <a16:creationId xmlns:a16="http://schemas.microsoft.com/office/drawing/2014/main" id="{363703C0-92A8-8539-BDFA-C6A4AC19306A}"/>
+              </a:ext>
+            </a:extLst>
+          </p:cNvPr>
           <p:cNvSpPr>
             <a:spLocks noGrp="1"/>
           </p:cNvSpPr>
@@ -1663,13 +3511,18 @@
               <a:rPr lang="en-US"/>
               <a:t>Fifth level</a:t>
             </a:r>
-            <a:endParaRPr lang="en-US" dirty="0"/>
-          </a:p>
-        </p:txBody>
-      </p:sp>
-      <p:sp>
-        <p:nvSpPr>
-          <p:cNvPr id="7" name="Date Placeholder 6"/>
+          </a:p>
+        </p:txBody>
+      </p:sp>
+      <p:sp>
+        <p:nvSpPr>
+          <p:cNvPr id="7" name="Date Placeholder 6">
+            <a:extLst>
+              <a:ext uri="{FF2B5EF4-FFF2-40B4-BE49-F238E27FC236}">
+                <a16:creationId xmlns:a16="http://schemas.microsoft.com/office/drawing/2014/main" id="{37559945-E157-55F9-C8EB-25E0512B2131}"/>
+              </a:ext>
+            </a:extLst>
+          </p:cNvPr>
           <p:cNvSpPr>
             <a:spLocks noGrp="1"/>
           </p:cNvSpPr>
@@ -1682,9 +3535,9 @@
           <a:bodyPr/>
           <a:lstStyle/>
           <a:p>
-            <a:fld id="{846CE7D5-CF57-46EF-B807-FDD0502418D4}" type="datetimeFigureOut">
+            <a:fld id="{0C56C575-D94E-F044-B574-12900C1740FB}" type="datetimeFigureOut">
               <a:rPr lang="en-US" smtClean="0"/>
-              <a:t>8/12/2025</a:t>
+              <a:t>8/13/25</a:t>
             </a:fld>
             <a:endParaRPr lang="en-US"/>
           </a:p>
@@ -1692,7 +3545,13 @@
       </p:sp>
       <p:sp>
         <p:nvSpPr>
-          <p:cNvPr id="8" name="Footer Placeholder 7"/>
+          <p:cNvPr id="8" name="Footer Placeholder 7">
+            <a:extLst>
+              <a:ext uri="{FF2B5EF4-FFF2-40B4-BE49-F238E27FC236}">
+                <a16:creationId xmlns:a16="http://schemas.microsoft.com/office/drawing/2014/main" id="{9755A5DB-2F28-FAF3-027F-DE6D0E016C42}"/>
+              </a:ext>
+            </a:extLst>
+          </p:cNvPr>
           <p:cNvSpPr>
             <a:spLocks noGrp="1"/>
           </p:cNvSpPr>
@@ -1711,7 +3570,13 @@
       </p:sp>
       <p:sp>
         <p:nvSpPr>
-          <p:cNvPr id="9" name="Slide Number Placeholder 8"/>
+          <p:cNvPr id="9" name="Slide Number Placeholder 8">
+            <a:extLst>
+              <a:ext uri="{FF2B5EF4-FFF2-40B4-BE49-F238E27FC236}">
+                <a16:creationId xmlns:a16="http://schemas.microsoft.com/office/drawing/2014/main" id="{FC216746-BE3D-B834-E9FE-952C386EEED1}"/>
+              </a:ext>
+            </a:extLst>
+          </p:cNvPr>
           <p:cNvSpPr>
             <a:spLocks noGrp="1"/>
           </p:cNvSpPr>
@@ -1724,7 +3589,7 @@
           <a:bodyPr/>
           <a:lstStyle/>
           <a:p>
-            <a:fld id="{330EA680-D336-4FF7-8B7A-9848BB0A1C32}" type="slidenum">
+            <a:fld id="{B4A93303-02C8-0A48-A9C5-C3F2FB0D04DA}" type="slidenum">
               <a:rPr lang="en-US" smtClean="0"/>
               <a:t>‹#›</a:t>
             </a:fld>
@@ -1735,7 +3600,7 @@
     </p:spTree>
     <p:extLst>
       <p:ext uri="{BB962C8B-B14F-4D97-AF65-F5344CB8AC3E}">
-        <p14:creationId xmlns:p14="http://schemas.microsoft.com/office/powerpoint/2010/main" val="3733172339"/>
+        <p14:creationId xmlns:p14="http://schemas.microsoft.com/office/powerpoint/2010/main" val="2016536389"/>
       </p:ext>
     </p:extLst>
   </p:cSld>
@@ -1745,7 +3610,7 @@
 </p:sldLayout>
 </file>
 
-<file path=ppt/slideLayouts/slideLayout6.xml><?xml version="1.0" encoding="utf-8"?>
+<file path=ppt/slideLayouts/slideLayout7.xml><?xml version="1.0" encoding="utf-8"?>
 <p:sldLayout xmlns:a="http://schemas.openxmlformats.org/drawingml/2006/main" xmlns:r="http://schemas.openxmlformats.org/officeDocument/2006/relationships" xmlns:p="http://schemas.openxmlformats.org/presentationml/2006/main" type="titleOnly" preserve="1">
   <p:cSld name="Title Only">
     <p:spTree>
@@ -1764,7 +3629,13 @@
       </p:grpSpPr>
       <p:sp>
         <p:nvSpPr>
-          <p:cNvPr id="2" name="Title 1"/>
+          <p:cNvPr id="2" name="Title 1">
+            <a:extLst>
+              <a:ext uri="{FF2B5EF4-FFF2-40B4-BE49-F238E27FC236}">
+                <a16:creationId xmlns:a16="http://schemas.microsoft.com/office/drawing/2014/main" id="{CC29B6C7-5F89-2E45-8E7F-35566A2B9849}"/>
+              </a:ext>
+            </a:extLst>
+          </p:cNvPr>
           <p:cNvSpPr>
             <a:spLocks noGrp="1"/>
           </p:cNvSpPr>
@@ -1781,13 +3652,18 @@
               <a:rPr lang="en-US"/>
               <a:t>Click to edit Master title style</a:t>
             </a:r>
-            <a:endParaRPr lang="en-US" dirty="0"/>
-          </a:p>
-        </p:txBody>
-      </p:sp>
-      <p:sp>
-        <p:nvSpPr>
-          <p:cNvPr id="3" name="Date Placeholder 2"/>
+          </a:p>
+        </p:txBody>
+      </p:sp>
+      <p:sp>
+        <p:nvSpPr>
+          <p:cNvPr id="3" name="Date Placeholder 2">
+            <a:extLst>
+              <a:ext uri="{FF2B5EF4-FFF2-40B4-BE49-F238E27FC236}">
+                <a16:creationId xmlns:a16="http://schemas.microsoft.com/office/drawing/2014/main" id="{7B159A78-52F4-5F79-B08C-DE6621F96EB4}"/>
+              </a:ext>
+            </a:extLst>
+          </p:cNvPr>
           <p:cNvSpPr>
             <a:spLocks noGrp="1"/>
           </p:cNvSpPr>
@@ -1800,9 +3676,9 @@
           <a:bodyPr/>
           <a:lstStyle/>
           <a:p>
-            <a:fld id="{846CE7D5-CF57-46EF-B807-FDD0502418D4}" type="datetimeFigureOut">
+            <a:fld id="{0C56C575-D94E-F044-B574-12900C1740FB}" type="datetimeFigureOut">
               <a:rPr lang="en-US" smtClean="0"/>
-              <a:t>8/12/2025</a:t>
+              <a:t>8/13/25</a:t>
             </a:fld>
             <a:endParaRPr lang="en-US"/>
           </a:p>
@@ -1810,7 +3686,13 @@
       </p:sp>
       <p:sp>
         <p:nvSpPr>
-          <p:cNvPr id="4" name="Footer Placeholder 3"/>
+          <p:cNvPr id="4" name="Footer Placeholder 3">
+            <a:extLst>
+              <a:ext uri="{FF2B5EF4-FFF2-40B4-BE49-F238E27FC236}">
+                <a16:creationId xmlns:a16="http://schemas.microsoft.com/office/drawing/2014/main" id="{AAF2A711-B21E-D10B-F4DF-9F62623D41C4}"/>
+              </a:ext>
+            </a:extLst>
+          </p:cNvPr>
           <p:cNvSpPr>
             <a:spLocks noGrp="1"/>
           </p:cNvSpPr>
@@ -1829,7 +3711,13 @@
       </p:sp>
       <p:sp>
         <p:nvSpPr>
-          <p:cNvPr id="5" name="Slide Number Placeholder 4"/>
+          <p:cNvPr id="5" name="Slide Number Placeholder 4">
+            <a:extLst>
+              <a:ext uri="{FF2B5EF4-FFF2-40B4-BE49-F238E27FC236}">
+                <a16:creationId xmlns:a16="http://schemas.microsoft.com/office/drawing/2014/main" id="{E45D5E55-D3D3-5A41-9E7A-754843143E8A}"/>
+              </a:ext>
+            </a:extLst>
+          </p:cNvPr>
           <p:cNvSpPr>
             <a:spLocks noGrp="1"/>
           </p:cNvSpPr>
@@ -1842,7 +3730,7 @@
           <a:bodyPr/>
           <a:lstStyle/>
           <a:p>
-            <a:fld id="{330EA680-D336-4FF7-8B7A-9848BB0A1C32}" type="slidenum">
+            <a:fld id="{B4A93303-02C8-0A48-A9C5-C3F2FB0D04DA}" type="slidenum">
               <a:rPr lang="en-US" smtClean="0"/>
               <a:t>‹#›</a:t>
             </a:fld>
@@ -1853,7 +3741,7 @@
     </p:spTree>
     <p:extLst>
       <p:ext uri="{BB962C8B-B14F-4D97-AF65-F5344CB8AC3E}">
-        <p14:creationId xmlns:p14="http://schemas.microsoft.com/office/powerpoint/2010/main" val="3210312558"/>
+        <p14:creationId xmlns:p14="http://schemas.microsoft.com/office/powerpoint/2010/main" val="1431660110"/>
       </p:ext>
     </p:extLst>
   </p:cSld>
@@ -1863,7 +3751,7 @@
 </p:sldLayout>
 </file>
 
-<file path=ppt/slideLayouts/slideLayout7.xml><?xml version="1.0" encoding="utf-8"?>
+<file path=ppt/slideLayouts/slideLayout8.xml><?xml version="1.0" encoding="utf-8"?>
 <p:sldLayout xmlns:a="http://schemas.openxmlformats.org/drawingml/2006/main" xmlns:r="http://schemas.openxmlformats.org/officeDocument/2006/relationships" xmlns:p="http://schemas.openxmlformats.org/presentationml/2006/main" type="blank" preserve="1">
   <p:cSld name="Blank">
     <p:spTree>
@@ -1882,7 +3770,13 @@
       </p:grpSpPr>
       <p:sp>
         <p:nvSpPr>
-          <p:cNvPr id="2" name="Date Placeholder 1"/>
+          <p:cNvPr id="2" name="Date Placeholder 1">
+            <a:extLst>
+              <a:ext uri="{FF2B5EF4-FFF2-40B4-BE49-F238E27FC236}">
+                <a16:creationId xmlns:a16="http://schemas.microsoft.com/office/drawing/2014/main" id="{91AC230C-919F-9B7C-79FA-2DF5E23CE6E0}"/>
+              </a:ext>
+            </a:extLst>
+          </p:cNvPr>
           <p:cNvSpPr>
             <a:spLocks noGrp="1"/>
           </p:cNvSpPr>
@@ -1895,9 +3789,9 @@
           <a:bodyPr/>
           <a:lstStyle/>
           <a:p>
-            <a:fld id="{846CE7D5-CF57-46EF-B807-FDD0502418D4}" type="datetimeFigureOut">
+            <a:fld id="{0C56C575-D94E-F044-B574-12900C1740FB}" type="datetimeFigureOut">
               <a:rPr lang="en-US" smtClean="0"/>
-              <a:t>8/12/2025</a:t>
+              <a:t>8/13/25</a:t>
             </a:fld>
             <a:endParaRPr lang="en-US"/>
           </a:p>
@@ -1905,7 +3799,13 @@
       </p:sp>
       <p:sp>
         <p:nvSpPr>
-          <p:cNvPr id="3" name="Footer Placeholder 2"/>
+          <p:cNvPr id="3" name="Footer Placeholder 2">
+            <a:extLst>
+              <a:ext uri="{FF2B5EF4-FFF2-40B4-BE49-F238E27FC236}">
+                <a16:creationId xmlns:a16="http://schemas.microsoft.com/office/drawing/2014/main" id="{D1EACFA2-3C55-00C1-9574-8F41BB39C313}"/>
+              </a:ext>
+            </a:extLst>
+          </p:cNvPr>
           <p:cNvSpPr>
             <a:spLocks noGrp="1"/>
           </p:cNvSpPr>
@@ -1924,7 +3824,13 @@
       </p:sp>
       <p:sp>
         <p:nvSpPr>
-          <p:cNvPr id="4" name="Slide Number Placeholder 3"/>
+          <p:cNvPr id="4" name="Slide Number Placeholder 3">
+            <a:extLst>
+              <a:ext uri="{FF2B5EF4-FFF2-40B4-BE49-F238E27FC236}">
+                <a16:creationId xmlns:a16="http://schemas.microsoft.com/office/drawing/2014/main" id="{79B9EA1B-8BB9-5A0B-3F91-DCEB437A5874}"/>
+              </a:ext>
+            </a:extLst>
+          </p:cNvPr>
           <p:cNvSpPr>
             <a:spLocks noGrp="1"/>
           </p:cNvSpPr>
@@ -1937,7 +3843,7 @@
           <a:bodyPr/>
           <a:lstStyle/>
           <a:p>
-            <a:fld id="{330EA680-D336-4FF7-8B7A-9848BB0A1C32}" type="slidenum">
+            <a:fld id="{B4A93303-02C8-0A48-A9C5-C3F2FB0D04DA}" type="slidenum">
               <a:rPr lang="en-US" smtClean="0"/>
               <a:t>‹#›</a:t>
             </a:fld>
@@ -1948,17 +3854,33 @@
     </p:spTree>
     <p:extLst>
       <p:ext uri="{BB962C8B-B14F-4D97-AF65-F5344CB8AC3E}">
-        <p14:creationId xmlns:p14="http://schemas.microsoft.com/office/powerpoint/2010/main" val="3146388984"/>
+        <p14:creationId xmlns:p14="http://schemas.microsoft.com/office/powerpoint/2010/main" val="3545628696"/>
       </p:ext>
     </p:extLst>
   </p:cSld>
   <p:clrMapOvr>
     <a:masterClrMapping/>
   </p:clrMapOvr>
+  <p:extLst>
+    <p:ext uri="{DCECCB84-F9BA-43D5-87BE-67443E8EF086}">
+      <p15:sldGuideLst xmlns:p15="http://schemas.microsoft.com/office/powerpoint/2012/main">
+        <p15:guide id="1" orient="horz" pos="2160" userDrawn="1">
+          <p15:clr>
+            <a:srgbClr val="FBAE40"/>
+          </p15:clr>
+        </p15:guide>
+        <p15:guide id="2" pos="3840" userDrawn="1">
+          <p15:clr>
+            <a:srgbClr val="FBAE40"/>
+          </p15:clr>
+        </p15:guide>
+      </p15:sldGuideLst>
+    </p:ext>
+  </p:extLst>
 </p:sldLayout>
 </file>
 
-<file path=ppt/slideLayouts/slideLayout8.xml><?xml version="1.0" encoding="utf-8"?>
+<file path=ppt/slideLayouts/slideLayout9.xml><?xml version="1.0" encoding="utf-8"?>
 <p:sldLayout xmlns:a="http://schemas.openxmlformats.org/drawingml/2006/main" xmlns:r="http://schemas.openxmlformats.org/officeDocument/2006/relationships" xmlns:p="http://schemas.openxmlformats.org/presentationml/2006/main" type="objTx" preserve="1">
   <p:cSld name="Content with Caption">
     <p:spTree>
@@ -1977,7 +3899,13 @@
       </p:grpSpPr>
       <p:sp>
         <p:nvSpPr>
-          <p:cNvPr id="2" name="Title 1"/>
+          <p:cNvPr id="2" name="Title 1">
+            <a:extLst>
+              <a:ext uri="{FF2B5EF4-FFF2-40B4-BE49-F238E27FC236}">
+                <a16:creationId xmlns:a16="http://schemas.microsoft.com/office/drawing/2014/main" id="{28C55AFC-A581-E595-95D4-6A2DB1EF5F42}"/>
+              </a:ext>
+            </a:extLst>
+          </p:cNvPr>
           <p:cNvSpPr>
             <a:spLocks noGrp="1"/>
           </p:cNvSpPr>
@@ -2003,13 +3931,18 @@
               <a:rPr lang="en-US"/>
               <a:t>Click to edit Master title style</a:t>
             </a:r>
-            <a:endParaRPr lang="en-US" dirty="0"/>
-          </a:p>
-        </p:txBody>
-      </p:sp>
-      <p:sp>
-        <p:nvSpPr>
-          <p:cNvPr id="3" name="Content Placeholder 2"/>
+          </a:p>
+        </p:txBody>
+      </p:sp>
+      <p:sp>
+        <p:nvSpPr>
+          <p:cNvPr id="3" name="Content Placeholder 2">
+            <a:extLst>
+              <a:ext uri="{FF2B5EF4-FFF2-40B4-BE49-F238E27FC236}">
+                <a16:creationId xmlns:a16="http://schemas.microsoft.com/office/drawing/2014/main" id="{6079A74E-C153-4BBA-CF40-EDE97A9CE4E7}"/>
+              </a:ext>
+            </a:extLst>
+          </p:cNvPr>
           <p:cNvSpPr>
             <a:spLocks noGrp="1"/>
           </p:cNvSpPr>
@@ -2088,13 +4021,18 @@
               <a:rPr lang="en-US"/>
               <a:t>Fifth level</a:t>
             </a:r>
-            <a:endParaRPr lang="en-US" dirty="0"/>
-          </a:p>
-        </p:txBody>
-      </p:sp>
-      <p:sp>
-        <p:nvSpPr>
-          <p:cNvPr id="4" name="Text Placeholder 3"/>
+          </a:p>
+        </p:txBody>
+      </p:sp>
+      <p:sp>
+        <p:nvSpPr>
+          <p:cNvPr id="4" name="Text Placeholder 3">
+            <a:extLst>
+              <a:ext uri="{FF2B5EF4-FFF2-40B4-BE49-F238E27FC236}">
+                <a16:creationId xmlns:a16="http://schemas.microsoft.com/office/drawing/2014/main" id="{D12B7AF2-253B-42EA-B5BC-D2695CF9DAF5}"/>
+              </a:ext>
+            </a:extLst>
+          </p:cNvPr>
           <p:cNvSpPr>
             <a:spLocks noGrp="1"/>
           </p:cNvSpPr>
@@ -2159,7 +4097,13 @@
       </p:sp>
       <p:sp>
         <p:nvSpPr>
-          <p:cNvPr id="5" name="Date Placeholder 4"/>
+          <p:cNvPr id="5" name="Date Placeholder 4">
+            <a:extLst>
+              <a:ext uri="{FF2B5EF4-FFF2-40B4-BE49-F238E27FC236}">
+                <a16:creationId xmlns:a16="http://schemas.microsoft.com/office/drawing/2014/main" id="{77B52508-9954-B4DA-7F8C-DAEBDC2F3E14}"/>
+              </a:ext>
+            </a:extLst>
+          </p:cNvPr>
           <p:cNvSpPr>
             <a:spLocks noGrp="1"/>
           </p:cNvSpPr>
@@ -2172,9 +4116,9 @@
           <a:bodyPr/>
           <a:lstStyle/>
           <a:p>
-            <a:fld id="{846CE7D5-CF57-46EF-B807-FDD0502418D4}" type="datetimeFigureOut">
+            <a:fld id="{0C56C575-D94E-F044-B574-12900C1740FB}" type="datetimeFigureOut">
               <a:rPr lang="en-US" smtClean="0"/>
-              <a:t>8/12/2025</a:t>
+              <a:t>8/13/25</a:t>
             </a:fld>
             <a:endParaRPr lang="en-US"/>
           </a:p>
@@ -2182,7 +4126,13 @@
       </p:sp>
       <p:sp>
         <p:nvSpPr>
-          <p:cNvPr id="6" name="Footer Placeholder 5"/>
+          <p:cNvPr id="6" name="Footer Placeholder 5">
+            <a:extLst>
+              <a:ext uri="{FF2B5EF4-FFF2-40B4-BE49-F238E27FC236}">
+                <a16:creationId xmlns:a16="http://schemas.microsoft.com/office/drawing/2014/main" id="{7DDD0EE1-4B99-830B-CA4A-22E0294B2449}"/>
+              </a:ext>
+            </a:extLst>
+          </p:cNvPr>
           <p:cNvSpPr>
             <a:spLocks noGrp="1"/>
           </p:cNvSpPr>
@@ -2201,7 +4151,13 @@
       </p:sp>
       <p:sp>
         <p:nvSpPr>
-          <p:cNvPr id="7" name="Slide Number Placeholder 6"/>
+          <p:cNvPr id="7" name="Slide Number Placeholder 6">
+            <a:extLst>
+              <a:ext uri="{FF2B5EF4-FFF2-40B4-BE49-F238E27FC236}">
+                <a16:creationId xmlns:a16="http://schemas.microsoft.com/office/drawing/2014/main" id="{02735767-600A-D175-D197-8A224DAF77D1}"/>
+              </a:ext>
+            </a:extLst>
+          </p:cNvPr>
           <p:cNvSpPr>
             <a:spLocks noGrp="1"/>
           </p:cNvSpPr>
@@ -2214,7 +4170,7 @@
           <a:bodyPr/>
           <a:lstStyle/>
           <a:p>
-            <a:fld id="{330EA680-D336-4FF7-8B7A-9848BB0A1C32}" type="slidenum">
+            <a:fld id="{B4A93303-02C8-0A48-A9C5-C3F2FB0D04DA}" type="slidenum">
               <a:rPr lang="en-US" smtClean="0"/>
               <a:t>‹#›</a:t>
             </a:fld>
@@ -2225,264 +4181,7 @@
     </p:spTree>
     <p:extLst>
       <p:ext uri="{BB962C8B-B14F-4D97-AF65-F5344CB8AC3E}">
-        <p14:creationId xmlns:p14="http://schemas.microsoft.com/office/powerpoint/2010/main" val="3171841454"/>
-      </p:ext>
-    </p:extLst>
-  </p:cSld>
-  <p:clrMapOvr>
-    <a:masterClrMapping/>
-  </p:clrMapOvr>
-</p:sldLayout>
-</file>
-
-<file path=ppt/slideLayouts/slideLayout9.xml><?xml version="1.0" encoding="utf-8"?>
-<p:sldLayout xmlns:a="http://schemas.openxmlformats.org/drawingml/2006/main" xmlns:r="http://schemas.openxmlformats.org/officeDocument/2006/relationships" xmlns:p="http://schemas.openxmlformats.org/presentationml/2006/main" type="picTx" preserve="1">
-  <p:cSld name="Picture with Caption">
-    <p:spTree>
-      <p:nvGrpSpPr>
-        <p:cNvPr id="1" name=""/>
-        <p:cNvGrpSpPr/>
-        <p:nvPr/>
-      </p:nvGrpSpPr>
-      <p:grpSpPr>
-        <a:xfrm>
-          <a:off x="0" y="0"/>
-          <a:ext cx="0" cy="0"/>
-          <a:chOff x="0" y="0"/>
-          <a:chExt cx="0" cy="0"/>
-        </a:xfrm>
-      </p:grpSpPr>
-      <p:sp>
-        <p:nvSpPr>
-          <p:cNvPr id="2" name="Title 1"/>
-          <p:cNvSpPr>
-            <a:spLocks noGrp="1"/>
-          </p:cNvSpPr>
-          <p:nvPr>
-            <p:ph type="title"/>
-          </p:nvPr>
-        </p:nvSpPr>
-        <p:spPr>
-          <a:xfrm>
-            <a:off x="839788" y="457200"/>
-            <a:ext cx="3932237" cy="1600200"/>
-          </a:xfrm>
-        </p:spPr>
-        <p:txBody>
-          <a:bodyPr anchor="b"/>
-          <a:lstStyle>
-            <a:lvl1pPr>
-              <a:defRPr sz="3200"/>
-            </a:lvl1pPr>
-          </a:lstStyle>
-          <a:p>
-            <a:r>
-              <a:rPr lang="en-US"/>
-              <a:t>Click to edit Master title style</a:t>
-            </a:r>
-            <a:endParaRPr lang="en-US" dirty="0"/>
-          </a:p>
-        </p:txBody>
-      </p:sp>
-      <p:sp>
-        <p:nvSpPr>
-          <p:cNvPr id="3" name="Picture Placeholder 2"/>
-          <p:cNvSpPr>
-            <a:spLocks noGrp="1" noChangeAspect="1"/>
-          </p:cNvSpPr>
-          <p:nvPr>
-            <p:ph type="pic" idx="1"/>
-          </p:nvPr>
-        </p:nvSpPr>
-        <p:spPr>
-          <a:xfrm>
-            <a:off x="5183188" y="987425"/>
-            <a:ext cx="6172200" cy="4873625"/>
-          </a:xfrm>
-        </p:spPr>
-        <p:txBody>
-          <a:bodyPr anchor="t"/>
-          <a:lstStyle>
-            <a:lvl1pPr marL="0" indent="0">
-              <a:buNone/>
-              <a:defRPr sz="3200"/>
-            </a:lvl1pPr>
-            <a:lvl2pPr marL="457200" indent="0">
-              <a:buNone/>
-              <a:defRPr sz="2800"/>
-            </a:lvl2pPr>
-            <a:lvl3pPr marL="914400" indent="0">
-              <a:buNone/>
-              <a:defRPr sz="2400"/>
-            </a:lvl3pPr>
-            <a:lvl4pPr marL="1371600" indent="0">
-              <a:buNone/>
-              <a:defRPr sz="2000"/>
-            </a:lvl4pPr>
-            <a:lvl5pPr marL="1828800" indent="0">
-              <a:buNone/>
-              <a:defRPr sz="2000"/>
-            </a:lvl5pPr>
-            <a:lvl6pPr marL="2286000" indent="0">
-              <a:buNone/>
-              <a:defRPr sz="2000"/>
-            </a:lvl6pPr>
-            <a:lvl7pPr marL="2743200" indent="0">
-              <a:buNone/>
-              <a:defRPr sz="2000"/>
-            </a:lvl7pPr>
-            <a:lvl8pPr marL="3200400" indent="0">
-              <a:buNone/>
-              <a:defRPr sz="2000"/>
-            </a:lvl8pPr>
-            <a:lvl9pPr marL="3657600" indent="0">
-              <a:buNone/>
-              <a:defRPr sz="2000"/>
-            </a:lvl9pPr>
-          </a:lstStyle>
-          <a:p>
-            <a:r>
-              <a:rPr lang="en-US"/>
-              <a:t>Click icon to add picture</a:t>
-            </a:r>
-            <a:endParaRPr lang="en-US" dirty="0"/>
-          </a:p>
-        </p:txBody>
-      </p:sp>
-      <p:sp>
-        <p:nvSpPr>
-          <p:cNvPr id="4" name="Text Placeholder 3"/>
-          <p:cNvSpPr>
-            <a:spLocks noGrp="1"/>
-          </p:cNvSpPr>
-          <p:nvPr>
-            <p:ph type="body" sz="half" idx="2"/>
-          </p:nvPr>
-        </p:nvSpPr>
-        <p:spPr>
-          <a:xfrm>
-            <a:off x="839788" y="2057400"/>
-            <a:ext cx="3932237" cy="3811588"/>
-          </a:xfrm>
-        </p:spPr>
-        <p:txBody>
-          <a:bodyPr/>
-          <a:lstStyle>
-            <a:lvl1pPr marL="0" indent="0">
-              <a:buNone/>
-              <a:defRPr sz="1600"/>
-            </a:lvl1pPr>
-            <a:lvl2pPr marL="457200" indent="0">
-              <a:buNone/>
-              <a:defRPr sz="1400"/>
-            </a:lvl2pPr>
-            <a:lvl3pPr marL="914400" indent="0">
-              <a:buNone/>
-              <a:defRPr sz="1200"/>
-            </a:lvl3pPr>
-            <a:lvl4pPr marL="1371600" indent="0">
-              <a:buNone/>
-              <a:defRPr sz="1000"/>
-            </a:lvl4pPr>
-            <a:lvl5pPr marL="1828800" indent="0">
-              <a:buNone/>
-              <a:defRPr sz="1000"/>
-            </a:lvl5pPr>
-            <a:lvl6pPr marL="2286000" indent="0">
-              <a:buNone/>
-              <a:defRPr sz="1000"/>
-            </a:lvl6pPr>
-            <a:lvl7pPr marL="2743200" indent="0">
-              <a:buNone/>
-              <a:defRPr sz="1000"/>
-            </a:lvl7pPr>
-            <a:lvl8pPr marL="3200400" indent="0">
-              <a:buNone/>
-              <a:defRPr sz="1000"/>
-            </a:lvl8pPr>
-            <a:lvl9pPr marL="3657600" indent="0">
-              <a:buNone/>
-              <a:defRPr sz="1000"/>
-            </a:lvl9pPr>
-          </a:lstStyle>
-          <a:p>
-            <a:pPr lvl="0"/>
-            <a:r>
-              <a:rPr lang="en-US"/>
-              <a:t>Click to edit Master text styles</a:t>
-            </a:r>
-          </a:p>
-        </p:txBody>
-      </p:sp>
-      <p:sp>
-        <p:nvSpPr>
-          <p:cNvPr id="5" name="Date Placeholder 4"/>
-          <p:cNvSpPr>
-            <a:spLocks noGrp="1"/>
-          </p:cNvSpPr>
-          <p:nvPr>
-            <p:ph type="dt" sz="half" idx="10"/>
-          </p:nvPr>
-        </p:nvSpPr>
-        <p:spPr/>
-        <p:txBody>
-          <a:bodyPr/>
-          <a:lstStyle/>
-          <a:p>
-            <a:fld id="{846CE7D5-CF57-46EF-B807-FDD0502418D4}" type="datetimeFigureOut">
-              <a:rPr lang="en-US" smtClean="0"/>
-              <a:t>8/12/2025</a:t>
-            </a:fld>
-            <a:endParaRPr lang="en-US"/>
-          </a:p>
-        </p:txBody>
-      </p:sp>
-      <p:sp>
-        <p:nvSpPr>
-          <p:cNvPr id="6" name="Footer Placeholder 5"/>
-          <p:cNvSpPr>
-            <a:spLocks noGrp="1"/>
-          </p:cNvSpPr>
-          <p:nvPr>
-            <p:ph type="ftr" sz="quarter" idx="11"/>
-          </p:nvPr>
-        </p:nvSpPr>
-        <p:spPr/>
-        <p:txBody>
-          <a:bodyPr/>
-          <a:lstStyle/>
-          <a:p>
-            <a:endParaRPr lang="en-US"/>
-          </a:p>
-        </p:txBody>
-      </p:sp>
-      <p:sp>
-        <p:nvSpPr>
-          <p:cNvPr id="7" name="Slide Number Placeholder 6"/>
-          <p:cNvSpPr>
-            <a:spLocks noGrp="1"/>
-          </p:cNvSpPr>
-          <p:nvPr>
-            <p:ph type="sldNum" sz="quarter" idx="12"/>
-          </p:nvPr>
-        </p:nvSpPr>
-        <p:spPr/>
-        <p:txBody>
-          <a:bodyPr/>
-          <a:lstStyle/>
-          <a:p>
-            <a:fld id="{330EA680-D336-4FF7-8B7A-9848BB0A1C32}" type="slidenum">
-              <a:rPr lang="en-US" smtClean="0"/>
-              <a:t>‹#›</a:t>
-            </a:fld>
-            <a:endParaRPr lang="en-US"/>
-          </a:p>
-        </p:txBody>
-      </p:sp>
-    </p:spTree>
-    <p:extLst>
-      <p:ext uri="{BB962C8B-B14F-4D97-AF65-F5344CB8AC3E}">
-        <p14:creationId xmlns:p14="http://schemas.microsoft.com/office/powerpoint/2010/main" val="1718958274"/>
+        <p14:creationId xmlns:p14="http://schemas.microsoft.com/office/powerpoint/2010/main" val="271981858"/>
       </p:ext>
     </p:extLst>
   </p:cSld>
@@ -2516,7 +4215,13 @@
       </p:grpSpPr>
       <p:sp>
         <p:nvSpPr>
-          <p:cNvPr id="2" name="Title Placeholder 1"/>
+          <p:cNvPr id="2" name="Title Placeholder 1">
+            <a:extLst>
+              <a:ext uri="{FF2B5EF4-FFF2-40B4-BE49-F238E27FC236}">
+                <a16:creationId xmlns:a16="http://schemas.microsoft.com/office/drawing/2014/main" id="{3AB15F28-A306-A5D7-D083-59D03EF7C111}"/>
+              </a:ext>
+            </a:extLst>
+          </p:cNvPr>
           <p:cNvSpPr>
             <a:spLocks noGrp="1"/>
           </p:cNvSpPr>
@@ -2543,13 +4248,18 @@
               <a:rPr lang="en-US"/>
               <a:t>Click to edit Master title style</a:t>
             </a:r>
-            <a:endParaRPr lang="en-US" dirty="0"/>
-          </a:p>
-        </p:txBody>
-      </p:sp>
-      <p:sp>
-        <p:nvSpPr>
-          <p:cNvPr id="3" name="Text Placeholder 2"/>
+          </a:p>
+        </p:txBody>
+      </p:sp>
+      <p:sp>
+        <p:nvSpPr>
+          <p:cNvPr id="3" name="Text Placeholder 2">
+            <a:extLst>
+              <a:ext uri="{FF2B5EF4-FFF2-40B4-BE49-F238E27FC236}">
+                <a16:creationId xmlns:a16="http://schemas.microsoft.com/office/drawing/2014/main" id="{4A762D0D-9073-A330-E0DD-4156A891799B}"/>
+              </a:ext>
+            </a:extLst>
+          </p:cNvPr>
           <p:cNvSpPr>
             <a:spLocks noGrp="1"/>
           </p:cNvSpPr>
@@ -2605,13 +4315,18 @@
               <a:rPr lang="en-US"/>
               <a:t>Fifth level</a:t>
             </a:r>
-            <a:endParaRPr lang="en-US" dirty="0"/>
-          </a:p>
-        </p:txBody>
-      </p:sp>
-      <p:sp>
-        <p:nvSpPr>
-          <p:cNvPr id="4" name="Date Placeholder 3"/>
+          </a:p>
+        </p:txBody>
+      </p:sp>
+      <p:sp>
+        <p:nvSpPr>
+          <p:cNvPr id="4" name="Date Placeholder 3">
+            <a:extLst>
+              <a:ext uri="{FF2B5EF4-FFF2-40B4-BE49-F238E27FC236}">
+                <a16:creationId xmlns:a16="http://schemas.microsoft.com/office/drawing/2014/main" id="{4CE62D7D-BD9F-49E8-E403-6541D4D990E1}"/>
+              </a:ext>
+            </a:extLst>
+          </p:cNvPr>
           <p:cNvSpPr>
             <a:spLocks noGrp="1"/>
           </p:cNvSpPr>
@@ -2642,9 +4357,9 @@
             </a:lvl1pPr>
           </a:lstStyle>
           <a:p>
-            <a:fld id="{846CE7D5-CF57-46EF-B807-FDD0502418D4}" type="datetimeFigureOut">
+            <a:fld id="{0C56C575-D94E-F044-B574-12900C1740FB}" type="datetimeFigureOut">
               <a:rPr lang="en-US" smtClean="0"/>
-              <a:t>8/12/2025</a:t>
+              <a:t>8/13/25</a:t>
             </a:fld>
             <a:endParaRPr lang="en-US"/>
           </a:p>
@@ -2652,7 +4367,13 @@
       </p:sp>
       <p:sp>
         <p:nvSpPr>
-          <p:cNvPr id="5" name="Footer Placeholder 4"/>
+          <p:cNvPr id="5" name="Footer Placeholder 4">
+            <a:extLst>
+              <a:ext uri="{FF2B5EF4-FFF2-40B4-BE49-F238E27FC236}">
+                <a16:creationId xmlns:a16="http://schemas.microsoft.com/office/drawing/2014/main" id="{50BC5D9A-4796-E7D7-0E2A-3C4B2BC28898}"/>
+              </a:ext>
+            </a:extLst>
+          </p:cNvPr>
           <p:cNvSpPr>
             <a:spLocks noGrp="1"/>
           </p:cNvSpPr>
@@ -2689,7 +4410,13 @@
       </p:sp>
       <p:sp>
         <p:nvSpPr>
-          <p:cNvPr id="6" name="Slide Number Placeholder 5"/>
+          <p:cNvPr id="6" name="Slide Number Placeholder 5">
+            <a:extLst>
+              <a:ext uri="{FF2B5EF4-FFF2-40B4-BE49-F238E27FC236}">
+                <a16:creationId xmlns:a16="http://schemas.microsoft.com/office/drawing/2014/main" id="{2F9E504C-9D3F-2654-F0C1-9F92974A40B6}"/>
+              </a:ext>
+            </a:extLst>
+          </p:cNvPr>
           <p:cNvSpPr>
             <a:spLocks noGrp="1"/>
           </p:cNvSpPr>
@@ -2720,7 +4447,7 @@
             </a:lvl1pPr>
           </a:lstStyle>
           <a:p>
-            <a:fld id="{330EA680-D336-4FF7-8B7A-9848BB0A1C32}" type="slidenum">
+            <a:fld id="{B4A93303-02C8-0A48-A9C5-C3F2FB0D04DA}" type="slidenum">
               <a:rPr lang="en-US" smtClean="0"/>
               <a:t>‹#›</a:t>
             </a:fld>
@@ -2731,23 +4458,25 @@
     </p:spTree>
     <p:extLst>
       <p:ext uri="{BB962C8B-B14F-4D97-AF65-F5344CB8AC3E}">
-        <p14:creationId xmlns:p14="http://schemas.microsoft.com/office/powerpoint/2010/main" val="2460954070"/>
+        <p14:creationId xmlns:p14="http://schemas.microsoft.com/office/powerpoint/2010/main" val="4270580658"/>
       </p:ext>
     </p:extLst>
   </p:cSld>
   <p:clrMap bg1="lt1" tx1="dk1" bg2="lt2" tx2="dk2" accent1="accent1" accent2="accent2" accent3="accent3" accent4="accent4" accent5="accent5" accent6="accent6" hlink="hlink" folHlink="folHlink"/>
   <p:sldLayoutIdLst>
-    <p:sldLayoutId id="2147483661" r:id="rId1"/>
-    <p:sldLayoutId id="2147483662" r:id="rId2"/>
-    <p:sldLayoutId id="2147483663" r:id="rId3"/>
-    <p:sldLayoutId id="2147483664" r:id="rId4"/>
-    <p:sldLayoutId id="2147483665" r:id="rId5"/>
-    <p:sldLayoutId id="2147483666" r:id="rId6"/>
-    <p:sldLayoutId id="2147483667" r:id="rId7"/>
-    <p:sldLayoutId id="2147483668" r:id="rId8"/>
-    <p:sldLayoutId id="2147483669" r:id="rId9"/>
-    <p:sldLayoutId id="2147483670" r:id="rId10"/>
-    <p:sldLayoutId id="2147483671" r:id="rId11"/>
+    <p:sldLayoutId id="2147483649" r:id="rId1"/>
+    <p:sldLayoutId id="2147483660" r:id="rId2"/>
+    <p:sldLayoutId id="2147483661" r:id="rId3"/>
+    <p:sldLayoutId id="2147483651" r:id="rId4"/>
+    <p:sldLayoutId id="2147483652" r:id="rId5"/>
+    <p:sldLayoutId id="2147483653" r:id="rId6"/>
+    <p:sldLayoutId id="2147483654" r:id="rId7"/>
+    <p:sldLayoutId id="2147483655" r:id="rId8"/>
+    <p:sldLayoutId id="2147483656" r:id="rId9"/>
+    <p:sldLayoutId id="2147483657" r:id="rId10"/>
+    <p:sldLayoutId id="2147483658" r:id="rId11"/>
+    <p:sldLayoutId id="2147483659" r:id="rId12"/>
+    <p:sldLayoutId id="2147483662" r:id="rId13"/>
   </p:sldLayoutIdLst>
   <p:txStyles>
     <p:titleStyle>
@@ -3054,6 +4783,1362 @@
           <p:cNvPr id="2" name="Title 1">
             <a:extLst>
               <a:ext uri="{FF2B5EF4-FFF2-40B4-BE49-F238E27FC236}">
+                <a16:creationId xmlns:a16="http://schemas.microsoft.com/office/drawing/2014/main" id="{F2375E58-52EE-CB4B-78EE-171C3642560B}"/>
+              </a:ext>
+            </a:extLst>
+          </p:cNvPr>
+          <p:cNvSpPr>
+            <a:spLocks noGrp="1"/>
+          </p:cNvSpPr>
+          <p:nvPr>
+            <p:ph type="title"/>
+          </p:nvPr>
+        </p:nvSpPr>
+        <p:spPr>
+          <a:xfrm>
+            <a:off x="838200" y="243205"/>
+            <a:ext cx="5257800" cy="899795"/>
+          </a:xfrm>
+        </p:spPr>
+        <p:txBody>
+          <a:bodyPr>
+            <a:normAutofit/>
+          </a:bodyPr>
+          <a:lstStyle/>
+          <a:p>
+            <a:endParaRPr lang="en-US" dirty="0"/>
+          </a:p>
+        </p:txBody>
+      </p:sp>
+      <p:sp>
+        <p:nvSpPr>
+          <p:cNvPr id="3" name="Content Placeholder 2">
+            <a:extLst>
+              <a:ext uri="{FF2B5EF4-FFF2-40B4-BE49-F238E27FC236}">
+                <a16:creationId xmlns:a16="http://schemas.microsoft.com/office/drawing/2014/main" id="{3741A850-AC0C-90DC-51DF-D1084DEE0FF8}"/>
+              </a:ext>
+            </a:extLst>
+          </p:cNvPr>
+          <p:cNvSpPr>
+            <a:spLocks noGrp="1"/>
+          </p:cNvSpPr>
+          <p:nvPr>
+            <p:ph idx="1"/>
+          </p:nvPr>
+        </p:nvSpPr>
+        <p:spPr/>
+        <p:txBody>
+          <a:bodyPr>
+            <a:normAutofit/>
+          </a:bodyPr>
+          <a:lstStyle/>
+          <a:p>
+            <a:pPr marL="0" indent="0" algn="ctr">
+              <a:buNone/>
+            </a:pPr>
+            <a:r>
+              <a:rPr lang="en-US" sz="3600" dirty="0"/>
+              <a:t>Materials for today:</a:t>
+            </a:r>
+          </a:p>
+          <a:p>
+            <a:pPr marL="0" indent="0">
+              <a:buNone/>
+            </a:pPr>
+            <a:endParaRPr lang="en-US" dirty="0"/>
+          </a:p>
+          <a:p>
+            <a:pPr marL="0" indent="0">
+              <a:buNone/>
+            </a:pPr>
+            <a:r>
+              <a:rPr lang="en-US" dirty="0">
+                <a:hlinkClick r:id="rId2"/>
+              </a:rPr>
+              <a:t>https://github.com/nuitrcs/tidyverse_2_summer_2025</a:t>
+            </a:r>
+            <a:r>
+              <a:rPr lang="en-US" dirty="0"/>
+              <a:t> </a:t>
+            </a:r>
+          </a:p>
+        </p:txBody>
+      </p:sp>
+      <p:sp>
+        <p:nvSpPr>
+          <p:cNvPr id="4" name="Title 1">
+            <a:extLst>
+              <a:ext uri="{FF2B5EF4-FFF2-40B4-BE49-F238E27FC236}">
+                <a16:creationId xmlns:a16="http://schemas.microsoft.com/office/drawing/2014/main" id="{64DEF87A-AE29-9BDA-57F1-2F3721024093}"/>
+              </a:ext>
+            </a:extLst>
+          </p:cNvPr>
+          <p:cNvSpPr txBox="1">
+            <a:spLocks/>
+          </p:cNvSpPr>
+          <p:nvPr/>
+        </p:nvSpPr>
+        <p:spPr>
+          <a:xfrm>
+            <a:off x="7594899" y="290456"/>
+            <a:ext cx="4368501" cy="852543"/>
+          </a:xfrm>
+          <a:prstGeom prst="rect">
+            <a:avLst/>
+          </a:prstGeom>
+        </p:spPr>
+        <p:txBody>
+          <a:bodyPr vert="horz" lIns="91440" tIns="45720" rIns="91440" bIns="45720" rtlCol="0" anchor="ctr">
+            <a:normAutofit fontScale="92500"/>
+          </a:bodyPr>
+          <a:lstStyle>
+            <a:lvl1pPr algn="l" defTabSz="914400" rtl="0" eaLnBrk="1" latinLnBrk="0" hangingPunct="1">
+              <a:lnSpc>
+                <a:spcPct val="90000"/>
+              </a:lnSpc>
+              <a:spcBef>
+                <a:spcPct val="0"/>
+              </a:spcBef>
+              <a:buNone/>
+              <a:defRPr sz="4400" kern="1200">
+                <a:solidFill>
+                  <a:schemeClr val="tx1"/>
+                </a:solidFill>
+                <a:latin typeface="+mj-lt"/>
+                <a:ea typeface="+mj-ea"/>
+                <a:cs typeface="+mj-cs"/>
+              </a:defRPr>
+            </a:lvl1pPr>
+          </a:lstStyle>
+          <a:p>
+            <a:pPr algn="ctr"/>
+            <a:r>
+              <a:rPr lang="en-US" sz="3200" b="1" dirty="0">
+                <a:highlight>
+                  <a:srgbClr val="00FF00"/>
+                </a:highlight>
+              </a:rPr>
+              <a:t>Workshop starts at 09:32</a:t>
+            </a:r>
+          </a:p>
+        </p:txBody>
+      </p:sp>
+      <p:pic>
+        <p:nvPicPr>
+          <p:cNvPr id="5" name="Picture 4" descr="A qr code on a purple background&#10;&#10;Description automatically generated">
+            <a:extLst>
+              <a:ext uri="{FF2B5EF4-FFF2-40B4-BE49-F238E27FC236}">
+                <a16:creationId xmlns:a16="http://schemas.microsoft.com/office/drawing/2014/main" id="{245940FF-D4F4-954B-932E-5AE69971CE06}"/>
+              </a:ext>
+            </a:extLst>
+          </p:cNvPr>
+          <p:cNvPicPr>
+            <a:picLocks noChangeAspect="1"/>
+          </p:cNvPicPr>
+          <p:nvPr/>
+        </p:nvPicPr>
+        <p:blipFill>
+          <a:blip r:embed="rId3"/>
+          <a:stretch>
+            <a:fillRect/>
+          </a:stretch>
+        </p:blipFill>
+        <p:spPr>
+          <a:xfrm>
+            <a:off x="7687947" y="4611728"/>
+            <a:ext cx="4504764" cy="2244965"/>
+          </a:xfrm>
+          <a:prstGeom prst="rect">
+            <a:avLst/>
+          </a:prstGeom>
+        </p:spPr>
+      </p:pic>
+      <p:pic>
+        <p:nvPicPr>
+          <p:cNvPr id="6" name="Picture 5" descr="A purple text on a black background&#10;&#10;AI-generated content may be incorrect.">
+            <a:extLst>
+              <a:ext uri="{FF2B5EF4-FFF2-40B4-BE49-F238E27FC236}">
+                <a16:creationId xmlns:a16="http://schemas.microsoft.com/office/drawing/2014/main" id="{C7026550-BA70-F4D5-2259-07840CCD317B}"/>
+              </a:ext>
+            </a:extLst>
+          </p:cNvPr>
+          <p:cNvPicPr>
+            <a:picLocks noChangeAspect="1"/>
+          </p:cNvPicPr>
+          <p:nvPr/>
+        </p:nvPicPr>
+        <p:blipFill>
+          <a:blip r:embed="rId4"/>
+          <a:stretch>
+            <a:fillRect/>
+          </a:stretch>
+        </p:blipFill>
+        <p:spPr>
+          <a:xfrm>
+            <a:off x="3600966" y="4611728"/>
+            <a:ext cx="3993933" cy="1961286"/>
+          </a:xfrm>
+          <a:prstGeom prst="rect">
+            <a:avLst/>
+          </a:prstGeom>
+        </p:spPr>
+      </p:pic>
+    </p:spTree>
+    <p:extLst>
+      <p:ext uri="{BB962C8B-B14F-4D97-AF65-F5344CB8AC3E}">
+        <p14:creationId xmlns:p14="http://schemas.microsoft.com/office/powerpoint/2010/main" val="1122296333"/>
+      </p:ext>
+    </p:extLst>
+  </p:cSld>
+  <p:clrMapOvr>
+    <a:masterClrMapping/>
+  </p:clrMapOvr>
+</p:sld>
+</file>
+
+<file path=ppt/slides/slide10.xml><?xml version="1.0" encoding="utf-8"?>
+<p:sld xmlns:a="http://schemas.openxmlformats.org/drawingml/2006/main" xmlns:r="http://schemas.openxmlformats.org/officeDocument/2006/relationships" xmlns:p="http://schemas.openxmlformats.org/presentationml/2006/main">
+  <p:cSld>
+    <p:spTree>
+      <p:nvGrpSpPr>
+        <p:cNvPr id="1" name=""/>
+        <p:cNvGrpSpPr/>
+        <p:nvPr/>
+      </p:nvGrpSpPr>
+      <p:grpSpPr>
+        <a:xfrm>
+          <a:off x="0" y="0"/>
+          <a:ext cx="0" cy="0"/>
+          <a:chOff x="0" y="0"/>
+          <a:chExt cx="0" cy="0"/>
+        </a:xfrm>
+      </p:grpSpPr>
+      <p:sp>
+        <p:nvSpPr>
+          <p:cNvPr id="2" name="Title 1">
+            <a:extLst>
+              <a:ext uri="{FF2B5EF4-FFF2-40B4-BE49-F238E27FC236}">
+                <a16:creationId xmlns:a16="http://schemas.microsoft.com/office/drawing/2014/main" id="{231DD4FD-EF6F-344A-1839-C73935DA180D}"/>
+              </a:ext>
+            </a:extLst>
+          </p:cNvPr>
+          <p:cNvSpPr>
+            <a:spLocks noGrp="1"/>
+          </p:cNvSpPr>
+          <p:nvPr>
+            <p:ph type="ctrTitle"/>
+          </p:nvPr>
+        </p:nvSpPr>
+        <p:spPr/>
+        <p:txBody>
+          <a:bodyPr/>
+          <a:lstStyle/>
+          <a:p>
+            <a:r>
+              <a:rPr lang="en-US" dirty="0"/>
+              <a:t>Pivoting with </a:t>
+            </a:r>
+            <a:r>
+              <a:rPr lang="en-US" dirty="0" err="1"/>
+              <a:t>tidyr</a:t>
+            </a:r>
+            <a:endParaRPr lang="en-US" dirty="0"/>
+          </a:p>
+        </p:txBody>
+      </p:sp>
+      <p:sp>
+        <p:nvSpPr>
+          <p:cNvPr id="3" name="Subtitle 2">
+            <a:extLst>
+              <a:ext uri="{FF2B5EF4-FFF2-40B4-BE49-F238E27FC236}">
+                <a16:creationId xmlns:a16="http://schemas.microsoft.com/office/drawing/2014/main" id="{A1FB5FA2-DC67-D196-757B-FE1665E03233}"/>
+              </a:ext>
+            </a:extLst>
+          </p:cNvPr>
+          <p:cNvSpPr>
+            <a:spLocks noGrp="1"/>
+          </p:cNvSpPr>
+          <p:nvPr>
+            <p:ph type="subTitle" idx="1"/>
+          </p:nvPr>
+        </p:nvSpPr>
+        <p:spPr/>
+        <p:txBody>
+          <a:bodyPr/>
+          <a:lstStyle/>
+          <a:p>
+            <a:endParaRPr lang="en-US"/>
+          </a:p>
+        </p:txBody>
+      </p:sp>
+    </p:spTree>
+    <p:extLst>
+      <p:ext uri="{BB962C8B-B14F-4D97-AF65-F5344CB8AC3E}">
+        <p14:creationId xmlns:p14="http://schemas.microsoft.com/office/powerpoint/2010/main" val="3205577857"/>
+      </p:ext>
+    </p:extLst>
+  </p:cSld>
+  <p:clrMapOvr>
+    <a:masterClrMapping/>
+  </p:clrMapOvr>
+</p:sld>
+</file>
+
+<file path=ppt/slides/slide11.xml><?xml version="1.0" encoding="utf-8"?>
+<p:sld xmlns:a="http://schemas.openxmlformats.org/drawingml/2006/main" xmlns:r="http://schemas.openxmlformats.org/officeDocument/2006/relationships" xmlns:p="http://schemas.openxmlformats.org/presentationml/2006/main">
+  <p:cSld>
+    <p:spTree>
+      <p:nvGrpSpPr>
+        <p:cNvPr id="1" name=""/>
+        <p:cNvGrpSpPr/>
+        <p:nvPr/>
+      </p:nvGrpSpPr>
+      <p:grpSpPr>
+        <a:xfrm>
+          <a:off x="0" y="0"/>
+          <a:ext cx="0" cy="0"/>
+          <a:chOff x="0" y="0"/>
+          <a:chExt cx="0" cy="0"/>
+        </a:xfrm>
+      </p:grpSpPr>
+      <p:sp>
+        <p:nvSpPr>
+          <p:cNvPr id="2" name="Title 1">
+            <a:extLst>
+              <a:ext uri="{FF2B5EF4-FFF2-40B4-BE49-F238E27FC236}">
+                <a16:creationId xmlns:a16="http://schemas.microsoft.com/office/drawing/2014/main" id="{087FCD86-7281-4975-26DA-A88A4E5D0F48}"/>
+              </a:ext>
+            </a:extLst>
+          </p:cNvPr>
+          <p:cNvSpPr>
+            <a:spLocks noGrp="1"/>
+          </p:cNvSpPr>
+          <p:nvPr>
+            <p:ph type="title"/>
+          </p:nvPr>
+        </p:nvSpPr>
+        <p:spPr/>
+        <p:txBody>
+          <a:bodyPr/>
+          <a:lstStyle/>
+          <a:p>
+            <a:endParaRPr lang="en-US"/>
+          </a:p>
+        </p:txBody>
+      </p:sp>
+      <p:pic>
+        <p:nvPicPr>
+          <p:cNvPr id="5" name="Content Placeholder 4" descr="A screenshot of a computer&#10;&#10;AI-generated content may be incorrect.">
+            <a:extLst>
+              <a:ext uri="{FF2B5EF4-FFF2-40B4-BE49-F238E27FC236}">
+                <a16:creationId xmlns:a16="http://schemas.microsoft.com/office/drawing/2014/main" id="{57140933-7BD7-BF45-B230-83EF57AE77A2}"/>
+              </a:ext>
+            </a:extLst>
+          </p:cNvPr>
+          <p:cNvPicPr>
+            <a:picLocks noGrp="1" noChangeAspect="1"/>
+          </p:cNvPicPr>
+          <p:nvPr>
+            <p:ph idx="1"/>
+          </p:nvPr>
+        </p:nvPicPr>
+        <p:blipFill>
+          <a:blip r:embed="rId2"/>
+          <a:stretch>
+            <a:fillRect/>
+          </a:stretch>
+        </p:blipFill>
+        <p:spPr>
+          <a:xfrm>
+            <a:off x="185109" y="731277"/>
+            <a:ext cx="11821781" cy="5395445"/>
+          </a:xfrm>
+        </p:spPr>
+      </p:pic>
+    </p:spTree>
+    <p:extLst>
+      <p:ext uri="{BB962C8B-B14F-4D97-AF65-F5344CB8AC3E}">
+        <p14:creationId xmlns:p14="http://schemas.microsoft.com/office/powerpoint/2010/main" val="2132565352"/>
+      </p:ext>
+    </p:extLst>
+  </p:cSld>
+  <p:clrMapOvr>
+    <a:masterClrMapping/>
+  </p:clrMapOvr>
+</p:sld>
+</file>
+
+<file path=ppt/slides/slide12.xml><?xml version="1.0" encoding="utf-8"?>
+<p:sld xmlns:a="http://schemas.openxmlformats.org/drawingml/2006/main" xmlns:r="http://schemas.openxmlformats.org/officeDocument/2006/relationships" xmlns:p="http://schemas.openxmlformats.org/presentationml/2006/main">
+  <p:cSld>
+    <p:spTree>
+      <p:nvGrpSpPr>
+        <p:cNvPr id="1" name=""/>
+        <p:cNvGrpSpPr/>
+        <p:nvPr/>
+      </p:nvGrpSpPr>
+      <p:grpSpPr>
+        <a:xfrm>
+          <a:off x="0" y="0"/>
+          <a:ext cx="0" cy="0"/>
+          <a:chOff x="0" y="0"/>
+          <a:chExt cx="0" cy="0"/>
+        </a:xfrm>
+      </p:grpSpPr>
+      <p:sp>
+        <p:nvSpPr>
+          <p:cNvPr id="2" name="Title 1">
+            <a:extLst>
+              <a:ext uri="{FF2B5EF4-FFF2-40B4-BE49-F238E27FC236}">
+                <a16:creationId xmlns:a16="http://schemas.microsoft.com/office/drawing/2014/main" id="{E5033671-E71F-793D-774C-1A28600527B5}"/>
+              </a:ext>
+            </a:extLst>
+          </p:cNvPr>
+          <p:cNvSpPr>
+            <a:spLocks noGrp="1"/>
+          </p:cNvSpPr>
+          <p:nvPr>
+            <p:ph type="title"/>
+          </p:nvPr>
+        </p:nvSpPr>
+        <p:spPr/>
+        <p:txBody>
+          <a:bodyPr/>
+          <a:lstStyle/>
+          <a:p>
+            <a:endParaRPr lang="en-US"/>
+          </a:p>
+        </p:txBody>
+      </p:sp>
+      <p:pic>
+        <p:nvPicPr>
+          <p:cNvPr id="5" name="Content Placeholder 4" descr="A close-up of a chart&#10;&#10;AI-generated content may be incorrect.">
+            <a:extLst>
+              <a:ext uri="{FF2B5EF4-FFF2-40B4-BE49-F238E27FC236}">
+                <a16:creationId xmlns:a16="http://schemas.microsoft.com/office/drawing/2014/main" id="{0ADE11A6-E2B2-F4A7-CF4C-FC72FC947084}"/>
+              </a:ext>
+            </a:extLst>
+          </p:cNvPr>
+          <p:cNvPicPr>
+            <a:picLocks noGrp="1" noChangeAspect="1"/>
+          </p:cNvPicPr>
+          <p:nvPr>
+            <p:ph idx="1"/>
+          </p:nvPr>
+        </p:nvPicPr>
+        <p:blipFill>
+          <a:blip r:embed="rId2"/>
+          <a:stretch>
+            <a:fillRect/>
+          </a:stretch>
+        </p:blipFill>
+        <p:spPr>
+          <a:xfrm>
+            <a:off x="167708" y="738000"/>
+            <a:ext cx="11856584" cy="5381999"/>
+          </a:xfrm>
+        </p:spPr>
+      </p:pic>
+    </p:spTree>
+    <p:extLst>
+      <p:ext uri="{BB962C8B-B14F-4D97-AF65-F5344CB8AC3E}">
+        <p14:creationId xmlns:p14="http://schemas.microsoft.com/office/powerpoint/2010/main" val="1936354208"/>
+      </p:ext>
+    </p:extLst>
+  </p:cSld>
+  <p:clrMapOvr>
+    <a:masterClrMapping/>
+  </p:clrMapOvr>
+</p:sld>
+</file>
+
+<file path=ppt/slides/slide2.xml><?xml version="1.0" encoding="utf-8"?>
+<p:sld xmlns:a="http://schemas.openxmlformats.org/drawingml/2006/main" xmlns:r="http://schemas.openxmlformats.org/officeDocument/2006/relationships" xmlns:p="http://schemas.openxmlformats.org/presentationml/2006/main">
+  <p:cSld>
+    <p:spTree>
+      <p:nvGrpSpPr>
+        <p:cNvPr id="1" name=""/>
+        <p:cNvGrpSpPr/>
+        <p:nvPr/>
+      </p:nvGrpSpPr>
+      <p:grpSpPr>
+        <a:xfrm>
+          <a:off x="0" y="0"/>
+          <a:ext cx="0" cy="0"/>
+          <a:chOff x="0" y="0"/>
+          <a:chExt cx="0" cy="0"/>
+        </a:xfrm>
+      </p:grpSpPr>
+      <p:sp>
+        <p:nvSpPr>
+          <p:cNvPr id="2" name="Title 1">
+            <a:extLst>
+              <a:ext uri="{FF2B5EF4-FFF2-40B4-BE49-F238E27FC236}">
+                <a16:creationId xmlns:a16="http://schemas.microsoft.com/office/drawing/2014/main" id="{808584D1-A48E-C229-5469-2F1C1985E54E}"/>
+              </a:ext>
+            </a:extLst>
+          </p:cNvPr>
+          <p:cNvSpPr>
+            <a:spLocks noGrp="1"/>
+          </p:cNvSpPr>
+          <p:nvPr>
+            <p:ph type="ctrTitle"/>
+          </p:nvPr>
+        </p:nvSpPr>
+        <p:spPr/>
+        <p:txBody>
+          <a:bodyPr>
+            <a:normAutofit fontScale="90000"/>
+          </a:bodyPr>
+          <a:lstStyle/>
+          <a:p>
+            <a:r>
+              <a:rPr lang="en-US" dirty="0"/>
+              <a:t>Intermediate Data Manipulation with </a:t>
+            </a:r>
+            <a:r>
+              <a:rPr lang="en-US" dirty="0" err="1"/>
+              <a:t>Tidyverse</a:t>
+            </a:r>
+            <a:endParaRPr lang="en-US" dirty="0"/>
+          </a:p>
+        </p:txBody>
+      </p:sp>
+      <p:sp>
+        <p:nvSpPr>
+          <p:cNvPr id="3" name="Subtitle 2">
+            <a:extLst>
+              <a:ext uri="{FF2B5EF4-FFF2-40B4-BE49-F238E27FC236}">
+                <a16:creationId xmlns:a16="http://schemas.microsoft.com/office/drawing/2014/main" id="{52F793BA-B70A-0B4C-2654-004860BE4539}"/>
+              </a:ext>
+            </a:extLst>
+          </p:cNvPr>
+          <p:cNvSpPr>
+            <a:spLocks noGrp="1"/>
+          </p:cNvSpPr>
+          <p:nvPr>
+            <p:ph type="subTitle" idx="1"/>
+          </p:nvPr>
+        </p:nvSpPr>
+        <p:spPr/>
+        <p:txBody>
+          <a:bodyPr/>
+          <a:lstStyle/>
+          <a:p>
+            <a:r>
+              <a:rPr lang="en-US" dirty="0"/>
+              <a:t>Emilio Lehoucq</a:t>
+            </a:r>
+          </a:p>
+        </p:txBody>
+      </p:sp>
+    </p:spTree>
+    <p:extLst>
+      <p:ext uri="{BB962C8B-B14F-4D97-AF65-F5344CB8AC3E}">
+        <p14:creationId xmlns:p14="http://schemas.microsoft.com/office/powerpoint/2010/main" val="3929284829"/>
+      </p:ext>
+    </p:extLst>
+  </p:cSld>
+  <p:clrMapOvr>
+    <a:masterClrMapping/>
+  </p:clrMapOvr>
+</p:sld>
+</file>
+
+<file path=ppt/slides/slide3.xml><?xml version="1.0" encoding="utf-8"?>
+<p:sld xmlns:a="http://schemas.openxmlformats.org/drawingml/2006/main" xmlns:r="http://schemas.openxmlformats.org/officeDocument/2006/relationships" xmlns:p="http://schemas.openxmlformats.org/presentationml/2006/main">
+  <p:cSld>
+    <p:spTree>
+      <p:nvGrpSpPr>
+        <p:cNvPr id="1" name=""/>
+        <p:cNvGrpSpPr/>
+        <p:nvPr/>
+      </p:nvGrpSpPr>
+      <p:grpSpPr>
+        <a:xfrm>
+          <a:off x="0" y="0"/>
+          <a:ext cx="0" cy="0"/>
+          <a:chOff x="0" y="0"/>
+          <a:chExt cx="0" cy="0"/>
+        </a:xfrm>
+      </p:grpSpPr>
+      <p:sp>
+        <p:nvSpPr>
+          <p:cNvPr id="2" name="Title 1">
+            <a:extLst>
+              <a:ext uri="{FF2B5EF4-FFF2-40B4-BE49-F238E27FC236}">
+                <a16:creationId xmlns:a16="http://schemas.microsoft.com/office/drawing/2014/main" id="{525A8237-7538-F82E-CF5E-70052A370BBF}"/>
+              </a:ext>
+            </a:extLst>
+          </p:cNvPr>
+          <p:cNvSpPr>
+            <a:spLocks noGrp="1"/>
+          </p:cNvSpPr>
+          <p:nvPr>
+            <p:ph type="title"/>
+          </p:nvPr>
+        </p:nvSpPr>
+        <p:spPr>
+          <a:xfrm>
+            <a:off x="838200" y="-3324"/>
+            <a:ext cx="10515600" cy="899795"/>
+          </a:xfrm>
+        </p:spPr>
+        <p:txBody>
+          <a:bodyPr/>
+          <a:lstStyle/>
+          <a:p>
+            <a:r>
+              <a:rPr lang="en-US" b="1">
+                <a:solidFill>
+                  <a:srgbClr val="4E2A84"/>
+                </a:solidFill>
+              </a:rPr>
+              <a:t>This workshop is brought to you by:</a:t>
+            </a:r>
+          </a:p>
+        </p:txBody>
+      </p:sp>
+      <p:sp>
+        <p:nvSpPr>
+          <p:cNvPr id="3" name="Content Placeholder 2">
+            <a:extLst>
+              <a:ext uri="{FF2B5EF4-FFF2-40B4-BE49-F238E27FC236}">
+                <a16:creationId xmlns:a16="http://schemas.microsoft.com/office/drawing/2014/main" id="{22736DF4-919B-F686-3891-6FD730359CE9}"/>
+              </a:ext>
+            </a:extLst>
+          </p:cNvPr>
+          <p:cNvSpPr>
+            <a:spLocks noGrp="1"/>
+          </p:cNvSpPr>
+          <p:nvPr>
+            <p:ph idx="1"/>
+          </p:nvPr>
+        </p:nvSpPr>
+        <p:spPr>
+          <a:xfrm>
+            <a:off x="838200" y="2261989"/>
+            <a:ext cx="10515600" cy="4199964"/>
+          </a:xfrm>
+        </p:spPr>
+        <p:txBody>
+          <a:bodyPr vert="horz" lIns="91440" tIns="45720" rIns="91440" bIns="45720" rtlCol="0" anchor="t">
+            <a:normAutofit fontScale="92500" lnSpcReduction="20000"/>
+          </a:bodyPr>
+          <a:lstStyle/>
+          <a:p>
+            <a:pPr marL="0" indent="0" algn="ctr">
+              <a:buNone/>
+            </a:pPr>
+            <a:r>
+              <a:rPr lang="en-US" b="1" dirty="0"/>
+              <a:t>Need help?</a:t>
+            </a:r>
+          </a:p>
+          <a:p>
+            <a:r>
+              <a:rPr lang="en-US" sz="1800" dirty="0"/>
+              <a:t>AI, Machine Learning, Data Science</a:t>
+            </a:r>
+          </a:p>
+          <a:p>
+            <a:r>
+              <a:rPr lang="en-US" sz="1800" dirty="0"/>
+              <a:t>Statistics</a:t>
+            </a:r>
+          </a:p>
+          <a:p>
+            <a:r>
+              <a:rPr lang="en-US" sz="1800" dirty="0"/>
+              <a:t>Visualization</a:t>
+            </a:r>
+          </a:p>
+          <a:p>
+            <a:r>
+              <a:rPr lang="en-US" sz="1800" dirty="0"/>
+              <a:t>Collecting web data (scraping, APIs), text analysis, extracting information from text </a:t>
+            </a:r>
+          </a:p>
+          <a:p>
+            <a:r>
+              <a:rPr lang="en-US" sz="1800" dirty="0"/>
+              <a:t>Cleaning, transforming, reformatting, and wrangling data</a:t>
+            </a:r>
+          </a:p>
+          <a:p>
+            <a:r>
+              <a:rPr lang="en-US" sz="1800" dirty="0"/>
+              <a:t>Automating repetitive research tasks</a:t>
+            </a:r>
+          </a:p>
+          <a:p>
+            <a:r>
+              <a:rPr lang="en-US" sz="1800" dirty="0"/>
+              <a:t>Research reproducibility and replicability</a:t>
+            </a:r>
+          </a:p>
+          <a:p>
+            <a:r>
+              <a:rPr lang="en-US" sz="1800" dirty="0"/>
+              <a:t>Programming, computing, data management, etc.</a:t>
+            </a:r>
+          </a:p>
+          <a:p>
+            <a:r>
+              <a:rPr lang="en-US" sz="1800" dirty="0"/>
+              <a:t>R, Python, SQL, MATLAB, Stata, SPSS, SAS, etc.</a:t>
+            </a:r>
+          </a:p>
+          <a:p>
+            <a:pPr marL="0" indent="0">
+              <a:buNone/>
+            </a:pPr>
+            <a:endParaRPr lang="en-US" sz="2400">
+              <a:ea typeface="+mn-lt"/>
+              <a:cs typeface="+mn-lt"/>
+            </a:endParaRPr>
+          </a:p>
+          <a:p>
+            <a:pPr marL="0" indent="0" algn="ctr">
+              <a:buNone/>
+            </a:pPr>
+            <a:r>
+              <a:rPr lang="en-US" sz="3200" dirty="0">
+                <a:ea typeface="+mn-lt"/>
+                <a:cs typeface="+mn-lt"/>
+              </a:rPr>
+              <a:t>Request a </a:t>
+            </a:r>
+            <a:r>
+              <a:rPr lang="en-US" sz="3200" b="1" dirty="0">
+                <a:solidFill>
+                  <a:schemeClr val="accent6"/>
+                </a:solidFill>
+                <a:ea typeface="+mn-lt"/>
+                <a:cs typeface="+mn-lt"/>
+              </a:rPr>
+              <a:t>FREE</a:t>
+            </a:r>
+            <a:r>
+              <a:rPr lang="en-US" sz="3200" dirty="0">
+                <a:solidFill>
+                  <a:schemeClr val="accent6"/>
+                </a:solidFill>
+                <a:ea typeface="+mn-lt"/>
+                <a:cs typeface="+mn-lt"/>
+              </a:rPr>
+              <a:t> </a:t>
+            </a:r>
+            <a:r>
+              <a:rPr lang="en-US" sz="3200" dirty="0">
+                <a:ea typeface="+mn-lt"/>
+                <a:cs typeface="+mn-lt"/>
+              </a:rPr>
+              <a:t>consultation at </a:t>
+            </a:r>
+            <a:r>
+              <a:rPr lang="en-US" sz="3200" b="1" dirty="0">
+                <a:solidFill>
+                  <a:srgbClr val="7030A0"/>
+                </a:solidFill>
+                <a:ea typeface="+mn-lt"/>
+                <a:cs typeface="+mn-lt"/>
+                <a:hlinkClick r:id="rId2">
+                  <a:extLst>
+                    <a:ext uri="{A12FA001-AC4F-418D-AE19-62706E023703}">
+                      <ahyp:hlinkClr xmlns:ahyp="http://schemas.microsoft.com/office/drawing/2018/hyperlinkcolor" val="tx"/>
+                    </a:ext>
+                  </a:extLst>
+                </a:hlinkClick>
+              </a:rPr>
+              <a:t>bit.ly/rcdsconsult</a:t>
+            </a:r>
+            <a:r>
+              <a:rPr lang="en-US" sz="3200" dirty="0">
+                <a:ea typeface="+mn-lt"/>
+                <a:cs typeface="+mn-lt"/>
+              </a:rPr>
+              <a:t>.</a:t>
+            </a:r>
+            <a:endParaRPr lang="en-US" sz="3200" dirty="0"/>
+          </a:p>
+        </p:txBody>
+      </p:sp>
+      <p:sp>
+        <p:nvSpPr>
+          <p:cNvPr id="6" name="Rectangle 5">
+            <a:extLst>
+              <a:ext uri="{FF2B5EF4-FFF2-40B4-BE49-F238E27FC236}">
+                <a16:creationId xmlns:a16="http://schemas.microsoft.com/office/drawing/2014/main" id="{3009FC79-E7F4-9004-8097-D165F9AA0BAE}"/>
+              </a:ext>
+            </a:extLst>
+          </p:cNvPr>
+          <p:cNvSpPr/>
+          <p:nvPr/>
+        </p:nvSpPr>
+        <p:spPr>
+          <a:xfrm>
+            <a:off x="0" y="889225"/>
+            <a:ext cx="12192000" cy="1278973"/>
+          </a:xfrm>
+          <a:prstGeom prst="rect">
+            <a:avLst/>
+          </a:prstGeom>
+          <a:solidFill>
+            <a:srgbClr val="4E2A84"/>
+          </a:solidFill>
+          <a:ln>
+            <a:noFill/>
+          </a:ln>
+        </p:spPr>
+        <p:style>
+          <a:lnRef idx="2">
+            <a:schemeClr val="accent1">
+              <a:shade val="15000"/>
+            </a:schemeClr>
+          </a:lnRef>
+          <a:fillRef idx="1">
+            <a:schemeClr val="accent1"/>
+          </a:fillRef>
+          <a:effectRef idx="0">
+            <a:schemeClr val="accent1"/>
+          </a:effectRef>
+          <a:fontRef idx="minor">
+            <a:schemeClr val="lt1"/>
+          </a:fontRef>
+        </p:style>
+        <p:txBody>
+          <a:bodyPr lIns="914400" tIns="91440" rIns="914400" bIns="91440" rtlCol="0" anchor="ctr"/>
+          <a:lstStyle/>
+          <a:p>
+            <a:pPr marL="0" marR="0" lvl="0" indent="0" algn="l" defTabSz="914400" rtl="0" eaLnBrk="1" fontAlgn="auto" latinLnBrk="0" hangingPunct="1">
+              <a:lnSpc>
+                <a:spcPct val="100000"/>
+              </a:lnSpc>
+              <a:spcBef>
+                <a:spcPts val="0"/>
+              </a:spcBef>
+              <a:spcAft>
+                <a:spcPts val="0"/>
+              </a:spcAft>
+              <a:buClrTx/>
+              <a:buSzTx/>
+              <a:buFontTx/>
+              <a:buNone/>
+              <a:tabLst/>
+              <a:defRPr/>
+            </a:pPr>
+            <a:r>
+              <a:rPr kumimoji="0" lang="en-US" sz="3700" b="1" i="0" u="none" strike="noStrike" kern="0" cap="none" spc="0" normalizeH="0" baseline="0" noProof="0">
+                <a:ln>
+                  <a:noFill/>
+                </a:ln>
+                <a:solidFill>
+                  <a:prstClr val="white"/>
+                </a:solidFill>
+                <a:effectLst/>
+                <a:uLnTx/>
+                <a:uFillTx/>
+                <a:latin typeface="Aptos" panose="02110004020202020204"/>
+                <a:ea typeface="+mn-lt"/>
+                <a:cs typeface="+mn-lt"/>
+              </a:rPr>
+              <a:t>Northwestern IT </a:t>
+            </a:r>
+            <a:br>
+              <a:rPr kumimoji="0" lang="en-US" sz="3700" b="1" i="0" u="none" strike="noStrike" kern="0" cap="none" spc="0" normalizeH="0" baseline="0" noProof="0">
+                <a:ln>
+                  <a:noFill/>
+                </a:ln>
+                <a:solidFill>
+                  <a:prstClr val="white"/>
+                </a:solidFill>
+                <a:effectLst/>
+                <a:uLnTx/>
+                <a:uFillTx/>
+                <a:latin typeface="Aptos" panose="02110004020202020204"/>
+                <a:ea typeface="+mn-lt"/>
+                <a:cs typeface="+mn-lt"/>
+              </a:rPr>
+            </a:br>
+            <a:r>
+              <a:rPr kumimoji="0" lang="en-US" sz="3700" b="1" i="0" u="none" strike="noStrike" kern="0" cap="none" spc="0" normalizeH="0" baseline="0" noProof="0">
+                <a:ln>
+                  <a:noFill/>
+                </a:ln>
+                <a:solidFill>
+                  <a:prstClr val="white"/>
+                </a:solidFill>
+                <a:effectLst/>
+                <a:uLnTx/>
+                <a:uFillTx/>
+                <a:latin typeface="Aptos" panose="02110004020202020204"/>
+                <a:ea typeface="+mn-lt"/>
+                <a:cs typeface="+mn-lt"/>
+              </a:rPr>
+              <a:t>Research Computing and Data Services</a:t>
+            </a:r>
+            <a:endParaRPr kumimoji="0" lang="en-US" sz="1800" b="0" i="0" u="none" strike="noStrike" kern="1200" cap="none" spc="0" normalizeH="0" baseline="0" noProof="0">
+              <a:ln>
+                <a:noFill/>
+              </a:ln>
+              <a:solidFill>
+                <a:prstClr val="white"/>
+              </a:solidFill>
+              <a:effectLst/>
+              <a:uLnTx/>
+              <a:uFillTx/>
+              <a:latin typeface="Aptos" panose="02110004020202020204"/>
+              <a:ea typeface="+mn-ea"/>
+              <a:cs typeface="+mn-cs"/>
+            </a:endParaRPr>
+          </a:p>
+        </p:txBody>
+      </p:sp>
+    </p:spTree>
+    <p:extLst>
+      <p:ext uri="{BB962C8B-B14F-4D97-AF65-F5344CB8AC3E}">
+        <p14:creationId xmlns:p14="http://schemas.microsoft.com/office/powerpoint/2010/main" val="3499594374"/>
+      </p:ext>
+    </p:extLst>
+  </p:cSld>
+  <p:clrMapOvr>
+    <a:masterClrMapping/>
+  </p:clrMapOvr>
+</p:sld>
+</file>
+
+<file path=ppt/slides/slide4.xml><?xml version="1.0" encoding="utf-8"?>
+<p:sld xmlns:a="http://schemas.openxmlformats.org/drawingml/2006/main" xmlns:r="http://schemas.openxmlformats.org/officeDocument/2006/relationships" xmlns:p="http://schemas.openxmlformats.org/presentationml/2006/main">
+  <p:cSld>
+    <p:spTree>
+      <p:nvGrpSpPr>
+        <p:cNvPr id="1" name="">
+          <a:extLst>
+            <a:ext uri="{FF2B5EF4-FFF2-40B4-BE49-F238E27FC236}">
+              <a16:creationId xmlns:a16="http://schemas.microsoft.com/office/drawing/2014/main" id="{BEEEC59C-5E81-E8BF-261B-50F1546B433D}"/>
+            </a:ext>
+          </a:extLst>
+        </p:cNvPr>
+        <p:cNvGrpSpPr/>
+        <p:nvPr/>
+      </p:nvGrpSpPr>
+      <p:grpSpPr>
+        <a:xfrm>
+          <a:off x="0" y="0"/>
+          <a:ext cx="0" cy="0"/>
+          <a:chOff x="0" y="0"/>
+          <a:chExt cx="0" cy="0"/>
+        </a:xfrm>
+      </p:grpSpPr>
+      <p:sp>
+        <p:nvSpPr>
+          <p:cNvPr id="2" name="Title 1">
+            <a:extLst>
+              <a:ext uri="{FF2B5EF4-FFF2-40B4-BE49-F238E27FC236}">
+                <a16:creationId xmlns:a16="http://schemas.microsoft.com/office/drawing/2014/main" id="{260C6E47-68D9-C923-8BF0-80840E28B573}"/>
+              </a:ext>
+            </a:extLst>
+          </p:cNvPr>
+          <p:cNvSpPr>
+            <a:spLocks noGrp="1"/>
+          </p:cNvSpPr>
+          <p:nvPr>
+            <p:ph type="title"/>
+          </p:nvPr>
+        </p:nvSpPr>
+        <p:spPr/>
+        <p:txBody>
+          <a:bodyPr/>
+          <a:lstStyle/>
+          <a:p>
+            <a:r>
+              <a:rPr lang="en-US" dirty="0"/>
+              <a:t>Collaborative project support</a:t>
+            </a:r>
+          </a:p>
+        </p:txBody>
+      </p:sp>
+      <p:sp>
+        <p:nvSpPr>
+          <p:cNvPr id="3" name="Content Placeholder 2">
+            <a:extLst>
+              <a:ext uri="{FF2B5EF4-FFF2-40B4-BE49-F238E27FC236}">
+                <a16:creationId xmlns:a16="http://schemas.microsoft.com/office/drawing/2014/main" id="{A2167115-1C80-D9D0-E885-D3969CF23F0C}"/>
+              </a:ext>
+            </a:extLst>
+          </p:cNvPr>
+          <p:cNvSpPr>
+            <a:spLocks noGrp="1"/>
+          </p:cNvSpPr>
+          <p:nvPr>
+            <p:ph idx="1"/>
+          </p:nvPr>
+        </p:nvSpPr>
+        <p:spPr/>
+        <p:txBody>
+          <a:bodyPr vert="horz" lIns="91440" tIns="45720" rIns="91440" bIns="45720" rtlCol="0" anchor="t">
+            <a:normAutofit/>
+          </a:bodyPr>
+          <a:lstStyle/>
+          <a:p>
+            <a:pPr marL="0" indent="0" algn="ctr">
+              <a:buNone/>
+            </a:pPr>
+            <a:r>
+              <a:rPr lang="en-US" dirty="0">
+                <a:latin typeface="Aptos"/>
+                <a:cs typeface="Cordia New"/>
+              </a:rPr>
+              <a:t>If you're a faculty (or postdoc, research staff, or graduate student with faculty sponsorship), we can provide longer-term support in your project.</a:t>
+            </a:r>
+          </a:p>
+          <a:p>
+            <a:pPr marL="0" indent="0" algn="ctr">
+              <a:buNone/>
+            </a:pPr>
+            <a:r>
+              <a:rPr lang="en-US" dirty="0">
+                <a:latin typeface="Aptos"/>
+                <a:cs typeface="Cordia New"/>
+              </a:rPr>
+              <a:t>We can help from exploration (is this idea possible?) to concrete outcomes (e.g., data collection, cleaning, analysis or visualization for a publication). </a:t>
+            </a:r>
+          </a:p>
+          <a:p>
+            <a:pPr marL="0" indent="0" algn="ctr">
+              <a:buNone/>
+            </a:pPr>
+            <a:endParaRPr lang="en-US" dirty="0">
+              <a:latin typeface="Aptos"/>
+              <a:cs typeface="Cordia New"/>
+            </a:endParaRPr>
+          </a:p>
+          <a:p>
+            <a:pPr marL="0" indent="0" algn="ctr">
+              <a:buNone/>
+            </a:pPr>
+            <a:r>
+              <a:rPr lang="en-US" dirty="0">
+                <a:latin typeface="Aptos"/>
+                <a:cs typeface="Cordia New"/>
+              </a:rPr>
+              <a:t>Find more information at </a:t>
+            </a:r>
+            <a:r>
+              <a:rPr lang="en-US" dirty="0">
+                <a:latin typeface="Aptos"/>
+                <a:cs typeface="Cordia New"/>
+                <a:hlinkClick r:id="rId2"/>
+              </a:rPr>
+              <a:t>bit.ly/collaborative_project_support</a:t>
+            </a:r>
+            <a:endParaRPr lang="en-US" dirty="0">
+              <a:ea typeface="Calibri"/>
+              <a:cs typeface="Calibri"/>
+            </a:endParaRPr>
+          </a:p>
+        </p:txBody>
+      </p:sp>
+    </p:spTree>
+    <p:extLst>
+      <p:ext uri="{BB962C8B-B14F-4D97-AF65-F5344CB8AC3E}">
+        <p14:creationId xmlns:p14="http://schemas.microsoft.com/office/powerpoint/2010/main" val="2126057444"/>
+      </p:ext>
+    </p:extLst>
+  </p:cSld>
+  <p:clrMapOvr>
+    <a:masterClrMapping/>
+  </p:clrMapOvr>
+</p:sld>
+</file>
+
+<file path=ppt/slides/slide5.xml><?xml version="1.0" encoding="utf-8"?>
+<p:sld xmlns:a="http://schemas.openxmlformats.org/drawingml/2006/main" xmlns:r="http://schemas.openxmlformats.org/officeDocument/2006/relationships" xmlns:p="http://schemas.openxmlformats.org/presentationml/2006/main">
+  <p:cSld>
+    <p:spTree>
+      <p:nvGrpSpPr>
+        <p:cNvPr id="1" name="">
+          <a:extLst>
+            <a:ext uri="{FF2B5EF4-FFF2-40B4-BE49-F238E27FC236}">
+              <a16:creationId xmlns:a16="http://schemas.microsoft.com/office/drawing/2014/main" id="{50C70DDF-7591-8016-6990-8E7B55FA1DBE}"/>
+            </a:ext>
+          </a:extLst>
+        </p:cNvPr>
+        <p:cNvGrpSpPr/>
+        <p:nvPr/>
+      </p:nvGrpSpPr>
+      <p:grpSpPr>
+        <a:xfrm>
+          <a:off x="0" y="0"/>
+          <a:ext cx="0" cy="0"/>
+          <a:chOff x="0" y="0"/>
+          <a:chExt cx="0" cy="0"/>
+        </a:xfrm>
+      </p:grpSpPr>
+      <p:sp>
+        <p:nvSpPr>
+          <p:cNvPr id="2" name="Title 1">
+            <a:extLst>
+              <a:ext uri="{FF2B5EF4-FFF2-40B4-BE49-F238E27FC236}">
+                <a16:creationId xmlns:a16="http://schemas.microsoft.com/office/drawing/2014/main" id="{41D4884A-1155-5856-3488-4B923E6730C0}"/>
+              </a:ext>
+            </a:extLst>
+          </p:cNvPr>
+          <p:cNvSpPr>
+            <a:spLocks noGrp="1"/>
+          </p:cNvSpPr>
+          <p:nvPr>
+            <p:ph type="title"/>
+          </p:nvPr>
+        </p:nvSpPr>
+        <p:spPr/>
+        <p:txBody>
+          <a:bodyPr/>
+          <a:lstStyle/>
+          <a:p>
+            <a:r>
+              <a:rPr lang="en-US" dirty="0"/>
+              <a:t>Bring Your Own Data (BYOD)</a:t>
+            </a:r>
+          </a:p>
+        </p:txBody>
+      </p:sp>
+      <p:sp>
+        <p:nvSpPr>
+          <p:cNvPr id="3" name="Content Placeholder 2">
+            <a:extLst>
+              <a:ext uri="{FF2B5EF4-FFF2-40B4-BE49-F238E27FC236}">
+                <a16:creationId xmlns:a16="http://schemas.microsoft.com/office/drawing/2014/main" id="{43C76EB4-3566-2940-E3C7-E49EF20167BD}"/>
+              </a:ext>
+            </a:extLst>
+          </p:cNvPr>
+          <p:cNvSpPr>
+            <a:spLocks noGrp="1"/>
+          </p:cNvSpPr>
+          <p:nvPr>
+            <p:ph idx="1"/>
+          </p:nvPr>
+        </p:nvSpPr>
+        <p:spPr/>
+        <p:txBody>
+          <a:bodyPr vert="horz" lIns="91440" tIns="45720" rIns="91440" bIns="45720" rtlCol="0" anchor="t">
+            <a:normAutofit/>
+          </a:bodyPr>
+          <a:lstStyle/>
+          <a:p>
+            <a:pPr marL="0" indent="0" algn="ctr">
+              <a:buNone/>
+            </a:pPr>
+            <a:r>
+              <a:rPr lang="en-US" dirty="0">
+                <a:latin typeface="Aptos"/>
+                <a:ea typeface="Calibri"/>
+                <a:cs typeface="Cordia New"/>
+              </a:rPr>
+              <a:t>Do you have research data waiting to be collected, cleaned, analyzed or visualized? Come to BYOD.</a:t>
+            </a:r>
+          </a:p>
+          <a:p>
+            <a:pPr marL="0" indent="0" algn="ctr">
+              <a:buNone/>
+            </a:pPr>
+            <a:endParaRPr lang="en-US" dirty="0">
+              <a:latin typeface="Aptos"/>
+              <a:ea typeface="Calibri"/>
+              <a:cs typeface="Cordia New"/>
+            </a:endParaRPr>
+          </a:p>
+          <a:p>
+            <a:pPr marL="0" indent="0" algn="ctr">
+              <a:buNone/>
+            </a:pPr>
+            <a:r>
+              <a:rPr lang="en-US" dirty="0">
+                <a:latin typeface="Aptos"/>
+                <a:ea typeface="Calibri"/>
+                <a:cs typeface="Cordia New"/>
+              </a:rPr>
+              <a:t>BYOD is a weekly working group that provides structure, guidance, and accountability to help you make progress on your research project in a supportive and stress-free environment.</a:t>
+            </a:r>
+          </a:p>
+          <a:p>
+            <a:pPr marL="0" indent="0" algn="ctr">
+              <a:buNone/>
+            </a:pPr>
+            <a:endParaRPr lang="en-US" dirty="0">
+              <a:latin typeface="Aptos"/>
+              <a:ea typeface="Calibri"/>
+              <a:cs typeface="Cordia New"/>
+            </a:endParaRPr>
+          </a:p>
+          <a:p>
+            <a:pPr marL="0" indent="0" algn="ctr">
+              <a:buNone/>
+            </a:pPr>
+            <a:r>
+              <a:rPr lang="en-US" dirty="0">
+                <a:latin typeface="Aptos"/>
+                <a:ea typeface="Calibri"/>
+                <a:cs typeface="Cordia New"/>
+              </a:rPr>
+              <a:t>Find more information at </a:t>
+            </a:r>
+            <a:r>
+              <a:rPr lang="en-US" dirty="0">
+                <a:latin typeface="Aptos"/>
+                <a:ea typeface="Calibri"/>
+                <a:cs typeface="Cordia New"/>
+                <a:hlinkClick r:id="rId2"/>
+              </a:rPr>
+              <a:t>bit.ly/byod_groups</a:t>
+            </a:r>
+            <a:endParaRPr lang="en-US" dirty="0">
+              <a:latin typeface="Aptos"/>
+              <a:ea typeface="Calibri"/>
+              <a:cs typeface="Calibri"/>
+            </a:endParaRPr>
+          </a:p>
+        </p:txBody>
+      </p:sp>
+    </p:spTree>
+    <p:extLst>
+      <p:ext uri="{BB962C8B-B14F-4D97-AF65-F5344CB8AC3E}">
+        <p14:creationId xmlns:p14="http://schemas.microsoft.com/office/powerpoint/2010/main" val="4285256136"/>
+      </p:ext>
+    </p:extLst>
+  </p:cSld>
+  <p:clrMapOvr>
+    <a:masterClrMapping/>
+  </p:clrMapOvr>
+</p:sld>
+</file>
+
+<file path=ppt/slides/slide6.xml><?xml version="1.0" encoding="utf-8"?>
+<p:sld xmlns:a="http://schemas.openxmlformats.org/drawingml/2006/main" xmlns:r="http://schemas.openxmlformats.org/officeDocument/2006/relationships" xmlns:p="http://schemas.openxmlformats.org/presentationml/2006/main">
+  <p:cSld>
+    <p:spTree>
+      <p:nvGrpSpPr>
+        <p:cNvPr id="1" name=""/>
+        <p:cNvGrpSpPr/>
+        <p:nvPr/>
+      </p:nvGrpSpPr>
+      <p:grpSpPr>
+        <a:xfrm>
+          <a:off x="0" y="0"/>
+          <a:ext cx="0" cy="0"/>
+          <a:chOff x="0" y="0"/>
+          <a:chExt cx="0" cy="0"/>
+        </a:xfrm>
+      </p:grpSpPr>
+      <p:sp>
+        <p:nvSpPr>
+          <p:cNvPr id="2" name="Title 1">
+            <a:extLst>
+              <a:ext uri="{FF2B5EF4-FFF2-40B4-BE49-F238E27FC236}">
+                <a16:creationId xmlns:a16="http://schemas.microsoft.com/office/drawing/2014/main" id="{00F6DB76-6D73-0610-2B21-02DE1213DB51}"/>
+              </a:ext>
+            </a:extLst>
+          </p:cNvPr>
+          <p:cNvSpPr>
+            <a:spLocks noGrp="1"/>
+          </p:cNvSpPr>
+          <p:nvPr>
+            <p:ph type="title"/>
+          </p:nvPr>
+        </p:nvSpPr>
+        <p:spPr/>
+        <p:txBody>
+          <a:bodyPr/>
+          <a:lstStyle/>
+          <a:p>
+            <a:r>
+              <a:rPr lang="en-US"/>
+              <a:t>What’s next?</a:t>
+            </a:r>
+          </a:p>
+        </p:txBody>
+      </p:sp>
+      <p:sp>
+        <p:nvSpPr>
+          <p:cNvPr id="3" name="Content Placeholder 2">
+            <a:extLst>
+              <a:ext uri="{FF2B5EF4-FFF2-40B4-BE49-F238E27FC236}">
+                <a16:creationId xmlns:a16="http://schemas.microsoft.com/office/drawing/2014/main" id="{381BAA9E-457C-FDC7-CC7F-E31AD284B6A5}"/>
+              </a:ext>
+            </a:extLst>
+          </p:cNvPr>
+          <p:cNvSpPr>
+            <a:spLocks noGrp="1"/>
+          </p:cNvSpPr>
+          <p:nvPr>
+            <p:ph idx="1"/>
+          </p:nvPr>
+        </p:nvSpPr>
+        <p:spPr/>
+        <p:txBody>
+          <a:bodyPr vert="horz" lIns="91440" tIns="45720" rIns="91440" bIns="45720" rtlCol="0" anchor="t">
+            <a:normAutofit/>
+          </a:bodyPr>
+          <a:lstStyle/>
+          <a:p>
+            <a:r>
+              <a:rPr lang="en-US" dirty="0"/>
+              <a:t>8/27: Statistics with R</a:t>
+            </a:r>
+          </a:p>
+          <a:p>
+            <a:r>
+              <a:rPr lang="en-US" dirty="0"/>
+              <a:t>8/28: Data Visualization and Tables with R</a:t>
+            </a:r>
+          </a:p>
+          <a:p>
+            <a:r>
+              <a:rPr lang="en-US" dirty="0"/>
+              <a:t>8/29: R Programming Basics</a:t>
+            </a:r>
+          </a:p>
+          <a:p>
+            <a:endParaRPr lang="en-US" dirty="0"/>
+          </a:p>
+        </p:txBody>
+      </p:sp>
+    </p:spTree>
+    <p:extLst>
+      <p:ext uri="{BB962C8B-B14F-4D97-AF65-F5344CB8AC3E}">
+        <p14:creationId xmlns:p14="http://schemas.microsoft.com/office/powerpoint/2010/main" val="594445095"/>
+      </p:ext>
+    </p:extLst>
+  </p:cSld>
+  <p:clrMapOvr>
+    <a:masterClrMapping/>
+  </p:clrMapOvr>
+</p:sld>
+</file>
+
+<file path=ppt/slides/slide7.xml><?xml version="1.0" encoding="utf-8"?>
+<p:sld xmlns:a="http://schemas.openxmlformats.org/drawingml/2006/main" xmlns:r="http://schemas.openxmlformats.org/officeDocument/2006/relationships" xmlns:p="http://schemas.openxmlformats.org/presentationml/2006/main">
+  <p:cSld>
+    <p:spTree>
+      <p:nvGrpSpPr>
+        <p:cNvPr id="1" name=""/>
+        <p:cNvGrpSpPr/>
+        <p:nvPr/>
+      </p:nvGrpSpPr>
+      <p:grpSpPr>
+        <a:xfrm>
+          <a:off x="0" y="0"/>
+          <a:ext cx="0" cy="0"/>
+          <a:chOff x="0" y="0"/>
+          <a:chExt cx="0" cy="0"/>
+        </a:xfrm>
+      </p:grpSpPr>
+      <p:sp>
+        <p:nvSpPr>
+          <p:cNvPr id="2" name="Title 1">
+            <a:extLst>
+              <a:ext uri="{FF2B5EF4-FFF2-40B4-BE49-F238E27FC236}">
                 <a16:creationId xmlns:a16="http://schemas.microsoft.com/office/drawing/2014/main" id="{939152A8-B6BC-1F13-5BE6-2CCEF55E7CD2}"/>
               </a:ext>
             </a:extLst>
@@ -3116,7 +6201,7 @@
 </p:sld>
 </file>
 
-<file path=ppt/slides/slide2.xml><?xml version="1.0" encoding="utf-8"?>
+<file path=ppt/slides/slide8.xml><?xml version="1.0" encoding="utf-8"?>
 <p:sld xmlns:a="http://schemas.openxmlformats.org/drawingml/2006/main" xmlns:r="http://schemas.openxmlformats.org/officeDocument/2006/relationships" xmlns:p="http://schemas.openxmlformats.org/presentationml/2006/main">
   <p:cSld>
     <p:spTree>
@@ -3200,7 +6285,7 @@
 </p:sld>
 </file>
 
-<file path=ppt/slides/slide3.xml><?xml version="1.0" encoding="utf-8"?>
+<file path=ppt/slides/slide9.xml><?xml version="1.0" encoding="utf-8"?>
 <p:sld xmlns:a="http://schemas.openxmlformats.org/drawingml/2006/main" xmlns:r="http://schemas.openxmlformats.org/officeDocument/2006/relationships" xmlns:p="http://schemas.openxmlformats.org/presentationml/2006/main">
   <p:cSld>
     <p:spTree>
@@ -3284,264 +6369,8 @@
 </p:sld>
 </file>
 
-<file path=ppt/slides/slide4.xml><?xml version="1.0" encoding="utf-8"?>
-<p:sld xmlns:a="http://schemas.openxmlformats.org/drawingml/2006/main" xmlns:r="http://schemas.openxmlformats.org/officeDocument/2006/relationships" xmlns:p="http://schemas.openxmlformats.org/presentationml/2006/main">
-  <p:cSld>
-    <p:spTree>
-      <p:nvGrpSpPr>
-        <p:cNvPr id="1" name=""/>
-        <p:cNvGrpSpPr/>
-        <p:nvPr/>
-      </p:nvGrpSpPr>
-      <p:grpSpPr>
-        <a:xfrm>
-          <a:off x="0" y="0"/>
-          <a:ext cx="0" cy="0"/>
-          <a:chOff x="0" y="0"/>
-          <a:chExt cx="0" cy="0"/>
-        </a:xfrm>
-      </p:grpSpPr>
-      <p:sp>
-        <p:nvSpPr>
-          <p:cNvPr id="2" name="Title 1">
-            <a:extLst>
-              <a:ext uri="{FF2B5EF4-FFF2-40B4-BE49-F238E27FC236}">
-                <a16:creationId xmlns:a16="http://schemas.microsoft.com/office/drawing/2014/main" id="{231DD4FD-EF6F-344A-1839-C73935DA180D}"/>
-              </a:ext>
-            </a:extLst>
-          </p:cNvPr>
-          <p:cNvSpPr>
-            <a:spLocks noGrp="1"/>
-          </p:cNvSpPr>
-          <p:nvPr>
-            <p:ph type="ctrTitle"/>
-          </p:nvPr>
-        </p:nvSpPr>
-        <p:spPr/>
-        <p:txBody>
-          <a:bodyPr/>
-          <a:lstStyle/>
-          <a:p>
-            <a:r>
-              <a:rPr lang="en-US" dirty="0"/>
-              <a:t>Pivoting with </a:t>
-            </a:r>
-            <a:r>
-              <a:rPr lang="en-US" dirty="0" err="1"/>
-              <a:t>tidyr</a:t>
-            </a:r>
-            <a:endParaRPr lang="en-US" dirty="0"/>
-          </a:p>
-        </p:txBody>
-      </p:sp>
-      <p:sp>
-        <p:nvSpPr>
-          <p:cNvPr id="3" name="Subtitle 2">
-            <a:extLst>
-              <a:ext uri="{FF2B5EF4-FFF2-40B4-BE49-F238E27FC236}">
-                <a16:creationId xmlns:a16="http://schemas.microsoft.com/office/drawing/2014/main" id="{A1FB5FA2-DC67-D196-757B-FE1665E03233}"/>
-              </a:ext>
-            </a:extLst>
-          </p:cNvPr>
-          <p:cNvSpPr>
-            <a:spLocks noGrp="1"/>
-          </p:cNvSpPr>
-          <p:nvPr>
-            <p:ph type="subTitle" idx="1"/>
-          </p:nvPr>
-        </p:nvSpPr>
-        <p:spPr/>
-        <p:txBody>
-          <a:bodyPr/>
-          <a:lstStyle/>
-          <a:p>
-            <a:endParaRPr lang="en-US"/>
-          </a:p>
-        </p:txBody>
-      </p:sp>
-    </p:spTree>
-    <p:extLst>
-      <p:ext uri="{BB962C8B-B14F-4D97-AF65-F5344CB8AC3E}">
-        <p14:creationId xmlns:p14="http://schemas.microsoft.com/office/powerpoint/2010/main" val="3205577857"/>
-      </p:ext>
-    </p:extLst>
-  </p:cSld>
-  <p:clrMapOvr>
-    <a:masterClrMapping/>
-  </p:clrMapOvr>
-</p:sld>
-</file>
-
-<file path=ppt/slides/slide5.xml><?xml version="1.0" encoding="utf-8"?>
-<p:sld xmlns:a="http://schemas.openxmlformats.org/drawingml/2006/main" xmlns:r="http://schemas.openxmlformats.org/officeDocument/2006/relationships" xmlns:p="http://schemas.openxmlformats.org/presentationml/2006/main">
-  <p:cSld>
-    <p:spTree>
-      <p:nvGrpSpPr>
-        <p:cNvPr id="1" name=""/>
-        <p:cNvGrpSpPr/>
-        <p:nvPr/>
-      </p:nvGrpSpPr>
-      <p:grpSpPr>
-        <a:xfrm>
-          <a:off x="0" y="0"/>
-          <a:ext cx="0" cy="0"/>
-          <a:chOff x="0" y="0"/>
-          <a:chExt cx="0" cy="0"/>
-        </a:xfrm>
-      </p:grpSpPr>
-      <p:sp>
-        <p:nvSpPr>
-          <p:cNvPr id="2" name="Title 1">
-            <a:extLst>
-              <a:ext uri="{FF2B5EF4-FFF2-40B4-BE49-F238E27FC236}">
-                <a16:creationId xmlns:a16="http://schemas.microsoft.com/office/drawing/2014/main" id="{087FCD86-7281-4975-26DA-A88A4E5D0F48}"/>
-              </a:ext>
-            </a:extLst>
-          </p:cNvPr>
-          <p:cNvSpPr>
-            <a:spLocks noGrp="1"/>
-          </p:cNvSpPr>
-          <p:nvPr>
-            <p:ph type="title"/>
-          </p:nvPr>
-        </p:nvSpPr>
-        <p:spPr/>
-        <p:txBody>
-          <a:bodyPr/>
-          <a:lstStyle/>
-          <a:p>
-            <a:endParaRPr lang="en-US"/>
-          </a:p>
-        </p:txBody>
-      </p:sp>
-      <p:pic>
-        <p:nvPicPr>
-          <p:cNvPr id="5" name="Content Placeholder 4" descr="A screenshot of a computer&#10;&#10;AI-generated content may be incorrect.">
-            <a:extLst>
-              <a:ext uri="{FF2B5EF4-FFF2-40B4-BE49-F238E27FC236}">
-                <a16:creationId xmlns:a16="http://schemas.microsoft.com/office/drawing/2014/main" id="{57140933-7BD7-BF45-B230-83EF57AE77A2}"/>
-              </a:ext>
-            </a:extLst>
-          </p:cNvPr>
-          <p:cNvPicPr>
-            <a:picLocks noGrp="1" noChangeAspect="1"/>
-          </p:cNvPicPr>
-          <p:nvPr>
-            <p:ph idx="1"/>
-          </p:nvPr>
-        </p:nvPicPr>
-        <p:blipFill>
-          <a:blip r:embed="rId2"/>
-          <a:stretch>
-            <a:fillRect/>
-          </a:stretch>
-        </p:blipFill>
-        <p:spPr>
-          <a:xfrm>
-            <a:off x="185109" y="731277"/>
-            <a:ext cx="11821781" cy="5395445"/>
-          </a:xfrm>
-        </p:spPr>
-      </p:pic>
-    </p:spTree>
-    <p:extLst>
-      <p:ext uri="{BB962C8B-B14F-4D97-AF65-F5344CB8AC3E}">
-        <p14:creationId xmlns:p14="http://schemas.microsoft.com/office/powerpoint/2010/main" val="2132565352"/>
-      </p:ext>
-    </p:extLst>
-  </p:cSld>
-  <p:clrMapOvr>
-    <a:masterClrMapping/>
-  </p:clrMapOvr>
-</p:sld>
-</file>
-
-<file path=ppt/slides/slide6.xml><?xml version="1.0" encoding="utf-8"?>
-<p:sld xmlns:a="http://schemas.openxmlformats.org/drawingml/2006/main" xmlns:r="http://schemas.openxmlformats.org/officeDocument/2006/relationships" xmlns:p="http://schemas.openxmlformats.org/presentationml/2006/main">
-  <p:cSld>
-    <p:spTree>
-      <p:nvGrpSpPr>
-        <p:cNvPr id="1" name=""/>
-        <p:cNvGrpSpPr/>
-        <p:nvPr/>
-      </p:nvGrpSpPr>
-      <p:grpSpPr>
-        <a:xfrm>
-          <a:off x="0" y="0"/>
-          <a:ext cx="0" cy="0"/>
-          <a:chOff x="0" y="0"/>
-          <a:chExt cx="0" cy="0"/>
-        </a:xfrm>
-      </p:grpSpPr>
-      <p:sp>
-        <p:nvSpPr>
-          <p:cNvPr id="2" name="Title 1">
-            <a:extLst>
-              <a:ext uri="{FF2B5EF4-FFF2-40B4-BE49-F238E27FC236}">
-                <a16:creationId xmlns:a16="http://schemas.microsoft.com/office/drawing/2014/main" id="{E5033671-E71F-793D-774C-1A28600527B5}"/>
-              </a:ext>
-            </a:extLst>
-          </p:cNvPr>
-          <p:cNvSpPr>
-            <a:spLocks noGrp="1"/>
-          </p:cNvSpPr>
-          <p:nvPr>
-            <p:ph type="title"/>
-          </p:nvPr>
-        </p:nvSpPr>
-        <p:spPr/>
-        <p:txBody>
-          <a:bodyPr/>
-          <a:lstStyle/>
-          <a:p>
-            <a:endParaRPr lang="en-US"/>
-          </a:p>
-        </p:txBody>
-      </p:sp>
-      <p:pic>
-        <p:nvPicPr>
-          <p:cNvPr id="5" name="Content Placeholder 4" descr="A close-up of a chart&#10;&#10;AI-generated content may be incorrect.">
-            <a:extLst>
-              <a:ext uri="{FF2B5EF4-FFF2-40B4-BE49-F238E27FC236}">
-                <a16:creationId xmlns:a16="http://schemas.microsoft.com/office/drawing/2014/main" id="{0ADE11A6-E2B2-F4A7-CF4C-FC72FC947084}"/>
-              </a:ext>
-            </a:extLst>
-          </p:cNvPr>
-          <p:cNvPicPr>
-            <a:picLocks noGrp="1" noChangeAspect="1"/>
-          </p:cNvPicPr>
-          <p:nvPr>
-            <p:ph idx="1"/>
-          </p:nvPr>
-        </p:nvPicPr>
-        <p:blipFill>
-          <a:blip r:embed="rId2"/>
-          <a:stretch>
-            <a:fillRect/>
-          </a:stretch>
-        </p:blipFill>
-        <p:spPr>
-          <a:xfrm>
-            <a:off x="167708" y="738000"/>
-            <a:ext cx="11856584" cy="5381999"/>
-          </a:xfrm>
-        </p:spPr>
-      </p:pic>
-    </p:spTree>
-    <p:extLst>
-      <p:ext uri="{BB962C8B-B14F-4D97-AF65-F5344CB8AC3E}">
-        <p14:creationId xmlns:p14="http://schemas.microsoft.com/office/powerpoint/2010/main" val="1936354208"/>
-      </p:ext>
-    </p:extLst>
-  </p:cSld>
-  <p:clrMapOvr>
-    <a:masterClrMapping/>
-  </p:clrMapOvr>
-</p:sld>
-</file>
-
 <file path=ppt/theme/theme1.xml><?xml version="1.0" encoding="utf-8"?>
-<a:theme xmlns:a="http://schemas.openxmlformats.org/drawingml/2006/main" name="office theme">
+<a:theme xmlns:a="http://schemas.openxmlformats.org/drawingml/2006/main" name="Office Theme">
   <a:themeElements>
     <a:clrScheme name="Office">
       <a:dk1>
@@ -3581,14 +6410,14 @@
         <a:srgbClr val="96607D"/>
       </a:folHlink>
     </a:clrScheme>
-    <a:fontScheme name="Office Theme">
+    <a:fontScheme name="Office">
       <a:majorFont>
-        <a:latin typeface="Aptos Display" panose="020F0302020204030204"/>
+        <a:latin typeface="Aptos Display" panose="02110004020202020204"/>
         <a:ea typeface=""/>
         <a:cs typeface=""/>
-        <a:font script="Jpan" typeface="ＭＳ Ｐゴシック"/>
+        <a:font script="Jpan" typeface="游ゴシック Light"/>
         <a:font script="Hang" typeface="맑은 고딕"/>
-        <a:font script="Hans" typeface="宋体"/>
+        <a:font script="Hans" typeface="等线 Light"/>
         <a:font script="Hant" typeface="新細明體"/>
         <a:font script="Arab" typeface="Times New Roman"/>
         <a:font script="Hebr" typeface="Times New Roman"/>
@@ -3616,14 +6445,31 @@
         <a:font script="Viet" typeface="Times New Roman"/>
         <a:font script="Uigh" typeface="Microsoft Uighur"/>
         <a:font script="Geor" typeface="Sylfaen"/>
+        <a:font script="Armn" typeface="Arial"/>
+        <a:font script="Bugi" typeface="Leelawadee UI"/>
+        <a:font script="Bopo" typeface="Microsoft JhengHei"/>
+        <a:font script="Java" typeface="Javanese Text"/>
+        <a:font script="Lisu" typeface="Segoe UI"/>
+        <a:font script="Mymr" typeface="Myanmar Text"/>
+        <a:font script="Nkoo" typeface="Ebrima"/>
+        <a:font script="Olck" typeface="Nirmala UI"/>
+        <a:font script="Osma" typeface="Ebrima"/>
+        <a:font script="Phag" typeface="Phagspa"/>
+        <a:font script="Syrn" typeface="Estrangelo Edessa"/>
+        <a:font script="Syrj" typeface="Estrangelo Edessa"/>
+        <a:font script="Syre" typeface="Estrangelo Edessa"/>
+        <a:font script="Sora" typeface="Nirmala UI"/>
+        <a:font script="Tale" typeface="Microsoft Tai Le"/>
+        <a:font script="Talu" typeface="Microsoft New Tai Lue"/>
+        <a:font script="Tfng" typeface="Ebrima"/>
       </a:majorFont>
       <a:minorFont>
-        <a:latin typeface="Aptos" panose="020B0004020202020204"/>
+        <a:latin typeface="Aptos" panose="02110004020202020204"/>
         <a:ea typeface=""/>
         <a:cs typeface=""/>
-        <a:font script="Jpan" typeface="ＭＳ Ｐゴシック"/>
+        <a:font script="Jpan" typeface="游ゴシック"/>
         <a:font script="Hang" typeface="맑은 고딕"/>
-        <a:font script="Hans" typeface="宋体"/>
+        <a:font script="Hans" typeface="等线"/>
         <a:font script="Hant" typeface="新細明體"/>
         <a:font script="Arab" typeface="Arial"/>
         <a:font script="Hebr" typeface="Arial"/>
@@ -3651,9 +6497,26 @@
         <a:font script="Viet" typeface="Arial"/>
         <a:font script="Uigh" typeface="Microsoft Uighur"/>
         <a:font script="Geor" typeface="Sylfaen"/>
+        <a:font script="Armn" typeface="Arial"/>
+        <a:font script="Bugi" typeface="Leelawadee UI"/>
+        <a:font script="Bopo" typeface="Microsoft JhengHei"/>
+        <a:font script="Java" typeface="Javanese Text"/>
+        <a:font script="Lisu" typeface="Segoe UI"/>
+        <a:font script="Mymr" typeface="Myanmar Text"/>
+        <a:font script="Nkoo" typeface="Ebrima"/>
+        <a:font script="Olck" typeface="Nirmala UI"/>
+        <a:font script="Osma" typeface="Ebrima"/>
+        <a:font script="Phag" typeface="Phagspa"/>
+        <a:font script="Syrn" typeface="Estrangelo Edessa"/>
+        <a:font script="Syrj" typeface="Estrangelo Edessa"/>
+        <a:font script="Syre" typeface="Estrangelo Edessa"/>
+        <a:font script="Sora" typeface="Nirmala UI"/>
+        <a:font script="Tale" typeface="Microsoft Tai Le"/>
+        <a:font script="Talu" typeface="Microsoft New Tai Lue"/>
+        <a:font script="Tfng" typeface="Ebrima"/>
       </a:minorFont>
     </a:fontScheme>
-    <a:fmtScheme name="Office Theme">
+    <a:fmtScheme name="Office">
       <a:fillStyleLst>
         <a:solidFill>
           <a:schemeClr val="phClr"/>
@@ -3821,30 +6684,304 @@
 </a:theme>
 </file>
 
-<file path=customXml/item1.xml><?xml version="1.0" encoding="utf-8"?>
-<p:properties xmlns:p="http://schemas.microsoft.com/office/2006/metadata/properties" xmlns:xsi="http://www.w3.org/2001/XMLSchema-instance" xmlns:pc="http://schemas.microsoft.com/office/infopath/2007/PartnerControls">
-  <documentManagement>
-    <Notes xmlns="2abaa01e-9938-407e-aa0b-10580c653abd" xsi:nil="true"/>
-    <TaxCatchAll xmlns="efce84db-8738-4c7b-9bdc-65b9500871f6" xsi:nil="true"/>
-    <lcf76f155ced4ddcb4097134ff3c332f xmlns="2abaa01e-9938-407e-aa0b-10580c653abd">
-      <Terms xmlns="http://schemas.microsoft.com/office/infopath/2007/PartnerControls"/>
-    </lcf76f155ced4ddcb4097134ff3c332f>
-  </documentManagement>
-</p:properties>
+<file path=ppt/theme/theme2.xml><?xml version="1.0" encoding="utf-8"?>
+<a:theme xmlns:a="http://schemas.openxmlformats.org/drawingml/2006/main" name="Office Theme">
+  <a:themeElements>
+    <a:clrScheme name="Office">
+      <a:dk1>
+        <a:sysClr val="windowText" lastClr="000000"/>
+      </a:dk1>
+      <a:lt1>
+        <a:sysClr val="window" lastClr="FFFFFF"/>
+      </a:lt1>
+      <a:dk2>
+        <a:srgbClr val="44546A"/>
+      </a:dk2>
+      <a:lt2>
+        <a:srgbClr val="E7E6E6"/>
+      </a:lt2>
+      <a:accent1>
+        <a:srgbClr val="4472C4"/>
+      </a:accent1>
+      <a:accent2>
+        <a:srgbClr val="ED7D31"/>
+      </a:accent2>
+      <a:accent3>
+        <a:srgbClr val="A5A5A5"/>
+      </a:accent3>
+      <a:accent4>
+        <a:srgbClr val="FFC000"/>
+      </a:accent4>
+      <a:accent5>
+        <a:srgbClr val="5B9BD5"/>
+      </a:accent5>
+      <a:accent6>
+        <a:srgbClr val="70AD47"/>
+      </a:accent6>
+      <a:hlink>
+        <a:srgbClr val="0563C1"/>
+      </a:hlink>
+      <a:folHlink>
+        <a:srgbClr val="954F72"/>
+      </a:folHlink>
+    </a:clrScheme>
+    <a:fontScheme name="Office">
+      <a:majorFont>
+        <a:latin typeface="Calibri Light" panose="020F0302020204030204"/>
+        <a:ea typeface=""/>
+        <a:cs typeface=""/>
+        <a:font script="Jpan" typeface="游ゴシック Light"/>
+        <a:font script="Hang" typeface="맑은 고딕"/>
+        <a:font script="Hans" typeface="等线 Light"/>
+        <a:font script="Hant" typeface="新細明體"/>
+        <a:font script="Arab" typeface="Times New Roman"/>
+        <a:font script="Hebr" typeface="Times New Roman"/>
+        <a:font script="Thai" typeface="Angsana New"/>
+        <a:font script="Ethi" typeface="Nyala"/>
+        <a:font script="Beng" typeface="Vrinda"/>
+        <a:font script="Gujr" typeface="Shruti"/>
+        <a:font script="Khmr" typeface="MoolBoran"/>
+        <a:font script="Knda" typeface="Tunga"/>
+        <a:font script="Guru" typeface="Raavi"/>
+        <a:font script="Cans" typeface="Euphemia"/>
+        <a:font script="Cher" typeface="Plantagenet Cherokee"/>
+        <a:font script="Yiii" typeface="Microsoft Yi Baiti"/>
+        <a:font script="Tibt" typeface="Microsoft Himalaya"/>
+        <a:font script="Thaa" typeface="MV Boli"/>
+        <a:font script="Deva" typeface="Mangal"/>
+        <a:font script="Telu" typeface="Gautami"/>
+        <a:font script="Taml" typeface="Latha"/>
+        <a:font script="Syrc" typeface="Estrangelo Edessa"/>
+        <a:font script="Orya" typeface="Kalinga"/>
+        <a:font script="Mlym" typeface="Kartika"/>
+        <a:font script="Laoo" typeface="DokChampa"/>
+        <a:font script="Sinh" typeface="Iskoola Pota"/>
+        <a:font script="Mong" typeface="Mongolian Baiti"/>
+        <a:font script="Viet" typeface="Times New Roman"/>
+        <a:font script="Uigh" typeface="Microsoft Uighur"/>
+        <a:font script="Geor" typeface="Sylfaen"/>
+        <a:font script="Armn" typeface="Arial"/>
+        <a:font script="Bugi" typeface="Leelawadee UI"/>
+        <a:font script="Bopo" typeface="Microsoft JhengHei"/>
+        <a:font script="Java" typeface="Javanese Text"/>
+        <a:font script="Lisu" typeface="Segoe UI"/>
+        <a:font script="Mymr" typeface="Myanmar Text"/>
+        <a:font script="Nkoo" typeface="Ebrima"/>
+        <a:font script="Olck" typeface="Nirmala UI"/>
+        <a:font script="Osma" typeface="Ebrima"/>
+        <a:font script="Phag" typeface="Phagspa"/>
+        <a:font script="Syrn" typeface="Estrangelo Edessa"/>
+        <a:font script="Syrj" typeface="Estrangelo Edessa"/>
+        <a:font script="Syre" typeface="Estrangelo Edessa"/>
+        <a:font script="Sora" typeface="Nirmala UI"/>
+        <a:font script="Tale" typeface="Microsoft Tai Le"/>
+        <a:font script="Talu" typeface="Microsoft New Tai Lue"/>
+        <a:font script="Tfng" typeface="Ebrima"/>
+      </a:majorFont>
+      <a:minorFont>
+        <a:latin typeface="Calibri" panose="020F0502020204030204"/>
+        <a:ea typeface=""/>
+        <a:cs typeface=""/>
+        <a:font script="Jpan" typeface="游ゴシック"/>
+        <a:font script="Hang" typeface="맑은 고딕"/>
+        <a:font script="Hans" typeface="等线"/>
+        <a:font script="Hant" typeface="新細明體"/>
+        <a:font script="Arab" typeface="Arial"/>
+        <a:font script="Hebr" typeface="Arial"/>
+        <a:font script="Thai" typeface="Cordia New"/>
+        <a:font script="Ethi" typeface="Nyala"/>
+        <a:font script="Beng" typeface="Vrinda"/>
+        <a:font script="Gujr" typeface="Shruti"/>
+        <a:font script="Khmr" typeface="DaunPenh"/>
+        <a:font script="Knda" typeface="Tunga"/>
+        <a:font script="Guru" typeface="Raavi"/>
+        <a:font script="Cans" typeface="Euphemia"/>
+        <a:font script="Cher" typeface="Plantagenet Cherokee"/>
+        <a:font script="Yiii" typeface="Microsoft Yi Baiti"/>
+        <a:font script="Tibt" typeface="Microsoft Himalaya"/>
+        <a:font script="Thaa" typeface="MV Boli"/>
+        <a:font script="Deva" typeface="Mangal"/>
+        <a:font script="Telu" typeface="Gautami"/>
+        <a:font script="Taml" typeface="Latha"/>
+        <a:font script="Syrc" typeface="Estrangelo Edessa"/>
+        <a:font script="Orya" typeface="Kalinga"/>
+        <a:font script="Mlym" typeface="Kartika"/>
+        <a:font script="Laoo" typeface="DokChampa"/>
+        <a:font script="Sinh" typeface="Iskoola Pota"/>
+        <a:font script="Mong" typeface="Mongolian Baiti"/>
+        <a:font script="Viet" typeface="Arial"/>
+        <a:font script="Uigh" typeface="Microsoft Uighur"/>
+        <a:font script="Geor" typeface="Sylfaen"/>
+        <a:font script="Armn" typeface="Arial"/>
+        <a:font script="Bugi" typeface="Leelawadee UI"/>
+        <a:font script="Bopo" typeface="Microsoft JhengHei"/>
+        <a:font script="Java" typeface="Javanese Text"/>
+        <a:font script="Lisu" typeface="Segoe UI"/>
+        <a:font script="Mymr" typeface="Myanmar Text"/>
+        <a:font script="Nkoo" typeface="Ebrima"/>
+        <a:font script="Olck" typeface="Nirmala UI"/>
+        <a:font script="Osma" typeface="Ebrima"/>
+        <a:font script="Phag" typeface="Phagspa"/>
+        <a:font script="Syrn" typeface="Estrangelo Edessa"/>
+        <a:font script="Syrj" typeface="Estrangelo Edessa"/>
+        <a:font script="Syre" typeface="Estrangelo Edessa"/>
+        <a:font script="Sora" typeface="Nirmala UI"/>
+        <a:font script="Tale" typeface="Microsoft Tai Le"/>
+        <a:font script="Talu" typeface="Microsoft New Tai Lue"/>
+        <a:font script="Tfng" typeface="Ebrima"/>
+      </a:minorFont>
+    </a:fontScheme>
+    <a:fmtScheme name="Office">
+      <a:fillStyleLst>
+        <a:solidFill>
+          <a:schemeClr val="phClr"/>
+        </a:solidFill>
+        <a:gradFill rotWithShape="1">
+          <a:gsLst>
+            <a:gs pos="0">
+              <a:schemeClr val="phClr">
+                <a:lumMod val="110000"/>
+                <a:satMod val="105000"/>
+                <a:tint val="67000"/>
+              </a:schemeClr>
+            </a:gs>
+            <a:gs pos="50000">
+              <a:schemeClr val="phClr">
+                <a:lumMod val="105000"/>
+                <a:satMod val="103000"/>
+                <a:tint val="73000"/>
+              </a:schemeClr>
+            </a:gs>
+            <a:gs pos="100000">
+              <a:schemeClr val="phClr">
+                <a:lumMod val="105000"/>
+                <a:satMod val="109000"/>
+                <a:tint val="81000"/>
+              </a:schemeClr>
+            </a:gs>
+          </a:gsLst>
+          <a:lin ang="5400000" scaled="0"/>
+        </a:gradFill>
+        <a:gradFill rotWithShape="1">
+          <a:gsLst>
+            <a:gs pos="0">
+              <a:schemeClr val="phClr">
+                <a:satMod val="103000"/>
+                <a:lumMod val="102000"/>
+                <a:tint val="94000"/>
+              </a:schemeClr>
+            </a:gs>
+            <a:gs pos="50000">
+              <a:schemeClr val="phClr">
+                <a:satMod val="110000"/>
+                <a:lumMod val="100000"/>
+                <a:shade val="100000"/>
+              </a:schemeClr>
+            </a:gs>
+            <a:gs pos="100000">
+              <a:schemeClr val="phClr">
+                <a:lumMod val="99000"/>
+                <a:satMod val="120000"/>
+                <a:shade val="78000"/>
+              </a:schemeClr>
+            </a:gs>
+          </a:gsLst>
+          <a:lin ang="5400000" scaled="0"/>
+        </a:gradFill>
+      </a:fillStyleLst>
+      <a:lnStyleLst>
+        <a:ln w="6350" cap="flat" cmpd="sng" algn="ctr">
+          <a:solidFill>
+            <a:schemeClr val="phClr"/>
+          </a:solidFill>
+          <a:prstDash val="solid"/>
+          <a:miter lim="800000"/>
+        </a:ln>
+        <a:ln w="12700" cap="flat" cmpd="sng" algn="ctr">
+          <a:solidFill>
+            <a:schemeClr val="phClr"/>
+          </a:solidFill>
+          <a:prstDash val="solid"/>
+          <a:miter lim="800000"/>
+        </a:ln>
+        <a:ln w="19050" cap="flat" cmpd="sng" algn="ctr">
+          <a:solidFill>
+            <a:schemeClr val="phClr"/>
+          </a:solidFill>
+          <a:prstDash val="solid"/>
+          <a:miter lim="800000"/>
+        </a:ln>
+      </a:lnStyleLst>
+      <a:effectStyleLst>
+        <a:effectStyle>
+          <a:effectLst/>
+        </a:effectStyle>
+        <a:effectStyle>
+          <a:effectLst/>
+        </a:effectStyle>
+        <a:effectStyle>
+          <a:effectLst>
+            <a:outerShdw blurRad="57150" dist="19050" dir="5400000" algn="ctr" rotWithShape="0">
+              <a:srgbClr val="000000">
+                <a:alpha val="63000"/>
+              </a:srgbClr>
+            </a:outerShdw>
+          </a:effectLst>
+        </a:effectStyle>
+      </a:effectStyleLst>
+      <a:bgFillStyleLst>
+        <a:solidFill>
+          <a:schemeClr val="phClr"/>
+        </a:solidFill>
+        <a:solidFill>
+          <a:schemeClr val="phClr">
+            <a:tint val="95000"/>
+            <a:satMod val="170000"/>
+          </a:schemeClr>
+        </a:solidFill>
+        <a:gradFill rotWithShape="1">
+          <a:gsLst>
+            <a:gs pos="0">
+              <a:schemeClr val="phClr">
+                <a:tint val="93000"/>
+                <a:satMod val="150000"/>
+                <a:shade val="98000"/>
+                <a:lumMod val="102000"/>
+              </a:schemeClr>
+            </a:gs>
+            <a:gs pos="50000">
+              <a:schemeClr val="phClr">
+                <a:tint val="98000"/>
+                <a:satMod val="130000"/>
+                <a:shade val="90000"/>
+                <a:lumMod val="103000"/>
+              </a:schemeClr>
+            </a:gs>
+            <a:gs pos="100000">
+              <a:schemeClr val="phClr">
+                <a:shade val="63000"/>
+                <a:satMod val="120000"/>
+              </a:schemeClr>
+            </a:gs>
+          </a:gsLst>
+          <a:lin ang="5400000" scaled="0"/>
+        </a:gradFill>
+      </a:bgFillStyleLst>
+    </a:fmtScheme>
+  </a:themeElements>
+  <a:objectDefaults/>
+  <a:extraClrSchemeLst/>
+  <a:extLst>
+    <a:ext uri="{05A4C25C-085E-4340-85A3-A5531E510DB2}">
+      <thm15:themeFamily xmlns:thm15="http://schemas.microsoft.com/office/thememl/2012/main" name="Office Theme" id="{62F939B6-93AF-4DB8-9C6B-D6C7DFDC589F}" vid="{4A3C46E8-61CC-4603-A589-7422A47A8E4A}"/>
+    </a:ext>
+  </a:extLst>
+</a:theme>
 </file>
 
-<file path=customXml/item2.xml><?xml version="1.0" encoding="utf-8"?>
-<?mso-contentType ?>
-<FormTemplates xmlns="http://schemas.microsoft.com/sharepoint/v3/contenttype/forms">
-  <Display>DocumentLibraryForm</Display>
-  <Edit>DocumentLibraryForm</Edit>
-  <New>DocumentLibraryForm</New>
-</FormTemplates>
-</file>
-
-<file path=customXml/item3.xml><?xml version="1.0" encoding="utf-8"?>
-<ct:contentTypeSchema xmlns:ct="http://schemas.microsoft.com/office/2006/metadata/contentType" xmlns:ma="http://schemas.microsoft.com/office/2006/metadata/properties/metaAttributes" ct:_="" ma:_="" ma:contentTypeName="Document" ma:contentTypeID="0x010100A0BC9924B2BE754D9B1ADDA1D4CEDCCC" ma:contentTypeVersion="20" ma:contentTypeDescription="Create a new document." ma:contentTypeScope="" ma:versionID="4338fadee27a2b349d14c729eca432ee">
-  <xsd:schema xmlns:xsd="http://www.w3.org/2001/XMLSchema" xmlns:xs="http://www.w3.org/2001/XMLSchema" xmlns:p="http://schemas.microsoft.com/office/2006/metadata/properties" xmlns:ns2="2abaa01e-9938-407e-aa0b-10580c653abd" xmlns:ns3="7be34c64-93b8-4842-bfae-c3106b8c53c2" xmlns:ns4="efce84db-8738-4c7b-9bdc-65b9500871f6" targetNamespace="http://schemas.microsoft.com/office/2006/metadata/properties" ma:root="true" ma:fieldsID="edf0bcebcd0cdd63ab6270adfc88f193" ns2:_="" ns3:_="" ns4:_="">
+<file path=customXml/item1.xml><?xml version="1.0" encoding="utf-8"?>
+<ct:contentTypeSchema xmlns:ct="http://schemas.microsoft.com/office/2006/metadata/contentType" xmlns:ma="http://schemas.microsoft.com/office/2006/metadata/properties/metaAttributes" ct:_="" ma:_="" ma:contentTypeName="Document" ma:contentTypeID="0x010100A0BC9924B2BE754D9B1ADDA1D4CEDCCC" ma:contentTypeVersion="19" ma:contentTypeDescription="Create a new document." ma:contentTypeScope="" ma:versionID="7b22c85b2f8f6a1c666a353fcbffedd6">
+  <xsd:schema xmlns:xsd="http://www.w3.org/2001/XMLSchema" xmlns:xs="http://www.w3.org/2001/XMLSchema" xmlns:p="http://schemas.microsoft.com/office/2006/metadata/properties" xmlns:ns2="2abaa01e-9938-407e-aa0b-10580c653abd" xmlns:ns3="7be34c64-93b8-4842-bfae-c3106b8c53c2" xmlns:ns4="efce84db-8738-4c7b-9bdc-65b9500871f6" targetNamespace="http://schemas.microsoft.com/office/2006/metadata/properties" ma:root="true" ma:fieldsID="f5169a24320b7be6acaef9b01dd42178" ns2:_="" ns3:_="" ns4:_="">
     <xsd:import namespace="2abaa01e-9938-407e-aa0b-10580c653abd"/>
     <xsd:import namespace="7be34c64-93b8-4842-bfae-c3106b8c53c2"/>
     <xsd:import namespace="efce84db-8738-4c7b-9bdc-65b9500871f6"/>
@@ -3871,7 +7008,6 @@
                 <xsd:element ref="ns2:MediaServiceObjectDetectorVersions" minOccurs="0"/>
                 <xsd:element ref="ns2:MediaServiceSearchProperties" minOccurs="0"/>
                 <xsd:element ref="ns2:Notes" minOccurs="0"/>
-                <xsd:element ref="ns2:MediaServiceLocation" minOccurs="0"/>
               </xsd:all>
             </xsd:complexType>
           </xsd:element>
@@ -3958,11 +7094,6 @@
         <xsd:restriction base="dms:Note">
           <xsd:maxLength value="255"/>
         </xsd:restriction>
-      </xsd:simpleType>
-    </xsd:element>
-    <xsd:element name="MediaServiceLocation" ma:index="26" nillable="true" ma:displayName="Location" ma:indexed="true" ma:internalName="MediaServiceLocation" ma:readOnly="true">
-      <xsd:simpleType>
-        <xsd:restriction base="dms:Text"/>
       </xsd:simpleType>
     </xsd:element>
   </xsd:schema>
@@ -4110,41 +7241,62 @@
 </ct:contentTypeSchema>
 </file>
 
+<file path=customXml/item2.xml><?xml version="1.0" encoding="utf-8"?>
+<p:properties xmlns:p="http://schemas.microsoft.com/office/2006/metadata/properties" xmlns:xsi="http://www.w3.org/2001/XMLSchema-instance" xmlns:pc="http://schemas.microsoft.com/office/infopath/2007/PartnerControls">
+  <documentManagement>
+    <Notes xmlns="2abaa01e-9938-407e-aa0b-10580c653abd" xsi:nil="true"/>
+    <TaxCatchAll xmlns="efce84db-8738-4c7b-9bdc-65b9500871f6" xsi:nil="true"/>
+    <lcf76f155ced4ddcb4097134ff3c332f xmlns="2abaa01e-9938-407e-aa0b-10580c653abd">
+      <Terms xmlns="http://schemas.microsoft.com/office/infopath/2007/PartnerControls"/>
+    </lcf76f155ced4ddcb4097134ff3c332f>
+  </documentManagement>
+</p:properties>
+</file>
+
+<file path=customXml/item3.xml><?xml version="1.0" encoding="utf-8"?>
+<?mso-contentType ?>
+<FormTemplates xmlns="http://schemas.microsoft.com/sharepoint/v3/contenttype/forms">
+  <Display>DocumentLibraryForm</Display>
+  <Edit>DocumentLibraryForm</Edit>
+  <New>DocumentLibraryForm</New>
+</FormTemplates>
+</file>
+
 <file path=customXml/itemProps1.xml><?xml version="1.0" encoding="utf-8"?>
-<ds:datastoreItem xmlns:ds="http://schemas.openxmlformats.org/officeDocument/2006/customXml" ds:itemID="{B8CA0067-0978-40C1-9C9E-43FC413822C1}">
+<ds:datastoreItem xmlns:ds="http://schemas.openxmlformats.org/officeDocument/2006/customXml" ds:itemID="{9504B126-1B3A-4D06-B784-5ACB07A3D410}">
   <ds:schemaRefs>
+    <ds:schemaRef ds:uri="2abaa01e-9938-407e-aa0b-10580c653abd"/>
+    <ds:schemaRef ds:uri="7be34c64-93b8-4842-bfae-c3106b8c53c2"/>
+    <ds:schemaRef ds:uri="efce84db-8738-4c7b-9bdc-65b9500871f6"/>
+    <ds:schemaRef ds:uri="http://purl.org/dc/elements/1.1/"/>
+    <ds:schemaRef ds:uri="http://purl.org/dc/terms/"/>
+    <ds:schemaRef ds:uri="http://schemas.microsoft.com/internal/obd"/>
+    <ds:schemaRef ds:uri="http://schemas.microsoft.com/office/2006/documentManagement/types"/>
+    <ds:schemaRef ds:uri="http://schemas.microsoft.com/office/2006/metadata/contentType"/>
     <ds:schemaRef ds:uri="http://schemas.microsoft.com/office/2006/metadata/properties"/>
+    <ds:schemaRef ds:uri="http://schemas.microsoft.com/office/2006/metadata/properties/metaAttributes"/>
     <ds:schemaRef ds:uri="http://schemas.microsoft.com/office/infopath/2007/PartnerControls"/>
-    <ds:schemaRef ds:uri="2abaa01e-9938-407e-aa0b-10580c653abd"/>
-    <ds:schemaRef ds:uri="efce84db-8738-4c7b-9bdc-65b9500871f6"/>
+    <ds:schemaRef ds:uri="http://schemas.openxmlformats.org/package/2006/metadata/core-properties"/>
+    <ds:schemaRef ds:uri="http://www.w3.org/2001/XMLSchema"/>
   </ds:schemaRefs>
 </ds:datastoreItem>
 </file>
 
 <file path=customXml/itemProps2.xml><?xml version="1.0" encoding="utf-8"?>
-<ds:datastoreItem xmlns:ds="http://schemas.openxmlformats.org/officeDocument/2006/customXml" ds:itemID="{82269213-1A85-4D09-8098-DEC09DCA349D}">
+<ds:datastoreItem xmlns:ds="http://schemas.openxmlformats.org/officeDocument/2006/customXml" ds:itemID="{3BE9614C-AFF3-4042-B96A-BCA0CA447D5C}">
   <ds:schemaRefs>
-    <ds:schemaRef ds:uri="http://schemas.microsoft.com/sharepoint/v3/contenttype/forms"/>
+    <ds:schemaRef ds:uri="2abaa01e-9938-407e-aa0b-10580c653abd"/>
+    <ds:schemaRef ds:uri="efce84db-8738-4c7b-9bdc-65b9500871f6"/>
+    <ds:schemaRef ds:uri="http://schemas.microsoft.com/office/2006/metadata/properties"/>
+    <ds:schemaRef ds:uri="http://schemas.microsoft.com/office/infopath/2007/PartnerControls"/>
   </ds:schemaRefs>
 </ds:datastoreItem>
 </file>
 
 <file path=customXml/itemProps3.xml><?xml version="1.0" encoding="utf-8"?>
-<ds:datastoreItem xmlns:ds="http://schemas.openxmlformats.org/officeDocument/2006/customXml" ds:itemID="{CC0E1007-D1FA-47CF-8323-8D55133CF520}">
+<ds:datastoreItem xmlns:ds="http://schemas.openxmlformats.org/officeDocument/2006/customXml" ds:itemID="{D2D699D9-1B31-4616-8FB0-B4CEE1C49142}">
   <ds:schemaRefs>
-    <ds:schemaRef ds:uri="http://schemas.microsoft.com/office/2006/metadata/contentType"/>
-    <ds:schemaRef ds:uri="http://schemas.microsoft.com/office/2006/metadata/properties/metaAttributes"/>
-    <ds:schemaRef ds:uri="http://www.w3.org/2001/XMLSchema"/>
-    <ds:schemaRef ds:uri="http://schemas.microsoft.com/office/2006/metadata/properties"/>
-    <ds:schemaRef ds:uri="2abaa01e-9938-407e-aa0b-10580c653abd"/>
-    <ds:schemaRef ds:uri="7be34c64-93b8-4842-bfae-c3106b8c53c2"/>
-    <ds:schemaRef ds:uri="efce84db-8738-4c7b-9bdc-65b9500871f6"/>
-    <ds:schemaRef ds:uri="http://schemas.microsoft.com/office/2006/documentManagement/types"/>
-    <ds:schemaRef ds:uri="http://schemas.microsoft.com/office/infopath/2007/PartnerControls"/>
-    <ds:schemaRef ds:uri="http://schemas.openxmlformats.org/package/2006/metadata/core-properties"/>
-    <ds:schemaRef ds:uri="http://purl.org/dc/elements/1.1/"/>
-    <ds:schemaRef ds:uri="http://purl.org/dc/terms/"/>
-    <ds:schemaRef ds:uri="http://schemas.microsoft.com/internal/obd"/>
+    <ds:schemaRef ds:uri="http://schemas.microsoft.com/sharepoint/v3/contenttype/forms"/>
   </ds:schemaRefs>
 </ds:datastoreItem>
 </file>